--- a/정규표현식 라이브러리 성능 비교 (RegexBench) 프로그램 매뉴얼.pptx
+++ b/정규표현식 라이브러리 성능 비교 (RegexBench) 프로그램 매뉴얼.pptx
@@ -234,7 +234,7 @@
           <a:p>
             <a:fld id="{B331C4D5-3D81-41EE-9BAC-F7524609EB27}" type="datetimeFigureOut">
               <a:rPr lang="ko-KR" altLang="en-US" smtClean="0"/>
-              <a:t>2024-11-05</a:t>
+              <a:t>2024-11-11</a:t>
             </a:fld>
             <a:endParaRPr lang="ko-KR" altLang="en-US"/>
           </a:p>
@@ -400,7 +400,7 @@
           <a:p>
             <a:fld id="{F9DBF2FE-6022-4292-9ED6-05790478348A}" type="datetimeFigureOut">
               <a:rPr lang="ko-KR" altLang="en-US" smtClean="0"/>
-              <a:t>2024-11-05</a:t>
+              <a:t>2024-11-11</a:t>
             </a:fld>
             <a:endParaRPr lang="ko-KR" altLang="en-US"/>
           </a:p>
@@ -800,7 +800,7 @@
           <a:p>
             <a:fld id="{E2F4245B-6130-479B-BF11-1BF81AB662C1}" type="datetime1">
               <a:rPr lang="ko-KR" altLang="en-US" smtClean="0"/>
-              <a:t>2024-11-05</a:t>
+              <a:t>2024-11-11</a:t>
             </a:fld>
             <a:endParaRPr lang="ko-KR" altLang="en-US"/>
           </a:p>
@@ -970,7 +970,7 @@
           <a:p>
             <a:fld id="{F23BD81F-FA9A-410E-B18B-5AF11393B9D5}" type="datetime1">
               <a:rPr lang="ko-KR" altLang="en-US" smtClean="0"/>
-              <a:t>2024-11-05</a:t>
+              <a:t>2024-11-11</a:t>
             </a:fld>
             <a:endParaRPr lang="ko-KR" altLang="en-US"/>
           </a:p>
@@ -1150,7 +1150,7 @@
           <a:p>
             <a:fld id="{E2D384C7-8747-43EE-9193-FB743566546F}" type="datetime1">
               <a:rPr lang="ko-KR" altLang="en-US" smtClean="0"/>
-              <a:t>2024-11-05</a:t>
+              <a:t>2024-11-11</a:t>
             </a:fld>
             <a:endParaRPr lang="ko-KR" altLang="en-US"/>
           </a:p>
@@ -1320,7 +1320,7 @@
           <a:p>
             <a:fld id="{D4E2B750-EDFC-492E-A6B1-524190BEAF7B}" type="datetime1">
               <a:rPr lang="ko-KR" altLang="en-US" smtClean="0"/>
-              <a:t>2024-11-05</a:t>
+              <a:t>2024-11-11</a:t>
             </a:fld>
             <a:endParaRPr lang="ko-KR" altLang="en-US"/>
           </a:p>
@@ -1566,7 +1566,7 @@
           <a:p>
             <a:fld id="{0EA0F96F-1396-4C18-8B3A-169BA4F74943}" type="datetime1">
               <a:rPr lang="ko-KR" altLang="en-US" smtClean="0"/>
-              <a:t>2024-11-05</a:t>
+              <a:t>2024-11-11</a:t>
             </a:fld>
             <a:endParaRPr lang="ko-KR" altLang="en-US"/>
           </a:p>
@@ -1798,7 +1798,7 @@
           <a:p>
             <a:fld id="{F11A2406-0834-46B6-AFE3-B79D20103DED}" type="datetime1">
               <a:rPr lang="ko-KR" altLang="en-US" smtClean="0"/>
-              <a:t>2024-11-05</a:t>
+              <a:t>2024-11-11</a:t>
             </a:fld>
             <a:endParaRPr lang="ko-KR" altLang="en-US"/>
           </a:p>
@@ -2165,7 +2165,7 @@
           <a:p>
             <a:fld id="{65D46FB6-F89B-4FA3-B197-2C95C5BBD063}" type="datetime1">
               <a:rPr lang="ko-KR" altLang="en-US" smtClean="0"/>
-              <a:t>2024-11-05</a:t>
+              <a:t>2024-11-11</a:t>
             </a:fld>
             <a:endParaRPr lang="ko-KR" altLang="en-US"/>
           </a:p>
@@ -2283,7 +2283,7 @@
           <a:p>
             <a:fld id="{6126A960-EBB2-4C44-B410-BDBB92F7ACF0}" type="datetime1">
               <a:rPr lang="ko-KR" altLang="en-US" smtClean="0"/>
-              <a:t>2024-11-05</a:t>
+              <a:t>2024-11-11</a:t>
             </a:fld>
             <a:endParaRPr lang="ko-KR" altLang="en-US"/>
           </a:p>
@@ -2378,7 +2378,7 @@
           <a:p>
             <a:fld id="{4455C1EB-D68E-4BF9-8FF8-9818981A286C}" type="datetime1">
               <a:rPr lang="ko-KR" altLang="en-US" smtClean="0"/>
-              <a:t>2024-11-05</a:t>
+              <a:t>2024-11-11</a:t>
             </a:fld>
             <a:endParaRPr lang="ko-KR" altLang="en-US"/>
           </a:p>
@@ -2655,7 +2655,7 @@
           <a:p>
             <a:fld id="{28AC0ECD-6DB1-4A74-9695-7F3B7CB6C247}" type="datetime1">
               <a:rPr lang="ko-KR" altLang="en-US" smtClean="0"/>
-              <a:t>2024-11-05</a:t>
+              <a:t>2024-11-11</a:t>
             </a:fld>
             <a:endParaRPr lang="ko-KR" altLang="en-US"/>
           </a:p>
@@ -2908,7 +2908,7 @@
           <a:p>
             <a:fld id="{FD2DBFA0-DC75-4397-955F-E40BB171373F}" type="datetime1">
               <a:rPr lang="ko-KR" altLang="en-US" smtClean="0"/>
-              <a:t>2024-11-05</a:t>
+              <a:t>2024-11-11</a:t>
             </a:fld>
             <a:endParaRPr lang="ko-KR" altLang="en-US"/>
           </a:p>
@@ -3121,7 +3121,7 @@
           <a:p>
             <a:fld id="{985EB184-00DB-4F61-B11B-2DAEC5466DC0}" type="datetime1">
               <a:rPr lang="ko-KR" altLang="en-US" smtClean="0"/>
-              <a:t>2024-11-05</a:t>
+              <a:t>2024-11-11</a:t>
             </a:fld>
             <a:endParaRPr lang="ko-KR" altLang="en-US"/>
           </a:p>
@@ -3576,8 +3576,8 @@
         </p:nvSpPr>
         <p:spPr>
           <a:xfrm>
-            <a:off x="970149" y="1674674"/>
-            <a:ext cx="10251717" cy="1200329"/>
+            <a:off x="1512060" y="1674674"/>
+            <a:ext cx="9167895" cy="1754326"/>
           </a:xfrm>
           <a:prstGeom prst="rect">
             <a:avLst/>
@@ -3605,7 +3605,45 @@
                 <a:ea typeface="함초롬돋움" panose="020B0604000101010101" pitchFamily="50" charset="-127"/>
                 <a:cs typeface="함초롬돋움" panose="020B0604000101010101" pitchFamily="50" charset="-127"/>
               </a:rPr>
-              <a:t> 라이브러리 성능 비교 </a:t>
+              <a:t> 라이브러리 </a:t>
+            </a:r>
+            <a:r>
+              <a:rPr lang="ko-KR" altLang="en-US" sz="3600" b="1" smtClean="0">
+                <a:latin typeface="+mj-lt"/>
+                <a:ea typeface="함초롬돋움" panose="020B0604000101010101" pitchFamily="50" charset="-127"/>
+                <a:cs typeface="함초롬돋움" panose="020B0604000101010101" pitchFamily="50" charset="-127"/>
+              </a:rPr>
+              <a:t>성능 </a:t>
+            </a:r>
+            <a:r>
+              <a:rPr lang="ko-KR" altLang="en-US" sz="3600" b="1" smtClean="0">
+                <a:latin typeface="+mj-lt"/>
+                <a:ea typeface="함초롬돋움" panose="020B0604000101010101" pitchFamily="50" charset="-127"/>
+                <a:cs typeface="함초롬돋움" panose="020B0604000101010101" pitchFamily="50" charset="-127"/>
+              </a:rPr>
+              <a:t>비교　</a:t>
+            </a:r>
+            <a:r>
+              <a:rPr lang="ko-KR" altLang="en-US" sz="3600" b="1" smtClean="0">
+                <a:ea typeface="함초롬돋움" panose="020B0604000101010101" pitchFamily="50" charset="-127"/>
+                <a:cs typeface="함초롬돋움" panose="020B0604000101010101" pitchFamily="50" charset="-127"/>
+              </a:rPr>
+              <a:t>프로그램</a:t>
+            </a:r>
+            <a:endParaRPr lang="ko-KR" altLang="en-US" sz="3600" b="1" dirty="0">
+              <a:ea typeface="함초롬돋움" panose="020B0604000101010101" pitchFamily="50" charset="-127"/>
+              <a:cs typeface="함초롬돋움" panose="020B0604000101010101" pitchFamily="50" charset="-127"/>
+            </a:endParaRPr>
+          </a:p>
+          <a:p>
+            <a:pPr algn="ctr"/>
+            <a:r>
+              <a:rPr lang="ko-KR" altLang="en-US" sz="3600" b="1" dirty="0" smtClean="0">
+                <a:latin typeface="+mj-lt"/>
+                <a:ea typeface="함초롬돋움" panose="020B0604000101010101" pitchFamily="50" charset="-127"/>
+                <a:cs typeface="함초롬돋움" panose="020B0604000101010101" pitchFamily="50" charset="-127"/>
+              </a:rPr>
+              <a:t> </a:t>
             </a:r>
             <a:r>
               <a:rPr lang="en-US" altLang="ko-KR" sz="3600" b="1" dirty="0" smtClean="0">
@@ -3654,14 +3692,6 @@
                 <a:cs typeface="함초롬돋움" panose="020B0604000101010101" pitchFamily="50" charset="-127"/>
               </a:rPr>
             </a:br>
-            <a:r>
-              <a:rPr lang="ko-KR" altLang="en-US" sz="3600" b="1" dirty="0" smtClean="0">
-                <a:latin typeface="+mj-lt"/>
-                <a:ea typeface="함초롬돋움" panose="020B0604000101010101" pitchFamily="50" charset="-127"/>
-                <a:cs typeface="함초롬돋움" panose="020B0604000101010101" pitchFamily="50" charset="-127"/>
-              </a:rPr>
-              <a:t>프로그램 매뉴얼</a:t>
-            </a:r>
             <a:endParaRPr lang="ko-KR" altLang="en-US" sz="3600" b="1" dirty="0">
               <a:latin typeface="+mj-lt"/>
               <a:ea typeface="함초롬돋움" panose="020B0604000101010101" pitchFamily="50" charset="-127"/>
@@ -4687,7 +4717,7 @@
           <a:p>
             <a:pPr algn="ctr"/>
             <a:r>
-              <a:rPr lang="en-US" altLang="ko-KR" sz="1050" b="1" dirty="0">
+              <a:rPr lang="ko-KR" altLang="en-US" sz="1050" b="1" dirty="0">
                 <a:ln w="0"/>
                 <a:solidFill>
                   <a:schemeClr val="bg1"/>
@@ -4700,7 +4730,7 @@
                   </a:outerShdw>
                 </a:effectLst>
               </a:rPr>
-              <a:t>1</a:t>
+              <a:t>８</a:t>
             </a:r>
             <a:endParaRPr lang="ko-KR" altLang="en-US" sz="1050" b="1" dirty="0">
               <a:ln w="0"/>
@@ -4763,7 +4793,7 @@
           <a:p>
             <a:pPr algn="ctr"/>
             <a:r>
-              <a:rPr lang="en-US" altLang="ko-KR" sz="1050" b="1" dirty="0">
+              <a:rPr lang="ko-KR" altLang="en-US" sz="1050" b="1" dirty="0">
                 <a:ln w="0"/>
                 <a:solidFill>
                   <a:schemeClr val="bg1"/>
@@ -4776,7 +4806,7 @@
                   </a:outerShdw>
                 </a:effectLst>
               </a:rPr>
-              <a:t>1</a:t>
+              <a:t>９</a:t>
             </a:r>
             <a:endParaRPr lang="ko-KR" altLang="en-US" sz="1050" b="1" dirty="0">
               <a:ln w="0"/>
@@ -5244,9 +5274,819 @@
   <p:timing>
     <p:tnLst>
       <p:par>
-        <p:cTn id="1" dur="indefinite" restart="never" nodeType="tmRoot"/>
+        <p:cTn id="1" dur="indefinite" restart="never" nodeType="tmRoot">
+          <p:childTnLst>
+            <p:seq concurrent="1" nextAc="seek">
+              <p:cTn id="2" dur="indefinite" nodeType="mainSeq">
+                <p:childTnLst>
+                  <p:par>
+                    <p:cTn id="3" fill="hold">
+                      <p:stCondLst>
+                        <p:cond delay="indefinite"/>
+                      </p:stCondLst>
+                      <p:childTnLst>
+                        <p:par>
+                          <p:cTn id="4" fill="hold">
+                            <p:stCondLst>
+                              <p:cond delay="0"/>
+                            </p:stCondLst>
+                            <p:childTnLst>
+                              <p:par>
+                                <p:cTn id="5" presetID="1" presetClass="entr" presetSubtype="0" fill="hold" grpId="0" nodeType="clickEffect">
+                                  <p:stCondLst>
+                                    <p:cond delay="0"/>
+                                  </p:stCondLst>
+                                  <p:childTnLst>
+                                    <p:set>
+                                      <p:cBhvr>
+                                        <p:cTn id="6" dur="1" fill="hold">
+                                          <p:stCondLst>
+                                            <p:cond delay="0"/>
+                                          </p:stCondLst>
+                                        </p:cTn>
+                                        <p:tgtEl>
+                                          <p:spTgt spid="10"/>
+                                        </p:tgtEl>
+                                        <p:attrNameLst>
+                                          <p:attrName>style.visibility</p:attrName>
+                                        </p:attrNameLst>
+                                      </p:cBhvr>
+                                      <p:to>
+                                        <p:strVal val="visible"/>
+                                      </p:to>
+                                    </p:set>
+                                  </p:childTnLst>
+                                </p:cTn>
+                              </p:par>
+                            </p:childTnLst>
+                          </p:cTn>
+                        </p:par>
+                      </p:childTnLst>
+                    </p:cTn>
+                  </p:par>
+                  <p:par>
+                    <p:cTn id="7" fill="hold">
+                      <p:stCondLst>
+                        <p:cond delay="indefinite"/>
+                      </p:stCondLst>
+                      <p:childTnLst>
+                        <p:par>
+                          <p:cTn id="8" fill="hold">
+                            <p:stCondLst>
+                              <p:cond delay="0"/>
+                            </p:stCondLst>
+                            <p:childTnLst>
+                              <p:par>
+                                <p:cTn id="9" presetID="1" presetClass="entr" presetSubtype="0" fill="hold" grpId="0" nodeType="clickEffect">
+                                  <p:stCondLst>
+                                    <p:cond delay="0"/>
+                                  </p:stCondLst>
+                                  <p:childTnLst>
+                                    <p:set>
+                                      <p:cBhvr>
+                                        <p:cTn id="10" dur="1" fill="hold">
+                                          <p:stCondLst>
+                                            <p:cond delay="0"/>
+                                          </p:stCondLst>
+                                        </p:cTn>
+                                        <p:tgtEl>
+                                          <p:spTgt spid="27"/>
+                                        </p:tgtEl>
+                                        <p:attrNameLst>
+                                          <p:attrName>style.visibility</p:attrName>
+                                        </p:attrNameLst>
+                                      </p:cBhvr>
+                                      <p:to>
+                                        <p:strVal val="visible"/>
+                                      </p:to>
+                                    </p:set>
+                                  </p:childTnLst>
+                                </p:cTn>
+                              </p:par>
+                            </p:childTnLst>
+                          </p:cTn>
+                        </p:par>
+                      </p:childTnLst>
+                    </p:cTn>
+                  </p:par>
+                  <p:par>
+                    <p:cTn id="11" fill="hold">
+                      <p:stCondLst>
+                        <p:cond delay="indefinite"/>
+                      </p:stCondLst>
+                      <p:childTnLst>
+                        <p:par>
+                          <p:cTn id="12" fill="hold">
+                            <p:stCondLst>
+                              <p:cond delay="0"/>
+                            </p:stCondLst>
+                            <p:childTnLst>
+                              <p:par>
+                                <p:cTn id="13" presetID="1" presetClass="entr" presetSubtype="0" fill="hold" grpId="0" nodeType="clickEffect">
+                                  <p:stCondLst>
+                                    <p:cond delay="0"/>
+                                  </p:stCondLst>
+                                  <p:childTnLst>
+                                    <p:set>
+                                      <p:cBhvr>
+                                        <p:cTn id="14" dur="1" fill="hold">
+                                          <p:stCondLst>
+                                            <p:cond delay="0"/>
+                                          </p:stCondLst>
+                                        </p:cTn>
+                                        <p:tgtEl>
+                                          <p:spTgt spid="20"/>
+                                        </p:tgtEl>
+                                        <p:attrNameLst>
+                                          <p:attrName>style.visibility</p:attrName>
+                                        </p:attrNameLst>
+                                      </p:cBhvr>
+                                      <p:to>
+                                        <p:strVal val="visible"/>
+                                      </p:to>
+                                    </p:set>
+                                  </p:childTnLst>
+                                </p:cTn>
+                              </p:par>
+                            </p:childTnLst>
+                          </p:cTn>
+                        </p:par>
+                      </p:childTnLst>
+                    </p:cTn>
+                  </p:par>
+                  <p:par>
+                    <p:cTn id="15" fill="hold">
+                      <p:stCondLst>
+                        <p:cond delay="indefinite"/>
+                      </p:stCondLst>
+                      <p:childTnLst>
+                        <p:par>
+                          <p:cTn id="16" fill="hold">
+                            <p:stCondLst>
+                              <p:cond delay="0"/>
+                            </p:stCondLst>
+                            <p:childTnLst>
+                              <p:par>
+                                <p:cTn id="17" presetID="1" presetClass="entr" presetSubtype="0" fill="hold" grpId="0" nodeType="clickEffect">
+                                  <p:stCondLst>
+                                    <p:cond delay="0"/>
+                                  </p:stCondLst>
+                                  <p:childTnLst>
+                                    <p:set>
+                                      <p:cBhvr>
+                                        <p:cTn id="18" dur="1" fill="hold">
+                                          <p:stCondLst>
+                                            <p:cond delay="0"/>
+                                          </p:stCondLst>
+                                        </p:cTn>
+                                        <p:tgtEl>
+                                          <p:spTgt spid="28"/>
+                                        </p:tgtEl>
+                                        <p:attrNameLst>
+                                          <p:attrName>style.visibility</p:attrName>
+                                        </p:attrNameLst>
+                                      </p:cBhvr>
+                                      <p:to>
+                                        <p:strVal val="visible"/>
+                                      </p:to>
+                                    </p:set>
+                                  </p:childTnLst>
+                                </p:cTn>
+                              </p:par>
+                            </p:childTnLst>
+                          </p:cTn>
+                        </p:par>
+                      </p:childTnLst>
+                    </p:cTn>
+                  </p:par>
+                  <p:par>
+                    <p:cTn id="19" fill="hold">
+                      <p:stCondLst>
+                        <p:cond delay="indefinite"/>
+                      </p:stCondLst>
+                      <p:childTnLst>
+                        <p:par>
+                          <p:cTn id="20" fill="hold">
+                            <p:stCondLst>
+                              <p:cond delay="0"/>
+                            </p:stCondLst>
+                            <p:childTnLst>
+                              <p:par>
+                                <p:cTn id="21" presetID="1" presetClass="entr" presetSubtype="0" fill="hold" grpId="0" nodeType="clickEffect">
+                                  <p:stCondLst>
+                                    <p:cond delay="0"/>
+                                  </p:stCondLst>
+                                  <p:childTnLst>
+                                    <p:set>
+                                      <p:cBhvr>
+                                        <p:cTn id="22" dur="1" fill="hold">
+                                          <p:stCondLst>
+                                            <p:cond delay="0"/>
+                                          </p:stCondLst>
+                                        </p:cTn>
+                                        <p:tgtEl>
+                                          <p:spTgt spid="19"/>
+                                        </p:tgtEl>
+                                        <p:attrNameLst>
+                                          <p:attrName>style.visibility</p:attrName>
+                                        </p:attrNameLst>
+                                      </p:cBhvr>
+                                      <p:to>
+                                        <p:strVal val="visible"/>
+                                      </p:to>
+                                    </p:set>
+                                  </p:childTnLst>
+                                </p:cTn>
+                              </p:par>
+                            </p:childTnLst>
+                          </p:cTn>
+                        </p:par>
+                      </p:childTnLst>
+                    </p:cTn>
+                  </p:par>
+                  <p:par>
+                    <p:cTn id="23" fill="hold">
+                      <p:stCondLst>
+                        <p:cond delay="indefinite"/>
+                      </p:stCondLst>
+                      <p:childTnLst>
+                        <p:par>
+                          <p:cTn id="24" fill="hold">
+                            <p:stCondLst>
+                              <p:cond delay="0"/>
+                            </p:stCondLst>
+                            <p:childTnLst>
+                              <p:par>
+                                <p:cTn id="25" presetID="1" presetClass="entr" presetSubtype="0" fill="hold" grpId="0" nodeType="clickEffect">
+                                  <p:stCondLst>
+                                    <p:cond delay="0"/>
+                                  </p:stCondLst>
+                                  <p:childTnLst>
+                                    <p:set>
+                                      <p:cBhvr>
+                                        <p:cTn id="26" dur="1" fill="hold">
+                                          <p:stCondLst>
+                                            <p:cond delay="0"/>
+                                          </p:stCondLst>
+                                        </p:cTn>
+                                        <p:tgtEl>
+                                          <p:spTgt spid="18"/>
+                                        </p:tgtEl>
+                                        <p:attrNameLst>
+                                          <p:attrName>style.visibility</p:attrName>
+                                        </p:attrNameLst>
+                                      </p:cBhvr>
+                                      <p:to>
+                                        <p:strVal val="visible"/>
+                                      </p:to>
+                                    </p:set>
+                                  </p:childTnLst>
+                                </p:cTn>
+                              </p:par>
+                            </p:childTnLst>
+                          </p:cTn>
+                        </p:par>
+                      </p:childTnLst>
+                    </p:cTn>
+                  </p:par>
+                  <p:par>
+                    <p:cTn id="27" fill="hold">
+                      <p:stCondLst>
+                        <p:cond delay="indefinite"/>
+                      </p:stCondLst>
+                      <p:childTnLst>
+                        <p:par>
+                          <p:cTn id="28" fill="hold">
+                            <p:stCondLst>
+                              <p:cond delay="0"/>
+                            </p:stCondLst>
+                            <p:childTnLst>
+                              <p:par>
+                                <p:cTn id="29" presetID="1" presetClass="entr" presetSubtype="0" fill="hold" grpId="0" nodeType="clickEffect">
+                                  <p:stCondLst>
+                                    <p:cond delay="0"/>
+                                  </p:stCondLst>
+                                  <p:childTnLst>
+                                    <p:set>
+                                      <p:cBhvr>
+                                        <p:cTn id="30" dur="1" fill="hold">
+                                          <p:stCondLst>
+                                            <p:cond delay="0"/>
+                                          </p:stCondLst>
+                                        </p:cTn>
+                                        <p:tgtEl>
+                                          <p:spTgt spid="23"/>
+                                        </p:tgtEl>
+                                        <p:attrNameLst>
+                                          <p:attrName>style.visibility</p:attrName>
+                                        </p:attrNameLst>
+                                      </p:cBhvr>
+                                      <p:to>
+                                        <p:strVal val="visible"/>
+                                      </p:to>
+                                    </p:set>
+                                  </p:childTnLst>
+                                </p:cTn>
+                              </p:par>
+                            </p:childTnLst>
+                          </p:cTn>
+                        </p:par>
+                      </p:childTnLst>
+                    </p:cTn>
+                  </p:par>
+                  <p:par>
+                    <p:cTn id="31" fill="hold">
+                      <p:stCondLst>
+                        <p:cond delay="indefinite"/>
+                      </p:stCondLst>
+                      <p:childTnLst>
+                        <p:par>
+                          <p:cTn id="32" fill="hold">
+                            <p:stCondLst>
+                              <p:cond delay="0"/>
+                            </p:stCondLst>
+                            <p:childTnLst>
+                              <p:par>
+                                <p:cTn id="33" presetID="1" presetClass="entr" presetSubtype="0" fill="hold" grpId="0" nodeType="clickEffect">
+                                  <p:stCondLst>
+                                    <p:cond delay="0"/>
+                                  </p:stCondLst>
+                                  <p:childTnLst>
+                                    <p:set>
+                                      <p:cBhvr>
+                                        <p:cTn id="34" dur="1" fill="hold">
+                                          <p:stCondLst>
+                                            <p:cond delay="0"/>
+                                          </p:stCondLst>
+                                        </p:cTn>
+                                        <p:tgtEl>
+                                          <p:spTgt spid="31"/>
+                                        </p:tgtEl>
+                                        <p:attrNameLst>
+                                          <p:attrName>style.visibility</p:attrName>
+                                        </p:attrNameLst>
+                                      </p:cBhvr>
+                                      <p:to>
+                                        <p:strVal val="visible"/>
+                                      </p:to>
+                                    </p:set>
+                                  </p:childTnLst>
+                                </p:cTn>
+                              </p:par>
+                            </p:childTnLst>
+                          </p:cTn>
+                        </p:par>
+                      </p:childTnLst>
+                    </p:cTn>
+                  </p:par>
+                  <p:par>
+                    <p:cTn id="35" fill="hold">
+                      <p:stCondLst>
+                        <p:cond delay="indefinite"/>
+                      </p:stCondLst>
+                      <p:childTnLst>
+                        <p:par>
+                          <p:cTn id="36" fill="hold">
+                            <p:stCondLst>
+                              <p:cond delay="0"/>
+                            </p:stCondLst>
+                            <p:childTnLst>
+                              <p:par>
+                                <p:cTn id="37" presetID="1" presetClass="entr" presetSubtype="0" fill="hold" nodeType="clickEffect">
+                                  <p:stCondLst>
+                                    <p:cond delay="0"/>
+                                  </p:stCondLst>
+                                  <p:childTnLst>
+                                    <p:set>
+                                      <p:cBhvr>
+                                        <p:cTn id="38" dur="1" fill="hold">
+                                          <p:stCondLst>
+                                            <p:cond delay="0"/>
+                                          </p:stCondLst>
+                                        </p:cTn>
+                                        <p:tgtEl>
+                                          <p:spTgt spid="24">
+                                            <p:txEl>
+                                              <p:pRg st="0" end="0"/>
+                                            </p:txEl>
+                                          </p:spTgt>
+                                        </p:tgtEl>
+                                        <p:attrNameLst>
+                                          <p:attrName>style.visibility</p:attrName>
+                                        </p:attrNameLst>
+                                      </p:cBhvr>
+                                      <p:to>
+                                        <p:strVal val="visible"/>
+                                      </p:to>
+                                    </p:set>
+                                  </p:childTnLst>
+                                </p:cTn>
+                              </p:par>
+                            </p:childTnLst>
+                          </p:cTn>
+                        </p:par>
+                      </p:childTnLst>
+                    </p:cTn>
+                  </p:par>
+                  <p:par>
+                    <p:cTn id="39" fill="hold">
+                      <p:stCondLst>
+                        <p:cond delay="indefinite"/>
+                      </p:stCondLst>
+                      <p:childTnLst>
+                        <p:par>
+                          <p:cTn id="40" fill="hold">
+                            <p:stCondLst>
+                              <p:cond delay="0"/>
+                            </p:stCondLst>
+                            <p:childTnLst>
+                              <p:par>
+                                <p:cTn id="41" presetID="1" presetClass="entr" presetSubtype="0" fill="hold" grpId="0" nodeType="clickEffect">
+                                  <p:stCondLst>
+                                    <p:cond delay="0"/>
+                                  </p:stCondLst>
+                                  <p:childTnLst>
+                                    <p:set>
+                                      <p:cBhvr>
+                                        <p:cTn id="42" dur="1" fill="hold">
+                                          <p:stCondLst>
+                                            <p:cond delay="0"/>
+                                          </p:stCondLst>
+                                        </p:cTn>
+                                        <p:tgtEl>
+                                          <p:spTgt spid="30"/>
+                                        </p:tgtEl>
+                                        <p:attrNameLst>
+                                          <p:attrName>style.visibility</p:attrName>
+                                        </p:attrNameLst>
+                                      </p:cBhvr>
+                                      <p:to>
+                                        <p:strVal val="visible"/>
+                                      </p:to>
+                                    </p:set>
+                                  </p:childTnLst>
+                                </p:cTn>
+                              </p:par>
+                            </p:childTnLst>
+                          </p:cTn>
+                        </p:par>
+                      </p:childTnLst>
+                    </p:cTn>
+                  </p:par>
+                  <p:par>
+                    <p:cTn id="43" fill="hold">
+                      <p:stCondLst>
+                        <p:cond delay="indefinite"/>
+                      </p:stCondLst>
+                      <p:childTnLst>
+                        <p:par>
+                          <p:cTn id="44" fill="hold">
+                            <p:stCondLst>
+                              <p:cond delay="0"/>
+                            </p:stCondLst>
+                            <p:childTnLst>
+                              <p:par>
+                                <p:cTn id="45" presetID="1" presetClass="entr" presetSubtype="0" fill="hold" grpId="0" nodeType="clickEffect">
+                                  <p:stCondLst>
+                                    <p:cond delay="0"/>
+                                  </p:stCondLst>
+                                  <p:childTnLst>
+                                    <p:set>
+                                      <p:cBhvr>
+                                        <p:cTn id="46" dur="1" fill="hold">
+                                          <p:stCondLst>
+                                            <p:cond delay="0"/>
+                                          </p:stCondLst>
+                                        </p:cTn>
+                                        <p:tgtEl>
+                                          <p:spTgt spid="21"/>
+                                        </p:tgtEl>
+                                        <p:attrNameLst>
+                                          <p:attrName>style.visibility</p:attrName>
+                                        </p:attrNameLst>
+                                      </p:cBhvr>
+                                      <p:to>
+                                        <p:strVal val="visible"/>
+                                      </p:to>
+                                    </p:set>
+                                  </p:childTnLst>
+                                </p:cTn>
+                              </p:par>
+                            </p:childTnLst>
+                          </p:cTn>
+                        </p:par>
+                      </p:childTnLst>
+                    </p:cTn>
+                  </p:par>
+                  <p:par>
+                    <p:cTn id="47" fill="hold">
+                      <p:stCondLst>
+                        <p:cond delay="indefinite"/>
+                      </p:stCondLst>
+                      <p:childTnLst>
+                        <p:par>
+                          <p:cTn id="48" fill="hold">
+                            <p:stCondLst>
+                              <p:cond delay="0"/>
+                            </p:stCondLst>
+                            <p:childTnLst>
+                              <p:par>
+                                <p:cTn id="49" presetID="1" presetClass="entr" presetSubtype="0" fill="hold" grpId="0" nodeType="clickEffect">
+                                  <p:stCondLst>
+                                    <p:cond delay="0"/>
+                                  </p:stCondLst>
+                                  <p:childTnLst>
+                                    <p:set>
+                                      <p:cBhvr>
+                                        <p:cTn id="50" dur="1" fill="hold">
+                                          <p:stCondLst>
+                                            <p:cond delay="0"/>
+                                          </p:stCondLst>
+                                        </p:cTn>
+                                        <p:tgtEl>
+                                          <p:spTgt spid="22"/>
+                                        </p:tgtEl>
+                                        <p:attrNameLst>
+                                          <p:attrName>style.visibility</p:attrName>
+                                        </p:attrNameLst>
+                                      </p:cBhvr>
+                                      <p:to>
+                                        <p:strVal val="visible"/>
+                                      </p:to>
+                                    </p:set>
+                                  </p:childTnLst>
+                                </p:cTn>
+                              </p:par>
+                            </p:childTnLst>
+                          </p:cTn>
+                        </p:par>
+                      </p:childTnLst>
+                    </p:cTn>
+                  </p:par>
+                  <p:par>
+                    <p:cTn id="51" fill="hold">
+                      <p:stCondLst>
+                        <p:cond delay="indefinite"/>
+                      </p:stCondLst>
+                      <p:childTnLst>
+                        <p:par>
+                          <p:cTn id="52" fill="hold">
+                            <p:stCondLst>
+                              <p:cond delay="0"/>
+                            </p:stCondLst>
+                            <p:childTnLst>
+                              <p:par>
+                                <p:cTn id="53" presetID="1" presetClass="entr" presetSubtype="0" fill="hold" grpId="0" nodeType="clickEffect">
+                                  <p:stCondLst>
+                                    <p:cond delay="0"/>
+                                  </p:stCondLst>
+                                  <p:childTnLst>
+                                    <p:set>
+                                      <p:cBhvr>
+                                        <p:cTn id="54" dur="1" fill="hold">
+                                          <p:stCondLst>
+                                            <p:cond delay="0"/>
+                                          </p:stCondLst>
+                                        </p:cTn>
+                                        <p:tgtEl>
+                                          <p:spTgt spid="29"/>
+                                        </p:tgtEl>
+                                        <p:attrNameLst>
+                                          <p:attrName>style.visibility</p:attrName>
+                                        </p:attrNameLst>
+                                      </p:cBhvr>
+                                      <p:to>
+                                        <p:strVal val="visible"/>
+                                      </p:to>
+                                    </p:set>
+                                  </p:childTnLst>
+                                </p:cTn>
+                              </p:par>
+                            </p:childTnLst>
+                          </p:cTn>
+                        </p:par>
+                      </p:childTnLst>
+                    </p:cTn>
+                  </p:par>
+                  <p:par>
+                    <p:cTn id="55" fill="hold">
+                      <p:stCondLst>
+                        <p:cond delay="indefinite"/>
+                      </p:stCondLst>
+                      <p:childTnLst>
+                        <p:par>
+                          <p:cTn id="56" fill="hold">
+                            <p:stCondLst>
+                              <p:cond delay="0"/>
+                            </p:stCondLst>
+                            <p:childTnLst>
+                              <p:par>
+                                <p:cTn id="57" presetID="1" presetClass="entr" presetSubtype="0" fill="hold" grpId="0" nodeType="clickEffect">
+                                  <p:stCondLst>
+                                    <p:cond delay="0"/>
+                                  </p:stCondLst>
+                                  <p:childTnLst>
+                                    <p:set>
+                                      <p:cBhvr>
+                                        <p:cTn id="58" dur="1" fill="hold">
+                                          <p:stCondLst>
+                                            <p:cond delay="0"/>
+                                          </p:stCondLst>
+                                        </p:cTn>
+                                        <p:tgtEl>
+                                          <p:spTgt spid="25"/>
+                                        </p:tgtEl>
+                                        <p:attrNameLst>
+                                          <p:attrName>style.visibility</p:attrName>
+                                        </p:attrNameLst>
+                                      </p:cBhvr>
+                                      <p:to>
+                                        <p:strVal val="visible"/>
+                                      </p:to>
+                                    </p:set>
+                                  </p:childTnLst>
+                                </p:cTn>
+                              </p:par>
+                            </p:childTnLst>
+                          </p:cTn>
+                        </p:par>
+                      </p:childTnLst>
+                    </p:cTn>
+                  </p:par>
+                  <p:par>
+                    <p:cTn id="59" fill="hold">
+                      <p:stCondLst>
+                        <p:cond delay="indefinite"/>
+                      </p:stCondLst>
+                      <p:childTnLst>
+                        <p:par>
+                          <p:cTn id="60" fill="hold">
+                            <p:stCondLst>
+                              <p:cond delay="0"/>
+                            </p:stCondLst>
+                            <p:childTnLst>
+                              <p:par>
+                                <p:cTn id="61" presetID="1" presetClass="entr" presetSubtype="0" fill="hold" grpId="0" nodeType="clickEffect">
+                                  <p:stCondLst>
+                                    <p:cond delay="0"/>
+                                  </p:stCondLst>
+                                  <p:childTnLst>
+                                    <p:set>
+                                      <p:cBhvr>
+                                        <p:cTn id="62" dur="1" fill="hold">
+                                          <p:stCondLst>
+                                            <p:cond delay="0"/>
+                                          </p:stCondLst>
+                                        </p:cTn>
+                                        <p:tgtEl>
+                                          <p:spTgt spid="32"/>
+                                        </p:tgtEl>
+                                        <p:attrNameLst>
+                                          <p:attrName>style.visibility</p:attrName>
+                                        </p:attrNameLst>
+                                      </p:cBhvr>
+                                      <p:to>
+                                        <p:strVal val="visible"/>
+                                      </p:to>
+                                    </p:set>
+                                  </p:childTnLst>
+                                </p:cTn>
+                              </p:par>
+                            </p:childTnLst>
+                          </p:cTn>
+                        </p:par>
+                      </p:childTnLst>
+                    </p:cTn>
+                  </p:par>
+                  <p:par>
+                    <p:cTn id="63" fill="hold">
+                      <p:stCondLst>
+                        <p:cond delay="indefinite"/>
+                      </p:stCondLst>
+                      <p:childTnLst>
+                        <p:par>
+                          <p:cTn id="64" fill="hold">
+                            <p:stCondLst>
+                              <p:cond delay="0"/>
+                            </p:stCondLst>
+                            <p:childTnLst>
+                              <p:par>
+                                <p:cTn id="65" presetID="1" presetClass="entr" presetSubtype="0" fill="hold" grpId="0" nodeType="clickEffect">
+                                  <p:stCondLst>
+                                    <p:cond delay="0"/>
+                                  </p:stCondLst>
+                                  <p:childTnLst>
+                                    <p:set>
+                                      <p:cBhvr>
+                                        <p:cTn id="66" dur="1" fill="hold">
+                                          <p:stCondLst>
+                                            <p:cond delay="0"/>
+                                          </p:stCondLst>
+                                        </p:cTn>
+                                        <p:tgtEl>
+                                          <p:spTgt spid="26"/>
+                                        </p:tgtEl>
+                                        <p:attrNameLst>
+                                          <p:attrName>style.visibility</p:attrName>
+                                        </p:attrNameLst>
+                                      </p:cBhvr>
+                                      <p:to>
+                                        <p:strVal val="visible"/>
+                                      </p:to>
+                                    </p:set>
+                                  </p:childTnLst>
+                                </p:cTn>
+                              </p:par>
+                            </p:childTnLst>
+                          </p:cTn>
+                        </p:par>
+                      </p:childTnLst>
+                    </p:cTn>
+                  </p:par>
+                  <p:par>
+                    <p:cTn id="67" fill="hold">
+                      <p:stCondLst>
+                        <p:cond delay="indefinite"/>
+                      </p:stCondLst>
+                      <p:childTnLst>
+                        <p:par>
+                          <p:cTn id="68" fill="hold">
+                            <p:stCondLst>
+                              <p:cond delay="0"/>
+                            </p:stCondLst>
+                            <p:childTnLst>
+                              <p:par>
+                                <p:cTn id="69" presetID="1" presetClass="entr" presetSubtype="0" fill="hold" grpId="0" nodeType="clickEffect">
+                                  <p:stCondLst>
+                                    <p:cond delay="0"/>
+                                  </p:stCondLst>
+                                  <p:childTnLst>
+                                    <p:set>
+                                      <p:cBhvr>
+                                        <p:cTn id="70" dur="1" fill="hold">
+                                          <p:stCondLst>
+                                            <p:cond delay="0"/>
+                                          </p:stCondLst>
+                                        </p:cTn>
+                                        <p:tgtEl>
+                                          <p:spTgt spid="33"/>
+                                        </p:tgtEl>
+                                        <p:attrNameLst>
+                                          <p:attrName>style.visibility</p:attrName>
+                                        </p:attrNameLst>
+                                      </p:cBhvr>
+                                      <p:to>
+                                        <p:strVal val="visible"/>
+                                      </p:to>
+                                    </p:set>
+                                  </p:childTnLst>
+                                </p:cTn>
+                              </p:par>
+                            </p:childTnLst>
+                          </p:cTn>
+                        </p:par>
+                      </p:childTnLst>
+                    </p:cTn>
+                  </p:par>
+                </p:childTnLst>
+              </p:cTn>
+              <p:prevCondLst>
+                <p:cond evt="onPrev" delay="0">
+                  <p:tgtEl>
+                    <p:sldTgt/>
+                  </p:tgtEl>
+                </p:cond>
+              </p:prevCondLst>
+              <p:nextCondLst>
+                <p:cond evt="onNext" delay="0">
+                  <p:tgtEl>
+                    <p:sldTgt/>
+                  </p:tgtEl>
+                </p:cond>
+              </p:nextCondLst>
+            </p:seq>
+          </p:childTnLst>
+        </p:cTn>
       </p:par>
     </p:tnLst>
+    <p:bldLst>
+      <p:bldP spid="10" grpId="0" animBg="1"/>
+      <p:bldP spid="18" grpId="0" animBg="1"/>
+      <p:bldP spid="19" grpId="0" animBg="1"/>
+      <p:bldP spid="20" grpId="0" animBg="1"/>
+      <p:bldP spid="21" grpId="0" animBg="1"/>
+      <p:bldP spid="22" grpId="0" animBg="1"/>
+      <p:bldP spid="23" grpId="0" animBg="1"/>
+      <p:bldP spid="25" grpId="0" animBg="1"/>
+      <p:bldP spid="26" grpId="0" animBg="1"/>
+      <p:bldP spid="27" grpId="0" animBg="1"/>
+      <p:bldP spid="28" grpId="0" animBg="1"/>
+      <p:bldP spid="29" grpId="0" animBg="1"/>
+      <p:bldP spid="30" grpId="0" animBg="1"/>
+      <p:bldP spid="31" grpId="0" animBg="1"/>
+      <p:bldP spid="32" grpId="0" animBg="1"/>
+      <p:bldP spid="33" grpId="0" animBg="1"/>
+    </p:bldLst>
   </p:timing>
 </p:sld>
 </file>
@@ -6526,9 +7366,678 @@
   <p:timing>
     <p:tnLst>
       <p:par>
-        <p:cTn id="1" dur="indefinite" restart="never" nodeType="tmRoot"/>
+        <p:cTn id="1" dur="indefinite" restart="never" nodeType="tmRoot">
+          <p:childTnLst>
+            <p:seq concurrent="1" nextAc="seek">
+              <p:cTn id="2" dur="indefinite" nodeType="mainSeq">
+                <p:childTnLst>
+                  <p:par>
+                    <p:cTn id="3" fill="hold">
+                      <p:stCondLst>
+                        <p:cond delay="indefinite"/>
+                      </p:stCondLst>
+                      <p:childTnLst>
+                        <p:par>
+                          <p:cTn id="4" fill="hold">
+                            <p:stCondLst>
+                              <p:cond delay="0"/>
+                            </p:stCondLst>
+                            <p:childTnLst>
+                              <p:par>
+                                <p:cTn id="5" presetID="1" presetClass="entr" presetSubtype="0" fill="hold" grpId="0" nodeType="clickEffect">
+                                  <p:stCondLst>
+                                    <p:cond delay="0"/>
+                                  </p:stCondLst>
+                                  <p:childTnLst>
+                                    <p:set>
+                                      <p:cBhvr>
+                                        <p:cTn id="6" dur="1" fill="hold">
+                                          <p:stCondLst>
+                                            <p:cond delay="0"/>
+                                          </p:stCondLst>
+                                        </p:cTn>
+                                        <p:tgtEl>
+                                          <p:spTgt spid="18"/>
+                                        </p:tgtEl>
+                                        <p:attrNameLst>
+                                          <p:attrName>style.visibility</p:attrName>
+                                        </p:attrNameLst>
+                                      </p:cBhvr>
+                                      <p:to>
+                                        <p:strVal val="visible"/>
+                                      </p:to>
+                                    </p:set>
+                                  </p:childTnLst>
+                                </p:cTn>
+                              </p:par>
+                            </p:childTnLst>
+                          </p:cTn>
+                        </p:par>
+                      </p:childTnLst>
+                    </p:cTn>
+                  </p:par>
+                  <p:par>
+                    <p:cTn id="7" fill="hold">
+                      <p:stCondLst>
+                        <p:cond delay="indefinite"/>
+                      </p:stCondLst>
+                      <p:childTnLst>
+                        <p:par>
+                          <p:cTn id="8" fill="hold">
+                            <p:stCondLst>
+                              <p:cond delay="0"/>
+                            </p:stCondLst>
+                            <p:childTnLst>
+                              <p:par>
+                                <p:cTn id="9" presetID="1" presetClass="entr" presetSubtype="0" fill="hold" grpId="0" nodeType="clickEffect">
+                                  <p:stCondLst>
+                                    <p:cond delay="0"/>
+                                  </p:stCondLst>
+                                  <p:childTnLst>
+                                    <p:set>
+                                      <p:cBhvr>
+                                        <p:cTn id="10" dur="1" fill="hold">
+                                          <p:stCondLst>
+                                            <p:cond delay="0"/>
+                                          </p:stCondLst>
+                                        </p:cTn>
+                                        <p:tgtEl>
+                                          <p:spTgt spid="26"/>
+                                        </p:tgtEl>
+                                        <p:attrNameLst>
+                                          <p:attrName>style.visibility</p:attrName>
+                                        </p:attrNameLst>
+                                      </p:cBhvr>
+                                      <p:to>
+                                        <p:strVal val="visible"/>
+                                      </p:to>
+                                    </p:set>
+                                  </p:childTnLst>
+                                </p:cTn>
+                              </p:par>
+                            </p:childTnLst>
+                          </p:cTn>
+                        </p:par>
+                      </p:childTnLst>
+                    </p:cTn>
+                  </p:par>
+                  <p:par>
+                    <p:cTn id="11" fill="hold">
+                      <p:stCondLst>
+                        <p:cond delay="indefinite"/>
+                      </p:stCondLst>
+                      <p:childTnLst>
+                        <p:par>
+                          <p:cTn id="12" fill="hold">
+                            <p:stCondLst>
+                              <p:cond delay="0"/>
+                            </p:stCondLst>
+                            <p:childTnLst>
+                              <p:par>
+                                <p:cTn id="13" presetID="1" presetClass="entr" presetSubtype="0" fill="hold" grpId="0" nodeType="clickEffect">
+                                  <p:stCondLst>
+                                    <p:cond delay="0"/>
+                                  </p:stCondLst>
+                                  <p:childTnLst>
+                                    <p:set>
+                                      <p:cBhvr>
+                                        <p:cTn id="14" dur="1" fill="hold">
+                                          <p:stCondLst>
+                                            <p:cond delay="0"/>
+                                          </p:stCondLst>
+                                        </p:cTn>
+                                        <p:tgtEl>
+                                          <p:spTgt spid="20"/>
+                                        </p:tgtEl>
+                                        <p:attrNameLst>
+                                          <p:attrName>style.visibility</p:attrName>
+                                        </p:attrNameLst>
+                                      </p:cBhvr>
+                                      <p:to>
+                                        <p:strVal val="visible"/>
+                                      </p:to>
+                                    </p:set>
+                                  </p:childTnLst>
+                                </p:cTn>
+                              </p:par>
+                            </p:childTnLst>
+                          </p:cTn>
+                        </p:par>
+                      </p:childTnLst>
+                    </p:cTn>
+                  </p:par>
+                  <p:par>
+                    <p:cTn id="15" fill="hold">
+                      <p:stCondLst>
+                        <p:cond delay="indefinite"/>
+                      </p:stCondLst>
+                      <p:childTnLst>
+                        <p:par>
+                          <p:cTn id="16" fill="hold">
+                            <p:stCondLst>
+                              <p:cond delay="0"/>
+                            </p:stCondLst>
+                            <p:childTnLst>
+                              <p:par>
+                                <p:cTn id="17" presetID="1" presetClass="entr" presetSubtype="0" fill="hold" grpId="0" nodeType="clickEffect">
+                                  <p:stCondLst>
+                                    <p:cond delay="0"/>
+                                  </p:stCondLst>
+                                  <p:childTnLst>
+                                    <p:set>
+                                      <p:cBhvr>
+                                        <p:cTn id="18" dur="1" fill="hold">
+                                          <p:stCondLst>
+                                            <p:cond delay="0"/>
+                                          </p:stCondLst>
+                                        </p:cTn>
+                                        <p:tgtEl>
+                                          <p:spTgt spid="28"/>
+                                        </p:tgtEl>
+                                        <p:attrNameLst>
+                                          <p:attrName>style.visibility</p:attrName>
+                                        </p:attrNameLst>
+                                      </p:cBhvr>
+                                      <p:to>
+                                        <p:strVal val="visible"/>
+                                      </p:to>
+                                    </p:set>
+                                  </p:childTnLst>
+                                </p:cTn>
+                              </p:par>
+                            </p:childTnLst>
+                          </p:cTn>
+                        </p:par>
+                      </p:childTnLst>
+                    </p:cTn>
+                  </p:par>
+                  <p:par>
+                    <p:cTn id="19" fill="hold">
+                      <p:stCondLst>
+                        <p:cond delay="indefinite"/>
+                      </p:stCondLst>
+                      <p:childTnLst>
+                        <p:par>
+                          <p:cTn id="20" fill="hold">
+                            <p:stCondLst>
+                              <p:cond delay="0"/>
+                            </p:stCondLst>
+                            <p:childTnLst>
+                              <p:par>
+                                <p:cTn id="21" presetID="1" presetClass="entr" presetSubtype="0" fill="hold" grpId="0" nodeType="clickEffect">
+                                  <p:stCondLst>
+                                    <p:cond delay="0"/>
+                                  </p:stCondLst>
+                                  <p:childTnLst>
+                                    <p:set>
+                                      <p:cBhvr>
+                                        <p:cTn id="22" dur="1" fill="hold">
+                                          <p:stCondLst>
+                                            <p:cond delay="0"/>
+                                          </p:stCondLst>
+                                        </p:cTn>
+                                        <p:tgtEl>
+                                          <p:spTgt spid="21"/>
+                                        </p:tgtEl>
+                                        <p:attrNameLst>
+                                          <p:attrName>style.visibility</p:attrName>
+                                        </p:attrNameLst>
+                                      </p:cBhvr>
+                                      <p:to>
+                                        <p:strVal val="visible"/>
+                                      </p:to>
+                                    </p:set>
+                                  </p:childTnLst>
+                                </p:cTn>
+                              </p:par>
+                            </p:childTnLst>
+                          </p:cTn>
+                        </p:par>
+                      </p:childTnLst>
+                    </p:cTn>
+                  </p:par>
+                  <p:par>
+                    <p:cTn id="23" fill="hold">
+                      <p:stCondLst>
+                        <p:cond delay="indefinite"/>
+                      </p:stCondLst>
+                      <p:childTnLst>
+                        <p:par>
+                          <p:cTn id="24" fill="hold">
+                            <p:stCondLst>
+                              <p:cond delay="0"/>
+                            </p:stCondLst>
+                            <p:childTnLst>
+                              <p:par>
+                                <p:cTn id="25" presetID="1" presetClass="entr" presetSubtype="0" fill="hold" grpId="0" nodeType="clickEffect">
+                                  <p:stCondLst>
+                                    <p:cond delay="0"/>
+                                  </p:stCondLst>
+                                  <p:childTnLst>
+                                    <p:set>
+                                      <p:cBhvr>
+                                        <p:cTn id="26" dur="1" fill="hold">
+                                          <p:stCondLst>
+                                            <p:cond delay="0"/>
+                                          </p:stCondLst>
+                                        </p:cTn>
+                                        <p:tgtEl>
+                                          <p:spTgt spid="29"/>
+                                        </p:tgtEl>
+                                        <p:attrNameLst>
+                                          <p:attrName>style.visibility</p:attrName>
+                                        </p:attrNameLst>
+                                      </p:cBhvr>
+                                      <p:to>
+                                        <p:strVal val="visible"/>
+                                      </p:to>
+                                    </p:set>
+                                  </p:childTnLst>
+                                </p:cTn>
+                              </p:par>
+                            </p:childTnLst>
+                          </p:cTn>
+                        </p:par>
+                      </p:childTnLst>
+                    </p:cTn>
+                  </p:par>
+                  <p:par>
+                    <p:cTn id="27" fill="hold">
+                      <p:stCondLst>
+                        <p:cond delay="indefinite"/>
+                      </p:stCondLst>
+                      <p:childTnLst>
+                        <p:par>
+                          <p:cTn id="28" fill="hold">
+                            <p:stCondLst>
+                              <p:cond delay="0"/>
+                            </p:stCondLst>
+                            <p:childTnLst>
+                              <p:par>
+                                <p:cTn id="29" presetID="1" presetClass="entr" presetSubtype="0" fill="hold" grpId="0" nodeType="clickEffect">
+                                  <p:stCondLst>
+                                    <p:cond delay="0"/>
+                                  </p:stCondLst>
+                                  <p:childTnLst>
+                                    <p:set>
+                                      <p:cBhvr>
+                                        <p:cTn id="30" dur="1" fill="hold">
+                                          <p:stCondLst>
+                                            <p:cond delay="0"/>
+                                          </p:stCondLst>
+                                        </p:cTn>
+                                        <p:tgtEl>
+                                          <p:spTgt spid="22"/>
+                                        </p:tgtEl>
+                                        <p:attrNameLst>
+                                          <p:attrName>style.visibility</p:attrName>
+                                        </p:attrNameLst>
+                                      </p:cBhvr>
+                                      <p:to>
+                                        <p:strVal val="visible"/>
+                                      </p:to>
+                                    </p:set>
+                                  </p:childTnLst>
+                                </p:cTn>
+                              </p:par>
+                            </p:childTnLst>
+                          </p:cTn>
+                        </p:par>
+                      </p:childTnLst>
+                    </p:cTn>
+                  </p:par>
+                  <p:par>
+                    <p:cTn id="31" fill="hold">
+                      <p:stCondLst>
+                        <p:cond delay="indefinite"/>
+                      </p:stCondLst>
+                      <p:childTnLst>
+                        <p:par>
+                          <p:cTn id="32" fill="hold">
+                            <p:stCondLst>
+                              <p:cond delay="0"/>
+                            </p:stCondLst>
+                            <p:childTnLst>
+                              <p:par>
+                                <p:cTn id="33" presetID="1" presetClass="entr" presetSubtype="0" fill="hold" grpId="0" nodeType="clickEffect">
+                                  <p:stCondLst>
+                                    <p:cond delay="0"/>
+                                  </p:stCondLst>
+                                  <p:childTnLst>
+                                    <p:set>
+                                      <p:cBhvr>
+                                        <p:cTn id="34" dur="1" fill="hold">
+                                          <p:stCondLst>
+                                            <p:cond delay="0"/>
+                                          </p:stCondLst>
+                                        </p:cTn>
+                                        <p:tgtEl>
+                                          <p:spTgt spid="30"/>
+                                        </p:tgtEl>
+                                        <p:attrNameLst>
+                                          <p:attrName>style.visibility</p:attrName>
+                                        </p:attrNameLst>
+                                      </p:cBhvr>
+                                      <p:to>
+                                        <p:strVal val="visible"/>
+                                      </p:to>
+                                    </p:set>
+                                  </p:childTnLst>
+                                </p:cTn>
+                              </p:par>
+                            </p:childTnLst>
+                          </p:cTn>
+                        </p:par>
+                      </p:childTnLst>
+                    </p:cTn>
+                  </p:par>
+                  <p:par>
+                    <p:cTn id="35" fill="hold">
+                      <p:stCondLst>
+                        <p:cond delay="indefinite"/>
+                      </p:stCondLst>
+                      <p:childTnLst>
+                        <p:par>
+                          <p:cTn id="36" fill="hold">
+                            <p:stCondLst>
+                              <p:cond delay="0"/>
+                            </p:stCondLst>
+                            <p:childTnLst>
+                              <p:par>
+                                <p:cTn id="37" presetID="1" presetClass="entr" presetSubtype="0" fill="hold" grpId="0" nodeType="clickEffect">
+                                  <p:stCondLst>
+                                    <p:cond delay="0"/>
+                                  </p:stCondLst>
+                                  <p:childTnLst>
+                                    <p:set>
+                                      <p:cBhvr>
+                                        <p:cTn id="38" dur="1" fill="hold">
+                                          <p:stCondLst>
+                                            <p:cond delay="0"/>
+                                          </p:stCondLst>
+                                        </p:cTn>
+                                        <p:tgtEl>
+                                          <p:spTgt spid="23"/>
+                                        </p:tgtEl>
+                                        <p:attrNameLst>
+                                          <p:attrName>style.visibility</p:attrName>
+                                        </p:attrNameLst>
+                                      </p:cBhvr>
+                                      <p:to>
+                                        <p:strVal val="visible"/>
+                                      </p:to>
+                                    </p:set>
+                                  </p:childTnLst>
+                                </p:cTn>
+                              </p:par>
+                            </p:childTnLst>
+                          </p:cTn>
+                        </p:par>
+                      </p:childTnLst>
+                    </p:cTn>
+                  </p:par>
+                  <p:par>
+                    <p:cTn id="39" fill="hold">
+                      <p:stCondLst>
+                        <p:cond delay="indefinite"/>
+                      </p:stCondLst>
+                      <p:childTnLst>
+                        <p:par>
+                          <p:cTn id="40" fill="hold">
+                            <p:stCondLst>
+                              <p:cond delay="0"/>
+                            </p:stCondLst>
+                            <p:childTnLst>
+                              <p:par>
+                                <p:cTn id="41" presetID="1" presetClass="entr" presetSubtype="0" fill="hold" grpId="0" nodeType="clickEffect">
+                                  <p:stCondLst>
+                                    <p:cond delay="0"/>
+                                  </p:stCondLst>
+                                  <p:childTnLst>
+                                    <p:set>
+                                      <p:cBhvr>
+                                        <p:cTn id="42" dur="1" fill="hold">
+                                          <p:stCondLst>
+                                            <p:cond delay="0"/>
+                                          </p:stCondLst>
+                                        </p:cTn>
+                                        <p:tgtEl>
+                                          <p:spTgt spid="32"/>
+                                        </p:tgtEl>
+                                        <p:attrNameLst>
+                                          <p:attrName>style.visibility</p:attrName>
+                                        </p:attrNameLst>
+                                      </p:cBhvr>
+                                      <p:to>
+                                        <p:strVal val="visible"/>
+                                      </p:to>
+                                    </p:set>
+                                  </p:childTnLst>
+                                </p:cTn>
+                              </p:par>
+                            </p:childTnLst>
+                          </p:cTn>
+                        </p:par>
+                      </p:childTnLst>
+                    </p:cTn>
+                  </p:par>
+                  <p:par>
+                    <p:cTn id="43" fill="hold">
+                      <p:stCondLst>
+                        <p:cond delay="indefinite"/>
+                      </p:stCondLst>
+                      <p:childTnLst>
+                        <p:par>
+                          <p:cTn id="44" fill="hold">
+                            <p:stCondLst>
+                              <p:cond delay="0"/>
+                            </p:stCondLst>
+                            <p:childTnLst>
+                              <p:par>
+                                <p:cTn id="45" presetID="1" presetClass="entr" presetSubtype="0" fill="hold" grpId="0" nodeType="clickEffect">
+                                  <p:stCondLst>
+                                    <p:cond delay="0"/>
+                                  </p:stCondLst>
+                                  <p:childTnLst>
+                                    <p:set>
+                                      <p:cBhvr>
+                                        <p:cTn id="46" dur="1" fill="hold">
+                                          <p:stCondLst>
+                                            <p:cond delay="0"/>
+                                          </p:stCondLst>
+                                        </p:cTn>
+                                        <p:tgtEl>
+                                          <p:spTgt spid="24"/>
+                                        </p:tgtEl>
+                                        <p:attrNameLst>
+                                          <p:attrName>style.visibility</p:attrName>
+                                        </p:attrNameLst>
+                                      </p:cBhvr>
+                                      <p:to>
+                                        <p:strVal val="visible"/>
+                                      </p:to>
+                                    </p:set>
+                                  </p:childTnLst>
+                                </p:cTn>
+                              </p:par>
+                            </p:childTnLst>
+                          </p:cTn>
+                        </p:par>
+                      </p:childTnLst>
+                    </p:cTn>
+                  </p:par>
+                  <p:par>
+                    <p:cTn id="47" fill="hold">
+                      <p:stCondLst>
+                        <p:cond delay="indefinite"/>
+                      </p:stCondLst>
+                      <p:childTnLst>
+                        <p:par>
+                          <p:cTn id="48" fill="hold">
+                            <p:stCondLst>
+                              <p:cond delay="0"/>
+                            </p:stCondLst>
+                            <p:childTnLst>
+                              <p:par>
+                                <p:cTn id="49" presetID="1" presetClass="entr" presetSubtype="0" fill="hold" grpId="0" nodeType="clickEffect">
+                                  <p:stCondLst>
+                                    <p:cond delay="0"/>
+                                  </p:stCondLst>
+                                  <p:childTnLst>
+                                    <p:set>
+                                      <p:cBhvr>
+                                        <p:cTn id="50" dur="1" fill="hold">
+                                          <p:stCondLst>
+                                            <p:cond delay="0"/>
+                                          </p:stCondLst>
+                                        </p:cTn>
+                                        <p:tgtEl>
+                                          <p:spTgt spid="31"/>
+                                        </p:tgtEl>
+                                        <p:attrNameLst>
+                                          <p:attrName>style.visibility</p:attrName>
+                                        </p:attrNameLst>
+                                      </p:cBhvr>
+                                      <p:to>
+                                        <p:strVal val="visible"/>
+                                      </p:to>
+                                    </p:set>
+                                  </p:childTnLst>
+                                </p:cTn>
+                              </p:par>
+                            </p:childTnLst>
+                          </p:cTn>
+                        </p:par>
+                      </p:childTnLst>
+                    </p:cTn>
+                  </p:par>
+                  <p:par>
+                    <p:cTn id="51" fill="hold">
+                      <p:stCondLst>
+                        <p:cond delay="indefinite"/>
+                      </p:stCondLst>
+                      <p:childTnLst>
+                        <p:par>
+                          <p:cTn id="52" fill="hold">
+                            <p:stCondLst>
+                              <p:cond delay="0"/>
+                            </p:stCondLst>
+                            <p:childTnLst>
+                              <p:par>
+                                <p:cTn id="53" presetID="1" presetClass="entr" presetSubtype="0" fill="hold" grpId="0" nodeType="clickEffect">
+                                  <p:stCondLst>
+                                    <p:cond delay="0"/>
+                                  </p:stCondLst>
+                                  <p:childTnLst>
+                                    <p:set>
+                                      <p:cBhvr>
+                                        <p:cTn id="54" dur="1" fill="hold">
+                                          <p:stCondLst>
+                                            <p:cond delay="0"/>
+                                          </p:stCondLst>
+                                        </p:cTn>
+                                        <p:tgtEl>
+                                          <p:spTgt spid="25"/>
+                                        </p:tgtEl>
+                                        <p:attrNameLst>
+                                          <p:attrName>style.visibility</p:attrName>
+                                        </p:attrNameLst>
+                                      </p:cBhvr>
+                                      <p:to>
+                                        <p:strVal val="visible"/>
+                                      </p:to>
+                                    </p:set>
+                                  </p:childTnLst>
+                                </p:cTn>
+                              </p:par>
+                            </p:childTnLst>
+                          </p:cTn>
+                        </p:par>
+                      </p:childTnLst>
+                    </p:cTn>
+                  </p:par>
+                  <p:par>
+                    <p:cTn id="55" fill="hold">
+                      <p:stCondLst>
+                        <p:cond delay="indefinite"/>
+                      </p:stCondLst>
+                      <p:childTnLst>
+                        <p:par>
+                          <p:cTn id="56" fill="hold">
+                            <p:stCondLst>
+                              <p:cond delay="0"/>
+                            </p:stCondLst>
+                            <p:childTnLst>
+                              <p:par>
+                                <p:cTn id="57" presetID="1" presetClass="entr" presetSubtype="0" fill="hold" grpId="0" nodeType="clickEffect">
+                                  <p:stCondLst>
+                                    <p:cond delay="0"/>
+                                  </p:stCondLst>
+                                  <p:childTnLst>
+                                    <p:set>
+                                      <p:cBhvr>
+                                        <p:cTn id="58" dur="1" fill="hold">
+                                          <p:stCondLst>
+                                            <p:cond delay="0"/>
+                                          </p:stCondLst>
+                                        </p:cTn>
+                                        <p:tgtEl>
+                                          <p:spTgt spid="33"/>
+                                        </p:tgtEl>
+                                        <p:attrNameLst>
+                                          <p:attrName>style.visibility</p:attrName>
+                                        </p:attrNameLst>
+                                      </p:cBhvr>
+                                      <p:to>
+                                        <p:strVal val="visible"/>
+                                      </p:to>
+                                    </p:set>
+                                  </p:childTnLst>
+                                </p:cTn>
+                              </p:par>
+                            </p:childTnLst>
+                          </p:cTn>
+                        </p:par>
+                      </p:childTnLst>
+                    </p:cTn>
+                  </p:par>
+                </p:childTnLst>
+              </p:cTn>
+              <p:prevCondLst>
+                <p:cond evt="onPrev" delay="0">
+                  <p:tgtEl>
+                    <p:sldTgt/>
+                  </p:tgtEl>
+                </p:cond>
+              </p:prevCondLst>
+              <p:nextCondLst>
+                <p:cond evt="onNext" delay="0">
+                  <p:tgtEl>
+                    <p:sldTgt/>
+                  </p:tgtEl>
+                </p:cond>
+              </p:nextCondLst>
+            </p:seq>
+          </p:childTnLst>
+        </p:cTn>
       </p:par>
     </p:tnLst>
+    <p:bldLst>
+      <p:bldP spid="18" grpId="0" animBg="1"/>
+      <p:bldP spid="20" grpId="0" animBg="1"/>
+      <p:bldP spid="21" grpId="0" animBg="1"/>
+      <p:bldP spid="22" grpId="0" animBg="1"/>
+      <p:bldP spid="23" grpId="0" animBg="1"/>
+      <p:bldP spid="24" grpId="0" animBg="1"/>
+      <p:bldP spid="25" grpId="0" animBg="1"/>
+      <p:bldP spid="26" grpId="0" animBg="1"/>
+      <p:bldP spid="28" grpId="0" animBg="1"/>
+      <p:bldP spid="29" grpId="0" animBg="1"/>
+      <p:bldP spid="30" grpId="0" animBg="1"/>
+      <p:bldP spid="31" grpId="0" animBg="1"/>
+      <p:bldP spid="32" grpId="0" animBg="1"/>
+      <p:bldP spid="33" grpId="0" animBg="1"/>
+    </p:bldLst>
   </p:timing>
 </p:sld>
 </file>
@@ -8138,16 +9647,40 @@
           </a:p>
         </p:txBody>
       </p:sp>
+      <p:pic>
+        <p:nvPicPr>
+          <p:cNvPr id="2" name="그림 1"/>
+          <p:cNvPicPr>
+            <a:picLocks noChangeAspect="1"/>
+          </p:cNvPicPr>
+          <p:nvPr/>
+        </p:nvPicPr>
+        <p:blipFill>
+          <a:blip r:embed="rId3"/>
+          <a:stretch>
+            <a:fillRect/>
+          </a:stretch>
+        </p:blipFill>
+        <p:spPr>
+          <a:xfrm>
+            <a:off x="10631042" y="3015624"/>
+            <a:ext cx="1478248" cy="2288361"/>
+          </a:xfrm>
+          <a:prstGeom prst="rect">
+            <a:avLst/>
+          </a:prstGeom>
+        </p:spPr>
+      </p:pic>
       <p:sp>
         <p:nvSpPr>
-          <p:cNvPr id="35" name="타원 34"/>
+          <p:cNvPr id="36" name="타원 35"/>
           <p:cNvSpPr/>
           <p:nvPr/>
         </p:nvSpPr>
         <p:spPr>
           <a:xfrm>
-            <a:off x="10476346" y="1125532"/>
-            <a:ext cx="244784" cy="214426"/>
+            <a:off x="10415277" y="1229724"/>
+            <a:ext cx="215765" cy="198786"/>
           </a:xfrm>
           <a:prstGeom prst="ellipse">
             <a:avLst/>
@@ -8182,23 +9715,7 @@
           <a:lstStyle/>
           <a:p>
             <a:pPr algn="ctr"/>
-            <a:r>
-              <a:rPr lang="en-US" altLang="ko-KR" sz="800" b="1" dirty="0" smtClean="0">
-                <a:ln w="0"/>
-                <a:solidFill>
-                  <a:schemeClr val="bg1"/>
-                </a:solidFill>
-                <a:effectLst>
-                  <a:outerShdw blurRad="38100" dist="19050" dir="2700000" algn="tl" rotWithShape="0">
-                    <a:schemeClr val="dk1">
-                      <a:alpha val="40000"/>
-                    </a:schemeClr>
-                  </a:outerShdw>
-                </a:effectLst>
-              </a:rPr>
-              <a:t>10</a:t>
-            </a:r>
-            <a:endParaRPr lang="ko-KR" altLang="en-US" sz="800" b="1" dirty="0">
+            <a:endParaRPr lang="ko-KR" altLang="en-US" sz="1050" b="1" dirty="0">
               <a:ln w="0"/>
               <a:solidFill>
                 <a:schemeClr val="bg1"/>
@@ -8214,30 +9731,48 @@
           </a:p>
         </p:txBody>
       </p:sp>
-      <p:pic>
-        <p:nvPicPr>
-          <p:cNvPr id="2" name="그림 1"/>
-          <p:cNvPicPr>
-            <a:picLocks noChangeAspect="1"/>
-          </p:cNvPicPr>
+      <p:sp>
+        <p:nvSpPr>
+          <p:cNvPr id="4" name="TextBox 3"/>
+          <p:cNvSpPr txBox="1"/>
           <p:nvPr/>
-        </p:nvPicPr>
-        <p:blipFill>
-          <a:blip r:embed="rId3"/>
-          <a:stretch>
-            <a:fillRect/>
-          </a:stretch>
-        </p:blipFill>
+        </p:nvSpPr>
         <p:spPr>
           <a:xfrm>
-            <a:off x="10631042" y="3015624"/>
-            <a:ext cx="1478248" cy="2288361"/>
+            <a:off x="10360294" y="1206006"/>
+            <a:ext cx="325730" cy="246221"/>
           </a:xfrm>
           <a:prstGeom prst="rect">
             <a:avLst/>
           </a:prstGeom>
+          <a:noFill/>
         </p:spPr>
-      </p:pic>
+        <p:txBody>
+          <a:bodyPr wrap="none" rtlCol="0">
+            <a:spAutoFit/>
+          </a:bodyPr>
+          <a:lstStyle/>
+          <a:p>
+            <a:r>
+              <a:rPr lang="en-US" altLang="ko-KR" sz="1000" b="1" dirty="0">
+                <a:solidFill>
+                  <a:schemeClr val="bg1"/>
+                </a:solidFill>
+                <a:latin typeface="Arial" panose="020B0604020202020204" pitchFamily="34" charset="0"/>
+                <a:cs typeface="Arial" panose="020B0604020202020204" pitchFamily="34" charset="0"/>
+              </a:rPr>
+              <a:t>10</a:t>
+            </a:r>
+            <a:endParaRPr lang="ko-KR" altLang="en-US" sz="1000" b="1" dirty="0">
+              <a:solidFill>
+                <a:schemeClr val="bg1"/>
+              </a:solidFill>
+              <a:latin typeface="Arial" panose="020B0604020202020204" pitchFamily="34" charset="0"/>
+              <a:cs typeface="Arial" panose="020B0604020202020204" pitchFamily="34" charset="0"/>
+            </a:endParaRPr>
+          </a:p>
+        </p:txBody>
+      </p:sp>
     </p:spTree>
     <p:extLst>
       <p:ext uri="{BB962C8B-B14F-4D97-AF65-F5344CB8AC3E}">
@@ -8251,9 +9786,1018 @@
   <p:timing>
     <p:tnLst>
       <p:par>
-        <p:cTn id="1" dur="indefinite" restart="never" nodeType="tmRoot"/>
+        <p:cTn id="1" dur="indefinite" restart="never" nodeType="tmRoot">
+          <p:childTnLst>
+            <p:seq concurrent="1" nextAc="seek">
+              <p:cTn id="2" dur="indefinite" nodeType="mainSeq">
+                <p:childTnLst>
+                  <p:par>
+                    <p:cTn id="3" fill="hold">
+                      <p:stCondLst>
+                        <p:cond delay="indefinite"/>
+                      </p:stCondLst>
+                      <p:childTnLst>
+                        <p:par>
+                          <p:cTn id="4" fill="hold">
+                            <p:stCondLst>
+                              <p:cond delay="0"/>
+                            </p:stCondLst>
+                            <p:childTnLst>
+                              <p:par>
+                                <p:cTn id="5" presetID="1" presetClass="entr" presetSubtype="0" fill="hold" grpId="0" nodeType="clickEffect">
+                                  <p:stCondLst>
+                                    <p:cond delay="0"/>
+                                  </p:stCondLst>
+                                  <p:childTnLst>
+                                    <p:set>
+                                      <p:cBhvr>
+                                        <p:cTn id="6" dur="1" fill="hold">
+                                          <p:stCondLst>
+                                            <p:cond delay="0"/>
+                                          </p:stCondLst>
+                                        </p:cTn>
+                                        <p:tgtEl>
+                                          <p:spTgt spid="16"/>
+                                        </p:tgtEl>
+                                        <p:attrNameLst>
+                                          <p:attrName>style.visibility</p:attrName>
+                                        </p:attrNameLst>
+                                      </p:cBhvr>
+                                      <p:to>
+                                        <p:strVal val="visible"/>
+                                      </p:to>
+                                    </p:set>
+                                  </p:childTnLst>
+                                </p:cTn>
+                              </p:par>
+                            </p:childTnLst>
+                          </p:cTn>
+                        </p:par>
+                      </p:childTnLst>
+                    </p:cTn>
+                  </p:par>
+                  <p:par>
+                    <p:cTn id="7" fill="hold">
+                      <p:stCondLst>
+                        <p:cond delay="indefinite"/>
+                      </p:stCondLst>
+                      <p:childTnLst>
+                        <p:par>
+                          <p:cTn id="8" fill="hold">
+                            <p:stCondLst>
+                              <p:cond delay="0"/>
+                            </p:stCondLst>
+                            <p:childTnLst>
+                              <p:par>
+                                <p:cTn id="9" presetID="1" presetClass="entr" presetSubtype="0" fill="hold" grpId="0" nodeType="clickEffect">
+                                  <p:stCondLst>
+                                    <p:cond delay="0"/>
+                                  </p:stCondLst>
+                                  <p:childTnLst>
+                                    <p:set>
+                                      <p:cBhvr>
+                                        <p:cTn id="10" dur="1" fill="hold">
+                                          <p:stCondLst>
+                                            <p:cond delay="0"/>
+                                          </p:stCondLst>
+                                        </p:cTn>
+                                        <p:tgtEl>
+                                          <p:spTgt spid="33"/>
+                                        </p:tgtEl>
+                                        <p:attrNameLst>
+                                          <p:attrName>style.visibility</p:attrName>
+                                        </p:attrNameLst>
+                                      </p:cBhvr>
+                                      <p:to>
+                                        <p:strVal val="visible"/>
+                                      </p:to>
+                                    </p:set>
+                                  </p:childTnLst>
+                                </p:cTn>
+                              </p:par>
+                            </p:childTnLst>
+                          </p:cTn>
+                        </p:par>
+                      </p:childTnLst>
+                    </p:cTn>
+                  </p:par>
+                  <p:par>
+                    <p:cTn id="11" fill="hold">
+                      <p:stCondLst>
+                        <p:cond delay="indefinite"/>
+                      </p:stCondLst>
+                      <p:childTnLst>
+                        <p:par>
+                          <p:cTn id="12" fill="hold">
+                            <p:stCondLst>
+                              <p:cond delay="0"/>
+                            </p:stCondLst>
+                            <p:childTnLst>
+                              <p:par>
+                                <p:cTn id="13" presetID="1" presetClass="entr" presetSubtype="0" fill="hold" grpId="0" nodeType="clickEffect">
+                                  <p:stCondLst>
+                                    <p:cond delay="0"/>
+                                  </p:stCondLst>
+                                  <p:childTnLst>
+                                    <p:set>
+                                      <p:cBhvr>
+                                        <p:cTn id="14" dur="1" fill="hold">
+                                          <p:stCondLst>
+                                            <p:cond delay="0"/>
+                                          </p:stCondLst>
+                                        </p:cTn>
+                                        <p:tgtEl>
+                                          <p:spTgt spid="17"/>
+                                        </p:tgtEl>
+                                        <p:attrNameLst>
+                                          <p:attrName>style.visibility</p:attrName>
+                                        </p:attrNameLst>
+                                      </p:cBhvr>
+                                      <p:to>
+                                        <p:strVal val="visible"/>
+                                      </p:to>
+                                    </p:set>
+                                  </p:childTnLst>
+                                </p:cTn>
+                              </p:par>
+                            </p:childTnLst>
+                          </p:cTn>
+                        </p:par>
+                      </p:childTnLst>
+                    </p:cTn>
+                  </p:par>
+                  <p:par>
+                    <p:cTn id="15" fill="hold">
+                      <p:stCondLst>
+                        <p:cond delay="indefinite"/>
+                      </p:stCondLst>
+                      <p:childTnLst>
+                        <p:par>
+                          <p:cTn id="16" fill="hold">
+                            <p:stCondLst>
+                              <p:cond delay="0"/>
+                            </p:stCondLst>
+                            <p:childTnLst>
+                              <p:par>
+                                <p:cTn id="17" presetID="1" presetClass="entr" presetSubtype="0" fill="hold" grpId="0" nodeType="clickEffect">
+                                  <p:stCondLst>
+                                    <p:cond delay="0"/>
+                                  </p:stCondLst>
+                                  <p:childTnLst>
+                                    <p:set>
+                                      <p:cBhvr>
+                                        <p:cTn id="18" dur="1" fill="hold">
+                                          <p:stCondLst>
+                                            <p:cond delay="0"/>
+                                          </p:stCondLst>
+                                        </p:cTn>
+                                        <p:tgtEl>
+                                          <p:spTgt spid="25"/>
+                                        </p:tgtEl>
+                                        <p:attrNameLst>
+                                          <p:attrName>style.visibility</p:attrName>
+                                        </p:attrNameLst>
+                                      </p:cBhvr>
+                                      <p:to>
+                                        <p:strVal val="visible"/>
+                                      </p:to>
+                                    </p:set>
+                                  </p:childTnLst>
+                                </p:cTn>
+                              </p:par>
+                            </p:childTnLst>
+                          </p:cTn>
+                        </p:par>
+                      </p:childTnLst>
+                    </p:cTn>
+                  </p:par>
+                  <p:par>
+                    <p:cTn id="19" fill="hold">
+                      <p:stCondLst>
+                        <p:cond delay="indefinite"/>
+                      </p:stCondLst>
+                      <p:childTnLst>
+                        <p:par>
+                          <p:cTn id="20" fill="hold">
+                            <p:stCondLst>
+                              <p:cond delay="0"/>
+                            </p:stCondLst>
+                            <p:childTnLst>
+                              <p:par>
+                                <p:cTn id="21" presetID="1" presetClass="entr" presetSubtype="0" fill="hold" grpId="0" nodeType="clickEffect">
+                                  <p:stCondLst>
+                                    <p:cond delay="0"/>
+                                  </p:stCondLst>
+                                  <p:childTnLst>
+                                    <p:set>
+                                      <p:cBhvr>
+                                        <p:cTn id="22" dur="1" fill="hold">
+                                          <p:stCondLst>
+                                            <p:cond delay="0"/>
+                                          </p:stCondLst>
+                                        </p:cTn>
+                                        <p:tgtEl>
+                                          <p:spTgt spid="18"/>
+                                        </p:tgtEl>
+                                        <p:attrNameLst>
+                                          <p:attrName>style.visibility</p:attrName>
+                                        </p:attrNameLst>
+                                      </p:cBhvr>
+                                      <p:to>
+                                        <p:strVal val="visible"/>
+                                      </p:to>
+                                    </p:set>
+                                  </p:childTnLst>
+                                </p:cTn>
+                              </p:par>
+                            </p:childTnLst>
+                          </p:cTn>
+                        </p:par>
+                      </p:childTnLst>
+                    </p:cTn>
+                  </p:par>
+                  <p:par>
+                    <p:cTn id="23" fill="hold">
+                      <p:stCondLst>
+                        <p:cond delay="indefinite"/>
+                      </p:stCondLst>
+                      <p:childTnLst>
+                        <p:par>
+                          <p:cTn id="24" fill="hold">
+                            <p:stCondLst>
+                              <p:cond delay="0"/>
+                            </p:stCondLst>
+                            <p:childTnLst>
+                              <p:par>
+                                <p:cTn id="25" presetID="1" presetClass="entr" presetSubtype="0" fill="hold" grpId="0" nodeType="clickEffect">
+                                  <p:stCondLst>
+                                    <p:cond delay="0"/>
+                                  </p:stCondLst>
+                                  <p:childTnLst>
+                                    <p:set>
+                                      <p:cBhvr>
+                                        <p:cTn id="26" dur="1" fill="hold">
+                                          <p:stCondLst>
+                                            <p:cond delay="0"/>
+                                          </p:stCondLst>
+                                        </p:cTn>
+                                        <p:tgtEl>
+                                          <p:spTgt spid="28"/>
+                                        </p:tgtEl>
+                                        <p:attrNameLst>
+                                          <p:attrName>style.visibility</p:attrName>
+                                        </p:attrNameLst>
+                                      </p:cBhvr>
+                                      <p:to>
+                                        <p:strVal val="visible"/>
+                                      </p:to>
+                                    </p:set>
+                                  </p:childTnLst>
+                                </p:cTn>
+                              </p:par>
+                            </p:childTnLst>
+                          </p:cTn>
+                        </p:par>
+                      </p:childTnLst>
+                    </p:cTn>
+                  </p:par>
+                  <p:par>
+                    <p:cTn id="27" fill="hold">
+                      <p:stCondLst>
+                        <p:cond delay="indefinite"/>
+                      </p:stCondLst>
+                      <p:childTnLst>
+                        <p:par>
+                          <p:cTn id="28" fill="hold">
+                            <p:stCondLst>
+                              <p:cond delay="0"/>
+                            </p:stCondLst>
+                            <p:childTnLst>
+                              <p:par>
+                                <p:cTn id="29" presetID="1" presetClass="entr" presetSubtype="0" fill="hold" grpId="0" nodeType="clickEffect">
+                                  <p:stCondLst>
+                                    <p:cond delay="0"/>
+                                  </p:stCondLst>
+                                  <p:childTnLst>
+                                    <p:set>
+                                      <p:cBhvr>
+                                        <p:cTn id="30" dur="1" fill="hold">
+                                          <p:stCondLst>
+                                            <p:cond delay="0"/>
+                                          </p:stCondLst>
+                                        </p:cTn>
+                                        <p:tgtEl>
+                                          <p:spTgt spid="19"/>
+                                        </p:tgtEl>
+                                        <p:attrNameLst>
+                                          <p:attrName>style.visibility</p:attrName>
+                                        </p:attrNameLst>
+                                      </p:cBhvr>
+                                      <p:to>
+                                        <p:strVal val="visible"/>
+                                      </p:to>
+                                    </p:set>
+                                  </p:childTnLst>
+                                </p:cTn>
+                              </p:par>
+                            </p:childTnLst>
+                          </p:cTn>
+                        </p:par>
+                      </p:childTnLst>
+                    </p:cTn>
+                  </p:par>
+                  <p:par>
+                    <p:cTn id="31" fill="hold">
+                      <p:stCondLst>
+                        <p:cond delay="indefinite"/>
+                      </p:stCondLst>
+                      <p:childTnLst>
+                        <p:par>
+                          <p:cTn id="32" fill="hold">
+                            <p:stCondLst>
+                              <p:cond delay="0"/>
+                            </p:stCondLst>
+                            <p:childTnLst>
+                              <p:par>
+                                <p:cTn id="33" presetID="1" presetClass="entr" presetSubtype="0" fill="hold" grpId="0" nodeType="clickEffect">
+                                  <p:stCondLst>
+                                    <p:cond delay="0"/>
+                                  </p:stCondLst>
+                                  <p:childTnLst>
+                                    <p:set>
+                                      <p:cBhvr>
+                                        <p:cTn id="34" dur="1" fill="hold">
+                                          <p:stCondLst>
+                                            <p:cond delay="0"/>
+                                          </p:stCondLst>
+                                        </p:cTn>
+                                        <p:tgtEl>
+                                          <p:spTgt spid="29"/>
+                                        </p:tgtEl>
+                                        <p:attrNameLst>
+                                          <p:attrName>style.visibility</p:attrName>
+                                        </p:attrNameLst>
+                                      </p:cBhvr>
+                                      <p:to>
+                                        <p:strVal val="visible"/>
+                                      </p:to>
+                                    </p:set>
+                                  </p:childTnLst>
+                                </p:cTn>
+                              </p:par>
+                            </p:childTnLst>
+                          </p:cTn>
+                        </p:par>
+                      </p:childTnLst>
+                    </p:cTn>
+                  </p:par>
+                  <p:par>
+                    <p:cTn id="35" fill="hold">
+                      <p:stCondLst>
+                        <p:cond delay="indefinite"/>
+                      </p:stCondLst>
+                      <p:childTnLst>
+                        <p:par>
+                          <p:cTn id="36" fill="hold">
+                            <p:stCondLst>
+                              <p:cond delay="0"/>
+                            </p:stCondLst>
+                            <p:childTnLst>
+                              <p:par>
+                                <p:cTn id="37" presetID="1" presetClass="entr" presetSubtype="0" fill="hold" grpId="0" nodeType="clickEffect">
+                                  <p:stCondLst>
+                                    <p:cond delay="0"/>
+                                  </p:stCondLst>
+                                  <p:childTnLst>
+                                    <p:set>
+                                      <p:cBhvr>
+                                        <p:cTn id="38" dur="1" fill="hold">
+                                          <p:stCondLst>
+                                            <p:cond delay="0"/>
+                                          </p:stCondLst>
+                                        </p:cTn>
+                                        <p:tgtEl>
+                                          <p:spTgt spid="20"/>
+                                        </p:tgtEl>
+                                        <p:attrNameLst>
+                                          <p:attrName>style.visibility</p:attrName>
+                                        </p:attrNameLst>
+                                      </p:cBhvr>
+                                      <p:to>
+                                        <p:strVal val="visible"/>
+                                      </p:to>
+                                    </p:set>
+                                  </p:childTnLst>
+                                </p:cTn>
+                              </p:par>
+                            </p:childTnLst>
+                          </p:cTn>
+                        </p:par>
+                      </p:childTnLst>
+                    </p:cTn>
+                  </p:par>
+                  <p:par>
+                    <p:cTn id="39" fill="hold">
+                      <p:stCondLst>
+                        <p:cond delay="indefinite"/>
+                      </p:stCondLst>
+                      <p:childTnLst>
+                        <p:par>
+                          <p:cTn id="40" fill="hold">
+                            <p:stCondLst>
+                              <p:cond delay="0"/>
+                            </p:stCondLst>
+                            <p:childTnLst>
+                              <p:par>
+                                <p:cTn id="41" presetID="1" presetClass="entr" presetSubtype="0" fill="hold" grpId="0" nodeType="clickEffect">
+                                  <p:stCondLst>
+                                    <p:cond delay="0"/>
+                                  </p:stCondLst>
+                                  <p:childTnLst>
+                                    <p:set>
+                                      <p:cBhvr>
+                                        <p:cTn id="42" dur="1" fill="hold">
+                                          <p:stCondLst>
+                                            <p:cond delay="0"/>
+                                          </p:stCondLst>
+                                        </p:cTn>
+                                        <p:tgtEl>
+                                          <p:spTgt spid="26"/>
+                                        </p:tgtEl>
+                                        <p:attrNameLst>
+                                          <p:attrName>style.visibility</p:attrName>
+                                        </p:attrNameLst>
+                                      </p:cBhvr>
+                                      <p:to>
+                                        <p:strVal val="visible"/>
+                                      </p:to>
+                                    </p:set>
+                                  </p:childTnLst>
+                                </p:cTn>
+                              </p:par>
+                            </p:childTnLst>
+                          </p:cTn>
+                        </p:par>
+                      </p:childTnLst>
+                    </p:cTn>
+                  </p:par>
+                  <p:par>
+                    <p:cTn id="43" fill="hold">
+                      <p:stCondLst>
+                        <p:cond delay="indefinite"/>
+                      </p:stCondLst>
+                      <p:childTnLst>
+                        <p:par>
+                          <p:cTn id="44" fill="hold">
+                            <p:stCondLst>
+                              <p:cond delay="0"/>
+                            </p:stCondLst>
+                            <p:childTnLst>
+                              <p:par>
+                                <p:cTn id="45" presetID="1" presetClass="entr" presetSubtype="0" fill="hold" grpId="0" nodeType="clickEffect">
+                                  <p:stCondLst>
+                                    <p:cond delay="0"/>
+                                  </p:stCondLst>
+                                  <p:childTnLst>
+                                    <p:set>
+                                      <p:cBhvr>
+                                        <p:cTn id="46" dur="1" fill="hold">
+                                          <p:stCondLst>
+                                            <p:cond delay="0"/>
+                                          </p:stCondLst>
+                                        </p:cTn>
+                                        <p:tgtEl>
+                                          <p:spTgt spid="21"/>
+                                        </p:tgtEl>
+                                        <p:attrNameLst>
+                                          <p:attrName>style.visibility</p:attrName>
+                                        </p:attrNameLst>
+                                      </p:cBhvr>
+                                      <p:to>
+                                        <p:strVal val="visible"/>
+                                      </p:to>
+                                    </p:set>
+                                  </p:childTnLst>
+                                </p:cTn>
+                              </p:par>
+                            </p:childTnLst>
+                          </p:cTn>
+                        </p:par>
+                      </p:childTnLst>
+                    </p:cTn>
+                  </p:par>
+                  <p:par>
+                    <p:cTn id="47" fill="hold">
+                      <p:stCondLst>
+                        <p:cond delay="indefinite"/>
+                      </p:stCondLst>
+                      <p:childTnLst>
+                        <p:par>
+                          <p:cTn id="48" fill="hold">
+                            <p:stCondLst>
+                              <p:cond delay="0"/>
+                            </p:stCondLst>
+                            <p:childTnLst>
+                              <p:par>
+                                <p:cTn id="49" presetID="1" presetClass="entr" presetSubtype="0" fill="hold" grpId="0" nodeType="clickEffect">
+                                  <p:stCondLst>
+                                    <p:cond delay="0"/>
+                                  </p:stCondLst>
+                                  <p:childTnLst>
+                                    <p:set>
+                                      <p:cBhvr>
+                                        <p:cTn id="50" dur="1" fill="hold">
+                                          <p:stCondLst>
+                                            <p:cond delay="0"/>
+                                          </p:stCondLst>
+                                        </p:cTn>
+                                        <p:tgtEl>
+                                          <p:spTgt spid="27"/>
+                                        </p:tgtEl>
+                                        <p:attrNameLst>
+                                          <p:attrName>style.visibility</p:attrName>
+                                        </p:attrNameLst>
+                                      </p:cBhvr>
+                                      <p:to>
+                                        <p:strVal val="visible"/>
+                                      </p:to>
+                                    </p:set>
+                                  </p:childTnLst>
+                                </p:cTn>
+                              </p:par>
+                            </p:childTnLst>
+                          </p:cTn>
+                        </p:par>
+                      </p:childTnLst>
+                    </p:cTn>
+                  </p:par>
+                  <p:par>
+                    <p:cTn id="51" fill="hold">
+                      <p:stCondLst>
+                        <p:cond delay="indefinite"/>
+                      </p:stCondLst>
+                      <p:childTnLst>
+                        <p:par>
+                          <p:cTn id="52" fill="hold">
+                            <p:stCondLst>
+                              <p:cond delay="0"/>
+                            </p:stCondLst>
+                            <p:childTnLst>
+                              <p:par>
+                                <p:cTn id="53" presetID="1" presetClass="entr" presetSubtype="0" fill="hold" nodeType="clickEffect">
+                                  <p:stCondLst>
+                                    <p:cond delay="0"/>
+                                  </p:stCondLst>
+                                  <p:childTnLst>
+                                    <p:set>
+                                      <p:cBhvr>
+                                        <p:cTn id="54" dur="1" fill="hold">
+                                          <p:stCondLst>
+                                            <p:cond delay="0"/>
+                                          </p:stCondLst>
+                                        </p:cTn>
+                                        <p:tgtEl>
+                                          <p:spTgt spid="22">
+                                            <p:txEl>
+                                              <p:pRg st="0" end="0"/>
+                                            </p:txEl>
+                                          </p:spTgt>
+                                        </p:tgtEl>
+                                        <p:attrNameLst>
+                                          <p:attrName>style.visibility</p:attrName>
+                                        </p:attrNameLst>
+                                      </p:cBhvr>
+                                      <p:to>
+                                        <p:strVal val="visible"/>
+                                      </p:to>
+                                    </p:set>
+                                  </p:childTnLst>
+                                </p:cTn>
+                              </p:par>
+                            </p:childTnLst>
+                          </p:cTn>
+                        </p:par>
+                      </p:childTnLst>
+                    </p:cTn>
+                  </p:par>
+                  <p:par>
+                    <p:cTn id="55" fill="hold">
+                      <p:stCondLst>
+                        <p:cond delay="indefinite"/>
+                      </p:stCondLst>
+                      <p:childTnLst>
+                        <p:par>
+                          <p:cTn id="56" fill="hold">
+                            <p:stCondLst>
+                              <p:cond delay="0"/>
+                            </p:stCondLst>
+                            <p:childTnLst>
+                              <p:par>
+                                <p:cTn id="57" presetID="1" presetClass="entr" presetSubtype="0" fill="hold" nodeType="clickEffect">
+                                  <p:stCondLst>
+                                    <p:cond delay="0"/>
+                                  </p:stCondLst>
+                                  <p:childTnLst>
+                                    <p:set>
+                                      <p:cBhvr>
+                                        <p:cTn id="58" dur="1" fill="hold">
+                                          <p:stCondLst>
+                                            <p:cond delay="0"/>
+                                          </p:stCondLst>
+                                        </p:cTn>
+                                        <p:tgtEl>
+                                          <p:spTgt spid="30">
+                                            <p:txEl>
+                                              <p:pRg st="0" end="0"/>
+                                            </p:txEl>
+                                          </p:spTgt>
+                                        </p:tgtEl>
+                                        <p:attrNameLst>
+                                          <p:attrName>style.visibility</p:attrName>
+                                        </p:attrNameLst>
+                                      </p:cBhvr>
+                                      <p:to>
+                                        <p:strVal val="visible"/>
+                                      </p:to>
+                                    </p:set>
+                                  </p:childTnLst>
+                                </p:cTn>
+                              </p:par>
+                            </p:childTnLst>
+                          </p:cTn>
+                        </p:par>
+                      </p:childTnLst>
+                    </p:cTn>
+                  </p:par>
+                  <p:par>
+                    <p:cTn id="59" fill="hold">
+                      <p:stCondLst>
+                        <p:cond delay="indefinite"/>
+                      </p:stCondLst>
+                      <p:childTnLst>
+                        <p:par>
+                          <p:cTn id="60" fill="hold">
+                            <p:stCondLst>
+                              <p:cond delay="0"/>
+                            </p:stCondLst>
+                            <p:childTnLst>
+                              <p:par>
+                                <p:cTn id="61" presetID="1" presetClass="entr" presetSubtype="0" fill="hold" grpId="0" nodeType="clickEffect">
+                                  <p:stCondLst>
+                                    <p:cond delay="0"/>
+                                  </p:stCondLst>
+                                  <p:childTnLst>
+                                    <p:set>
+                                      <p:cBhvr>
+                                        <p:cTn id="62" dur="1" fill="hold">
+                                          <p:stCondLst>
+                                            <p:cond delay="0"/>
+                                          </p:stCondLst>
+                                        </p:cTn>
+                                        <p:tgtEl>
+                                          <p:spTgt spid="23"/>
+                                        </p:tgtEl>
+                                        <p:attrNameLst>
+                                          <p:attrName>style.visibility</p:attrName>
+                                        </p:attrNameLst>
+                                      </p:cBhvr>
+                                      <p:to>
+                                        <p:strVal val="visible"/>
+                                      </p:to>
+                                    </p:set>
+                                  </p:childTnLst>
+                                </p:cTn>
+                              </p:par>
+                            </p:childTnLst>
+                          </p:cTn>
+                        </p:par>
+                      </p:childTnLst>
+                    </p:cTn>
+                  </p:par>
+                  <p:par>
+                    <p:cTn id="63" fill="hold">
+                      <p:stCondLst>
+                        <p:cond delay="indefinite"/>
+                      </p:stCondLst>
+                      <p:childTnLst>
+                        <p:par>
+                          <p:cTn id="64" fill="hold">
+                            <p:stCondLst>
+                              <p:cond delay="0"/>
+                            </p:stCondLst>
+                            <p:childTnLst>
+                              <p:par>
+                                <p:cTn id="65" presetID="1" presetClass="entr" presetSubtype="0" fill="hold" nodeType="clickEffect">
+                                  <p:stCondLst>
+                                    <p:cond delay="0"/>
+                                  </p:stCondLst>
+                                  <p:childTnLst>
+                                    <p:set>
+                                      <p:cBhvr>
+                                        <p:cTn id="66" dur="1" fill="hold">
+                                          <p:stCondLst>
+                                            <p:cond delay="0"/>
+                                          </p:stCondLst>
+                                        </p:cTn>
+                                        <p:tgtEl>
+                                          <p:spTgt spid="31">
+                                            <p:txEl>
+                                              <p:pRg st="0" end="0"/>
+                                            </p:txEl>
+                                          </p:spTgt>
+                                        </p:tgtEl>
+                                        <p:attrNameLst>
+                                          <p:attrName>style.visibility</p:attrName>
+                                        </p:attrNameLst>
+                                      </p:cBhvr>
+                                      <p:to>
+                                        <p:strVal val="visible"/>
+                                      </p:to>
+                                    </p:set>
+                                  </p:childTnLst>
+                                </p:cTn>
+                              </p:par>
+                            </p:childTnLst>
+                          </p:cTn>
+                        </p:par>
+                      </p:childTnLst>
+                    </p:cTn>
+                  </p:par>
+                  <p:par>
+                    <p:cTn id="67" fill="hold">
+                      <p:stCondLst>
+                        <p:cond delay="indefinite"/>
+                      </p:stCondLst>
+                      <p:childTnLst>
+                        <p:par>
+                          <p:cTn id="68" fill="hold">
+                            <p:stCondLst>
+                              <p:cond delay="0"/>
+                            </p:stCondLst>
+                            <p:childTnLst>
+                              <p:par>
+                                <p:cTn id="69" presetID="1" presetClass="entr" presetSubtype="0" fill="hold" grpId="0" nodeType="clickEffect">
+                                  <p:stCondLst>
+                                    <p:cond delay="0"/>
+                                  </p:stCondLst>
+                                  <p:childTnLst>
+                                    <p:set>
+                                      <p:cBhvr>
+                                        <p:cTn id="70" dur="1" fill="hold">
+                                          <p:stCondLst>
+                                            <p:cond delay="0"/>
+                                          </p:stCondLst>
+                                        </p:cTn>
+                                        <p:tgtEl>
+                                          <p:spTgt spid="24"/>
+                                        </p:tgtEl>
+                                        <p:attrNameLst>
+                                          <p:attrName>style.visibility</p:attrName>
+                                        </p:attrNameLst>
+                                      </p:cBhvr>
+                                      <p:to>
+                                        <p:strVal val="visible"/>
+                                      </p:to>
+                                    </p:set>
+                                  </p:childTnLst>
+                                </p:cTn>
+                              </p:par>
+                            </p:childTnLst>
+                          </p:cTn>
+                        </p:par>
+                      </p:childTnLst>
+                    </p:cTn>
+                  </p:par>
+                  <p:par>
+                    <p:cTn id="71" fill="hold">
+                      <p:stCondLst>
+                        <p:cond delay="indefinite"/>
+                      </p:stCondLst>
+                      <p:childTnLst>
+                        <p:par>
+                          <p:cTn id="72" fill="hold">
+                            <p:stCondLst>
+                              <p:cond delay="0"/>
+                            </p:stCondLst>
+                            <p:childTnLst>
+                              <p:par>
+                                <p:cTn id="73" presetID="1" presetClass="entr" presetSubtype="0" fill="hold" grpId="0" nodeType="clickEffect">
+                                  <p:stCondLst>
+                                    <p:cond delay="0"/>
+                                  </p:stCondLst>
+                                  <p:childTnLst>
+                                    <p:set>
+                                      <p:cBhvr>
+                                        <p:cTn id="74" dur="1" fill="hold">
+                                          <p:stCondLst>
+                                            <p:cond delay="0"/>
+                                          </p:stCondLst>
+                                        </p:cTn>
+                                        <p:tgtEl>
+                                          <p:spTgt spid="32"/>
+                                        </p:tgtEl>
+                                        <p:attrNameLst>
+                                          <p:attrName>style.visibility</p:attrName>
+                                        </p:attrNameLst>
+                                      </p:cBhvr>
+                                      <p:to>
+                                        <p:strVal val="visible"/>
+                                      </p:to>
+                                    </p:set>
+                                  </p:childTnLst>
+                                </p:cTn>
+                              </p:par>
+                              <p:par>
+                                <p:cTn id="75" presetID="1" presetClass="entr" presetSubtype="0" fill="hold" nodeType="withEffect">
+                                  <p:stCondLst>
+                                    <p:cond delay="0"/>
+                                  </p:stCondLst>
+                                  <p:childTnLst>
+                                    <p:set>
+                                      <p:cBhvr>
+                                        <p:cTn id="76" dur="1" fill="hold">
+                                          <p:stCondLst>
+                                            <p:cond delay="0"/>
+                                          </p:stCondLst>
+                                        </p:cTn>
+                                        <p:tgtEl>
+                                          <p:spTgt spid="2"/>
+                                        </p:tgtEl>
+                                        <p:attrNameLst>
+                                          <p:attrName>style.visibility</p:attrName>
+                                        </p:attrNameLst>
+                                      </p:cBhvr>
+                                      <p:to>
+                                        <p:strVal val="visible"/>
+                                      </p:to>
+                                    </p:set>
+                                  </p:childTnLst>
+                                </p:cTn>
+                              </p:par>
+                            </p:childTnLst>
+                          </p:cTn>
+                        </p:par>
+                      </p:childTnLst>
+                    </p:cTn>
+                  </p:par>
+                  <p:par>
+                    <p:cTn id="77" fill="hold">
+                      <p:stCondLst>
+                        <p:cond delay="indefinite"/>
+                      </p:stCondLst>
+                      <p:childTnLst>
+                        <p:par>
+                          <p:cTn id="78" fill="hold">
+                            <p:stCondLst>
+                              <p:cond delay="0"/>
+                            </p:stCondLst>
+                            <p:childTnLst>
+                              <p:par>
+                                <p:cTn id="79" presetID="1" presetClass="entr" presetSubtype="0" fill="hold" grpId="0" nodeType="clickEffect">
+                                  <p:stCondLst>
+                                    <p:cond delay="0"/>
+                                  </p:stCondLst>
+                                  <p:childTnLst>
+                                    <p:set>
+                                      <p:cBhvr>
+                                        <p:cTn id="80" dur="1" fill="hold">
+                                          <p:stCondLst>
+                                            <p:cond delay="0"/>
+                                          </p:stCondLst>
+                                        </p:cTn>
+                                        <p:tgtEl>
+                                          <p:spTgt spid="36"/>
+                                        </p:tgtEl>
+                                        <p:attrNameLst>
+                                          <p:attrName>style.visibility</p:attrName>
+                                        </p:attrNameLst>
+                                      </p:cBhvr>
+                                      <p:to>
+                                        <p:strVal val="visible"/>
+                                      </p:to>
+                                    </p:set>
+                                  </p:childTnLst>
+                                </p:cTn>
+                              </p:par>
+                              <p:par>
+                                <p:cTn id="81" presetID="1" presetClass="entr" presetSubtype="0" fill="hold" grpId="0" nodeType="withEffect">
+                                  <p:stCondLst>
+                                    <p:cond delay="0"/>
+                                  </p:stCondLst>
+                                  <p:childTnLst>
+                                    <p:set>
+                                      <p:cBhvr>
+                                        <p:cTn id="82" dur="1" fill="hold">
+                                          <p:stCondLst>
+                                            <p:cond delay="0"/>
+                                          </p:stCondLst>
+                                        </p:cTn>
+                                        <p:tgtEl>
+                                          <p:spTgt spid="4"/>
+                                        </p:tgtEl>
+                                        <p:attrNameLst>
+                                          <p:attrName>style.visibility</p:attrName>
+                                        </p:attrNameLst>
+                                      </p:cBhvr>
+                                      <p:to>
+                                        <p:strVal val="visible"/>
+                                      </p:to>
+                                    </p:set>
+                                  </p:childTnLst>
+                                </p:cTn>
+                              </p:par>
+                            </p:childTnLst>
+                          </p:cTn>
+                        </p:par>
+                      </p:childTnLst>
+                    </p:cTn>
+                  </p:par>
+                  <p:par>
+                    <p:cTn id="83" fill="hold">
+                      <p:stCondLst>
+                        <p:cond delay="indefinite"/>
+                      </p:stCondLst>
+                      <p:childTnLst>
+                        <p:par>
+                          <p:cTn id="84" fill="hold">
+                            <p:stCondLst>
+                              <p:cond delay="0"/>
+                            </p:stCondLst>
+                            <p:childTnLst>
+                              <p:par>
+                                <p:cTn id="85" presetID="1" presetClass="entr" presetSubtype="0" fill="hold" grpId="0" nodeType="clickEffect">
+                                  <p:stCondLst>
+                                    <p:cond delay="0"/>
+                                  </p:stCondLst>
+                                  <p:childTnLst>
+                                    <p:set>
+                                      <p:cBhvr>
+                                        <p:cTn id="86" dur="1" fill="hold">
+                                          <p:stCondLst>
+                                            <p:cond delay="0"/>
+                                          </p:stCondLst>
+                                        </p:cTn>
+                                        <p:tgtEl>
+                                          <p:spTgt spid="34"/>
+                                        </p:tgtEl>
+                                        <p:attrNameLst>
+                                          <p:attrName>style.visibility</p:attrName>
+                                        </p:attrNameLst>
+                                      </p:cBhvr>
+                                      <p:to>
+                                        <p:strVal val="visible"/>
+                                      </p:to>
+                                    </p:set>
+                                  </p:childTnLst>
+                                </p:cTn>
+                              </p:par>
+                            </p:childTnLst>
+                          </p:cTn>
+                        </p:par>
+                      </p:childTnLst>
+                    </p:cTn>
+                  </p:par>
+                </p:childTnLst>
+              </p:cTn>
+              <p:prevCondLst>
+                <p:cond evt="onPrev" delay="0">
+                  <p:tgtEl>
+                    <p:sldTgt/>
+                  </p:tgtEl>
+                </p:cond>
+              </p:prevCondLst>
+              <p:nextCondLst>
+                <p:cond evt="onNext" delay="0">
+                  <p:tgtEl>
+                    <p:sldTgt/>
+                  </p:tgtEl>
+                </p:cond>
+              </p:nextCondLst>
+            </p:seq>
+          </p:childTnLst>
+        </p:cTn>
       </p:par>
     </p:tnLst>
+    <p:bldLst>
+      <p:bldP spid="16" grpId="0" animBg="1"/>
+      <p:bldP spid="17" grpId="0" animBg="1"/>
+      <p:bldP spid="18" grpId="0" animBg="1"/>
+      <p:bldP spid="19" grpId="0" animBg="1"/>
+      <p:bldP spid="20" grpId="0" animBg="1"/>
+      <p:bldP spid="21" grpId="0" animBg="1"/>
+      <p:bldP spid="23" grpId="0" animBg="1"/>
+      <p:bldP spid="24" grpId="0" animBg="1"/>
+      <p:bldP spid="25" grpId="0" animBg="1"/>
+      <p:bldP spid="26" grpId="0" animBg="1"/>
+      <p:bldP spid="27" grpId="0" animBg="1"/>
+      <p:bldP spid="28" grpId="0" animBg="1"/>
+      <p:bldP spid="29" grpId="0" animBg="1"/>
+      <p:bldP spid="32" grpId="0" animBg="1"/>
+      <p:bldP spid="33" grpId="0" animBg="1"/>
+      <p:bldP spid="34" grpId="0" animBg="1"/>
+      <p:bldP spid="36" grpId="0" animBg="1"/>
+      <p:bldP spid="4" grpId="0"/>
+    </p:bldLst>
   </p:timing>
 </p:sld>
 </file>
@@ -9826,9 +12370,867 @@
   <p:timing>
     <p:tnLst>
       <p:par>
-        <p:cTn id="1" dur="indefinite" restart="never" nodeType="tmRoot"/>
+        <p:cTn id="1" dur="indefinite" restart="never" nodeType="tmRoot">
+          <p:childTnLst>
+            <p:seq concurrent="1" nextAc="seek">
+              <p:cTn id="2" dur="indefinite" nodeType="mainSeq">
+                <p:childTnLst>
+                  <p:par>
+                    <p:cTn id="3" fill="hold">
+                      <p:stCondLst>
+                        <p:cond delay="indefinite"/>
+                      </p:stCondLst>
+                      <p:childTnLst>
+                        <p:par>
+                          <p:cTn id="4" fill="hold">
+                            <p:stCondLst>
+                              <p:cond delay="0"/>
+                            </p:stCondLst>
+                            <p:childTnLst>
+                              <p:par>
+                                <p:cTn id="5" presetID="1" presetClass="entr" presetSubtype="0" fill="hold" grpId="0" nodeType="clickEffect">
+                                  <p:stCondLst>
+                                    <p:cond delay="0"/>
+                                  </p:stCondLst>
+                                  <p:childTnLst>
+                                    <p:set>
+                                      <p:cBhvr>
+                                        <p:cTn id="6" dur="1" fill="hold">
+                                          <p:stCondLst>
+                                            <p:cond delay="0"/>
+                                          </p:stCondLst>
+                                        </p:cTn>
+                                        <p:tgtEl>
+                                          <p:spTgt spid="14"/>
+                                        </p:tgtEl>
+                                        <p:attrNameLst>
+                                          <p:attrName>style.visibility</p:attrName>
+                                        </p:attrNameLst>
+                                      </p:cBhvr>
+                                      <p:to>
+                                        <p:strVal val="visible"/>
+                                      </p:to>
+                                    </p:set>
+                                  </p:childTnLst>
+                                </p:cTn>
+                              </p:par>
+                            </p:childTnLst>
+                          </p:cTn>
+                        </p:par>
+                      </p:childTnLst>
+                    </p:cTn>
+                  </p:par>
+                  <p:par>
+                    <p:cTn id="7" fill="hold">
+                      <p:stCondLst>
+                        <p:cond delay="indefinite"/>
+                      </p:stCondLst>
+                      <p:childTnLst>
+                        <p:par>
+                          <p:cTn id="8" fill="hold">
+                            <p:stCondLst>
+                              <p:cond delay="0"/>
+                            </p:stCondLst>
+                            <p:childTnLst>
+                              <p:par>
+                                <p:cTn id="9" presetID="1" presetClass="entr" presetSubtype="0" fill="hold" grpId="0" nodeType="clickEffect">
+                                  <p:stCondLst>
+                                    <p:cond delay="0"/>
+                                  </p:stCondLst>
+                                  <p:childTnLst>
+                                    <p:set>
+                                      <p:cBhvr>
+                                        <p:cTn id="10" dur="1" fill="hold">
+                                          <p:stCondLst>
+                                            <p:cond delay="0"/>
+                                          </p:stCondLst>
+                                        </p:cTn>
+                                        <p:tgtEl>
+                                          <p:spTgt spid="13"/>
+                                        </p:tgtEl>
+                                        <p:attrNameLst>
+                                          <p:attrName>style.visibility</p:attrName>
+                                        </p:attrNameLst>
+                                      </p:cBhvr>
+                                      <p:to>
+                                        <p:strVal val="visible"/>
+                                      </p:to>
+                                    </p:set>
+                                  </p:childTnLst>
+                                </p:cTn>
+                              </p:par>
+                            </p:childTnLst>
+                          </p:cTn>
+                        </p:par>
+                      </p:childTnLst>
+                    </p:cTn>
+                  </p:par>
+                  <p:par>
+                    <p:cTn id="11" fill="hold">
+                      <p:stCondLst>
+                        <p:cond delay="indefinite"/>
+                      </p:stCondLst>
+                      <p:childTnLst>
+                        <p:par>
+                          <p:cTn id="12" fill="hold">
+                            <p:stCondLst>
+                              <p:cond delay="0"/>
+                            </p:stCondLst>
+                            <p:childTnLst>
+                              <p:par>
+                                <p:cTn id="13" presetID="1" presetClass="entr" presetSubtype="0" fill="hold" grpId="0" nodeType="clickEffect">
+                                  <p:stCondLst>
+                                    <p:cond delay="0"/>
+                                  </p:stCondLst>
+                                  <p:childTnLst>
+                                    <p:set>
+                                      <p:cBhvr>
+                                        <p:cTn id="14" dur="1" fill="hold">
+                                          <p:stCondLst>
+                                            <p:cond delay="0"/>
+                                          </p:stCondLst>
+                                        </p:cTn>
+                                        <p:tgtEl>
+                                          <p:spTgt spid="27"/>
+                                        </p:tgtEl>
+                                        <p:attrNameLst>
+                                          <p:attrName>style.visibility</p:attrName>
+                                        </p:attrNameLst>
+                                      </p:cBhvr>
+                                      <p:to>
+                                        <p:strVal val="visible"/>
+                                      </p:to>
+                                    </p:set>
+                                  </p:childTnLst>
+                                </p:cTn>
+                              </p:par>
+                            </p:childTnLst>
+                          </p:cTn>
+                        </p:par>
+                      </p:childTnLst>
+                    </p:cTn>
+                  </p:par>
+                  <p:par>
+                    <p:cTn id="15" fill="hold">
+                      <p:stCondLst>
+                        <p:cond delay="indefinite"/>
+                      </p:stCondLst>
+                      <p:childTnLst>
+                        <p:par>
+                          <p:cTn id="16" fill="hold">
+                            <p:stCondLst>
+                              <p:cond delay="0"/>
+                            </p:stCondLst>
+                            <p:childTnLst>
+                              <p:par>
+                                <p:cTn id="17" presetID="1" presetClass="entr" presetSubtype="0" fill="hold" grpId="0" nodeType="clickEffect">
+                                  <p:stCondLst>
+                                    <p:cond delay="0"/>
+                                  </p:stCondLst>
+                                  <p:childTnLst>
+                                    <p:set>
+                                      <p:cBhvr>
+                                        <p:cTn id="18" dur="1" fill="hold">
+                                          <p:stCondLst>
+                                            <p:cond delay="0"/>
+                                          </p:stCondLst>
+                                        </p:cTn>
+                                        <p:tgtEl>
+                                          <p:spTgt spid="16"/>
+                                        </p:tgtEl>
+                                        <p:attrNameLst>
+                                          <p:attrName>style.visibility</p:attrName>
+                                        </p:attrNameLst>
+                                      </p:cBhvr>
+                                      <p:to>
+                                        <p:strVal val="visible"/>
+                                      </p:to>
+                                    </p:set>
+                                  </p:childTnLst>
+                                </p:cTn>
+                              </p:par>
+                            </p:childTnLst>
+                          </p:cTn>
+                        </p:par>
+                      </p:childTnLst>
+                    </p:cTn>
+                  </p:par>
+                  <p:par>
+                    <p:cTn id="19" fill="hold">
+                      <p:stCondLst>
+                        <p:cond delay="indefinite"/>
+                      </p:stCondLst>
+                      <p:childTnLst>
+                        <p:par>
+                          <p:cTn id="20" fill="hold">
+                            <p:stCondLst>
+                              <p:cond delay="0"/>
+                            </p:stCondLst>
+                            <p:childTnLst>
+                              <p:par>
+                                <p:cTn id="21" presetID="1" presetClass="entr" presetSubtype="0" fill="hold" grpId="0" nodeType="clickEffect">
+                                  <p:stCondLst>
+                                    <p:cond delay="0"/>
+                                  </p:stCondLst>
+                                  <p:childTnLst>
+                                    <p:set>
+                                      <p:cBhvr>
+                                        <p:cTn id="22" dur="1" fill="hold">
+                                          <p:stCondLst>
+                                            <p:cond delay="0"/>
+                                          </p:stCondLst>
+                                        </p:cTn>
+                                        <p:tgtEl>
+                                          <p:spTgt spid="28"/>
+                                        </p:tgtEl>
+                                        <p:attrNameLst>
+                                          <p:attrName>style.visibility</p:attrName>
+                                        </p:attrNameLst>
+                                      </p:cBhvr>
+                                      <p:to>
+                                        <p:strVal val="visible"/>
+                                      </p:to>
+                                    </p:set>
+                                  </p:childTnLst>
+                                </p:cTn>
+                              </p:par>
+                            </p:childTnLst>
+                          </p:cTn>
+                        </p:par>
+                      </p:childTnLst>
+                    </p:cTn>
+                  </p:par>
+                  <p:par>
+                    <p:cTn id="23" fill="hold">
+                      <p:stCondLst>
+                        <p:cond delay="indefinite"/>
+                      </p:stCondLst>
+                      <p:childTnLst>
+                        <p:par>
+                          <p:cTn id="24" fill="hold">
+                            <p:stCondLst>
+                              <p:cond delay="0"/>
+                            </p:stCondLst>
+                            <p:childTnLst>
+                              <p:par>
+                                <p:cTn id="25" presetID="1" presetClass="entr" presetSubtype="0" fill="hold" grpId="0" nodeType="clickEffect">
+                                  <p:stCondLst>
+                                    <p:cond delay="0"/>
+                                  </p:stCondLst>
+                                  <p:childTnLst>
+                                    <p:set>
+                                      <p:cBhvr>
+                                        <p:cTn id="26" dur="1" fill="hold">
+                                          <p:stCondLst>
+                                            <p:cond delay="0"/>
+                                          </p:stCondLst>
+                                        </p:cTn>
+                                        <p:tgtEl>
+                                          <p:spTgt spid="17"/>
+                                        </p:tgtEl>
+                                        <p:attrNameLst>
+                                          <p:attrName>style.visibility</p:attrName>
+                                        </p:attrNameLst>
+                                      </p:cBhvr>
+                                      <p:to>
+                                        <p:strVal val="visible"/>
+                                      </p:to>
+                                    </p:set>
+                                  </p:childTnLst>
+                                </p:cTn>
+                              </p:par>
+                            </p:childTnLst>
+                          </p:cTn>
+                        </p:par>
+                      </p:childTnLst>
+                    </p:cTn>
+                  </p:par>
+                  <p:par>
+                    <p:cTn id="27" fill="hold">
+                      <p:stCondLst>
+                        <p:cond delay="indefinite"/>
+                      </p:stCondLst>
+                      <p:childTnLst>
+                        <p:par>
+                          <p:cTn id="28" fill="hold">
+                            <p:stCondLst>
+                              <p:cond delay="0"/>
+                            </p:stCondLst>
+                            <p:childTnLst>
+                              <p:par>
+                                <p:cTn id="29" presetID="1" presetClass="entr" presetSubtype="0" fill="hold" grpId="0" nodeType="clickEffect">
+                                  <p:stCondLst>
+                                    <p:cond delay="0"/>
+                                  </p:stCondLst>
+                                  <p:childTnLst>
+                                    <p:set>
+                                      <p:cBhvr>
+                                        <p:cTn id="30" dur="1" fill="hold">
+                                          <p:stCondLst>
+                                            <p:cond delay="0"/>
+                                          </p:stCondLst>
+                                        </p:cTn>
+                                        <p:tgtEl>
+                                          <p:spTgt spid="29"/>
+                                        </p:tgtEl>
+                                        <p:attrNameLst>
+                                          <p:attrName>style.visibility</p:attrName>
+                                        </p:attrNameLst>
+                                      </p:cBhvr>
+                                      <p:to>
+                                        <p:strVal val="visible"/>
+                                      </p:to>
+                                    </p:set>
+                                  </p:childTnLst>
+                                </p:cTn>
+                              </p:par>
+                            </p:childTnLst>
+                          </p:cTn>
+                        </p:par>
+                      </p:childTnLst>
+                    </p:cTn>
+                  </p:par>
+                  <p:par>
+                    <p:cTn id="31" fill="hold">
+                      <p:stCondLst>
+                        <p:cond delay="indefinite"/>
+                      </p:stCondLst>
+                      <p:childTnLst>
+                        <p:par>
+                          <p:cTn id="32" fill="hold">
+                            <p:stCondLst>
+                              <p:cond delay="0"/>
+                            </p:stCondLst>
+                            <p:childTnLst>
+                              <p:par>
+                                <p:cTn id="33" presetID="1" presetClass="entr" presetSubtype="0" fill="hold" nodeType="clickEffect">
+                                  <p:stCondLst>
+                                    <p:cond delay="0"/>
+                                  </p:stCondLst>
+                                  <p:childTnLst>
+                                    <p:set>
+                                      <p:cBhvr>
+                                        <p:cTn id="34" dur="1" fill="hold">
+                                          <p:stCondLst>
+                                            <p:cond delay="0"/>
+                                          </p:stCondLst>
+                                        </p:cTn>
+                                        <p:tgtEl>
+                                          <p:spTgt spid="18">
+                                            <p:txEl>
+                                              <p:pRg st="0" end="0"/>
+                                            </p:txEl>
+                                          </p:spTgt>
+                                        </p:tgtEl>
+                                        <p:attrNameLst>
+                                          <p:attrName>style.visibility</p:attrName>
+                                        </p:attrNameLst>
+                                      </p:cBhvr>
+                                      <p:to>
+                                        <p:strVal val="visible"/>
+                                      </p:to>
+                                    </p:set>
+                                  </p:childTnLst>
+                                </p:cTn>
+                              </p:par>
+                            </p:childTnLst>
+                          </p:cTn>
+                        </p:par>
+                      </p:childTnLst>
+                    </p:cTn>
+                  </p:par>
+                  <p:par>
+                    <p:cTn id="35" fill="hold">
+                      <p:stCondLst>
+                        <p:cond delay="indefinite"/>
+                      </p:stCondLst>
+                      <p:childTnLst>
+                        <p:par>
+                          <p:cTn id="36" fill="hold">
+                            <p:stCondLst>
+                              <p:cond delay="0"/>
+                            </p:stCondLst>
+                            <p:childTnLst>
+                              <p:par>
+                                <p:cTn id="37" presetID="1" presetClass="entr" presetSubtype="0" fill="hold" grpId="0" nodeType="clickEffect">
+                                  <p:stCondLst>
+                                    <p:cond delay="0"/>
+                                  </p:stCondLst>
+                                  <p:childTnLst>
+                                    <p:set>
+                                      <p:cBhvr>
+                                        <p:cTn id="38" dur="1" fill="hold">
+                                          <p:stCondLst>
+                                            <p:cond delay="0"/>
+                                          </p:stCondLst>
+                                        </p:cTn>
+                                        <p:tgtEl>
+                                          <p:spTgt spid="30"/>
+                                        </p:tgtEl>
+                                        <p:attrNameLst>
+                                          <p:attrName>style.visibility</p:attrName>
+                                        </p:attrNameLst>
+                                      </p:cBhvr>
+                                      <p:to>
+                                        <p:strVal val="visible"/>
+                                      </p:to>
+                                    </p:set>
+                                  </p:childTnLst>
+                                </p:cTn>
+                              </p:par>
+                            </p:childTnLst>
+                          </p:cTn>
+                        </p:par>
+                      </p:childTnLst>
+                    </p:cTn>
+                  </p:par>
+                  <p:par>
+                    <p:cTn id="39" fill="hold">
+                      <p:stCondLst>
+                        <p:cond delay="indefinite"/>
+                      </p:stCondLst>
+                      <p:childTnLst>
+                        <p:par>
+                          <p:cTn id="40" fill="hold">
+                            <p:stCondLst>
+                              <p:cond delay="0"/>
+                            </p:stCondLst>
+                            <p:childTnLst>
+                              <p:par>
+                                <p:cTn id="41" presetID="1" presetClass="entr" presetSubtype="0" fill="hold" grpId="0" nodeType="clickEffect">
+                                  <p:stCondLst>
+                                    <p:cond delay="0"/>
+                                  </p:stCondLst>
+                                  <p:childTnLst>
+                                    <p:set>
+                                      <p:cBhvr>
+                                        <p:cTn id="42" dur="1" fill="hold">
+                                          <p:stCondLst>
+                                            <p:cond delay="0"/>
+                                          </p:stCondLst>
+                                        </p:cTn>
+                                        <p:tgtEl>
+                                          <p:spTgt spid="21"/>
+                                        </p:tgtEl>
+                                        <p:attrNameLst>
+                                          <p:attrName>style.visibility</p:attrName>
+                                        </p:attrNameLst>
+                                      </p:cBhvr>
+                                      <p:to>
+                                        <p:strVal val="visible"/>
+                                      </p:to>
+                                    </p:set>
+                                  </p:childTnLst>
+                                </p:cTn>
+                              </p:par>
+                            </p:childTnLst>
+                          </p:cTn>
+                        </p:par>
+                      </p:childTnLst>
+                    </p:cTn>
+                  </p:par>
+                  <p:par>
+                    <p:cTn id="43" fill="hold">
+                      <p:stCondLst>
+                        <p:cond delay="indefinite"/>
+                      </p:stCondLst>
+                      <p:childTnLst>
+                        <p:par>
+                          <p:cTn id="44" fill="hold">
+                            <p:stCondLst>
+                              <p:cond delay="0"/>
+                            </p:stCondLst>
+                            <p:childTnLst>
+                              <p:par>
+                                <p:cTn id="45" presetID="1" presetClass="entr" presetSubtype="0" fill="hold" grpId="0" nodeType="clickEffect">
+                                  <p:stCondLst>
+                                    <p:cond delay="0"/>
+                                  </p:stCondLst>
+                                  <p:childTnLst>
+                                    <p:set>
+                                      <p:cBhvr>
+                                        <p:cTn id="46" dur="1" fill="hold">
+                                          <p:stCondLst>
+                                            <p:cond delay="0"/>
+                                          </p:stCondLst>
+                                        </p:cTn>
+                                        <p:tgtEl>
+                                          <p:spTgt spid="31"/>
+                                        </p:tgtEl>
+                                        <p:attrNameLst>
+                                          <p:attrName>style.visibility</p:attrName>
+                                        </p:attrNameLst>
+                                      </p:cBhvr>
+                                      <p:to>
+                                        <p:strVal val="visible"/>
+                                      </p:to>
+                                    </p:set>
+                                  </p:childTnLst>
+                                </p:cTn>
+                              </p:par>
+                            </p:childTnLst>
+                          </p:cTn>
+                        </p:par>
+                      </p:childTnLst>
+                    </p:cTn>
+                  </p:par>
+                  <p:par>
+                    <p:cTn id="47" fill="hold">
+                      <p:stCondLst>
+                        <p:cond delay="indefinite"/>
+                      </p:stCondLst>
+                      <p:childTnLst>
+                        <p:par>
+                          <p:cTn id="48" fill="hold">
+                            <p:stCondLst>
+                              <p:cond delay="0"/>
+                            </p:stCondLst>
+                            <p:childTnLst>
+                              <p:par>
+                                <p:cTn id="49" presetID="1" presetClass="entr" presetSubtype="0" fill="hold" grpId="0" nodeType="clickEffect">
+                                  <p:stCondLst>
+                                    <p:cond delay="0"/>
+                                  </p:stCondLst>
+                                  <p:childTnLst>
+                                    <p:set>
+                                      <p:cBhvr>
+                                        <p:cTn id="50" dur="1" fill="hold">
+                                          <p:stCondLst>
+                                            <p:cond delay="0"/>
+                                          </p:stCondLst>
+                                        </p:cTn>
+                                        <p:tgtEl>
+                                          <p:spTgt spid="20"/>
+                                        </p:tgtEl>
+                                        <p:attrNameLst>
+                                          <p:attrName>style.visibility</p:attrName>
+                                        </p:attrNameLst>
+                                      </p:cBhvr>
+                                      <p:to>
+                                        <p:strVal val="visible"/>
+                                      </p:to>
+                                    </p:set>
+                                  </p:childTnLst>
+                                </p:cTn>
+                              </p:par>
+                            </p:childTnLst>
+                          </p:cTn>
+                        </p:par>
+                      </p:childTnLst>
+                    </p:cTn>
+                  </p:par>
+                  <p:par>
+                    <p:cTn id="51" fill="hold">
+                      <p:stCondLst>
+                        <p:cond delay="indefinite"/>
+                      </p:stCondLst>
+                      <p:childTnLst>
+                        <p:par>
+                          <p:cTn id="52" fill="hold">
+                            <p:stCondLst>
+                              <p:cond delay="0"/>
+                            </p:stCondLst>
+                            <p:childTnLst>
+                              <p:par>
+                                <p:cTn id="53" presetID="1" presetClass="entr" presetSubtype="0" fill="hold" grpId="0" nodeType="clickEffect">
+                                  <p:stCondLst>
+                                    <p:cond delay="0"/>
+                                  </p:stCondLst>
+                                  <p:childTnLst>
+                                    <p:set>
+                                      <p:cBhvr>
+                                        <p:cTn id="54" dur="1" fill="hold">
+                                          <p:stCondLst>
+                                            <p:cond delay="0"/>
+                                          </p:stCondLst>
+                                        </p:cTn>
+                                        <p:tgtEl>
+                                          <p:spTgt spid="32"/>
+                                        </p:tgtEl>
+                                        <p:attrNameLst>
+                                          <p:attrName>style.visibility</p:attrName>
+                                        </p:attrNameLst>
+                                      </p:cBhvr>
+                                      <p:to>
+                                        <p:strVal val="visible"/>
+                                      </p:to>
+                                    </p:set>
+                                  </p:childTnLst>
+                                </p:cTn>
+                              </p:par>
+                            </p:childTnLst>
+                          </p:cTn>
+                        </p:par>
+                      </p:childTnLst>
+                    </p:cTn>
+                  </p:par>
+                  <p:par>
+                    <p:cTn id="55" fill="hold">
+                      <p:stCondLst>
+                        <p:cond delay="indefinite"/>
+                      </p:stCondLst>
+                      <p:childTnLst>
+                        <p:par>
+                          <p:cTn id="56" fill="hold">
+                            <p:stCondLst>
+                              <p:cond delay="0"/>
+                            </p:stCondLst>
+                            <p:childTnLst>
+                              <p:par>
+                                <p:cTn id="57" presetID="1" presetClass="entr" presetSubtype="0" fill="hold" nodeType="clickEffect">
+                                  <p:stCondLst>
+                                    <p:cond delay="0"/>
+                                  </p:stCondLst>
+                                  <p:childTnLst>
+                                    <p:set>
+                                      <p:cBhvr>
+                                        <p:cTn id="58" dur="1" fill="hold">
+                                          <p:stCondLst>
+                                            <p:cond delay="0"/>
+                                          </p:stCondLst>
+                                        </p:cTn>
+                                        <p:tgtEl>
+                                          <p:spTgt spid="19">
+                                            <p:txEl>
+                                              <p:pRg st="0" end="0"/>
+                                            </p:txEl>
+                                          </p:spTgt>
+                                        </p:tgtEl>
+                                        <p:attrNameLst>
+                                          <p:attrName>style.visibility</p:attrName>
+                                        </p:attrNameLst>
+                                      </p:cBhvr>
+                                      <p:to>
+                                        <p:strVal val="visible"/>
+                                      </p:to>
+                                    </p:set>
+                                  </p:childTnLst>
+                                </p:cTn>
+                              </p:par>
+                            </p:childTnLst>
+                          </p:cTn>
+                        </p:par>
+                      </p:childTnLst>
+                    </p:cTn>
+                  </p:par>
+                  <p:par>
+                    <p:cTn id="59" fill="hold">
+                      <p:stCondLst>
+                        <p:cond delay="indefinite"/>
+                      </p:stCondLst>
+                      <p:childTnLst>
+                        <p:par>
+                          <p:cTn id="60" fill="hold">
+                            <p:stCondLst>
+                              <p:cond delay="0"/>
+                            </p:stCondLst>
+                            <p:childTnLst>
+                              <p:par>
+                                <p:cTn id="61" presetID="1" presetClass="entr" presetSubtype="0" fill="hold" grpId="0" nodeType="clickEffect">
+                                  <p:stCondLst>
+                                    <p:cond delay="0"/>
+                                  </p:stCondLst>
+                                  <p:childTnLst>
+                                    <p:set>
+                                      <p:cBhvr>
+                                        <p:cTn id="62" dur="1" fill="hold">
+                                          <p:stCondLst>
+                                            <p:cond delay="0"/>
+                                          </p:stCondLst>
+                                        </p:cTn>
+                                        <p:tgtEl>
+                                          <p:spTgt spid="33"/>
+                                        </p:tgtEl>
+                                        <p:attrNameLst>
+                                          <p:attrName>style.visibility</p:attrName>
+                                        </p:attrNameLst>
+                                      </p:cBhvr>
+                                      <p:to>
+                                        <p:strVal val="visible"/>
+                                      </p:to>
+                                    </p:set>
+                                  </p:childTnLst>
+                                </p:cTn>
+                              </p:par>
+                            </p:childTnLst>
+                          </p:cTn>
+                        </p:par>
+                      </p:childTnLst>
+                    </p:cTn>
+                  </p:par>
+                  <p:par>
+                    <p:cTn id="63" fill="hold">
+                      <p:stCondLst>
+                        <p:cond delay="indefinite"/>
+                      </p:stCondLst>
+                      <p:childTnLst>
+                        <p:par>
+                          <p:cTn id="64" fill="hold">
+                            <p:stCondLst>
+                              <p:cond delay="0"/>
+                            </p:stCondLst>
+                            <p:childTnLst>
+                              <p:par>
+                                <p:cTn id="65" presetID="1" presetClass="entr" presetSubtype="0" fill="hold" nodeType="clickEffect">
+                                  <p:stCondLst>
+                                    <p:cond delay="0"/>
+                                  </p:stCondLst>
+                                  <p:childTnLst>
+                                    <p:set>
+                                      <p:cBhvr>
+                                        <p:cTn id="66" dur="1" fill="hold">
+                                          <p:stCondLst>
+                                            <p:cond delay="0"/>
+                                          </p:stCondLst>
+                                        </p:cTn>
+                                        <p:tgtEl>
+                                          <p:spTgt spid="2"/>
+                                        </p:tgtEl>
+                                        <p:attrNameLst>
+                                          <p:attrName>style.visibility</p:attrName>
+                                        </p:attrNameLst>
+                                      </p:cBhvr>
+                                      <p:to>
+                                        <p:strVal val="visible"/>
+                                      </p:to>
+                                    </p:set>
+                                  </p:childTnLst>
+                                </p:cTn>
+                              </p:par>
+                            </p:childTnLst>
+                          </p:cTn>
+                        </p:par>
+                      </p:childTnLst>
+                    </p:cTn>
+                  </p:par>
+                  <p:par>
+                    <p:cTn id="67" fill="hold">
+                      <p:stCondLst>
+                        <p:cond delay="indefinite"/>
+                      </p:stCondLst>
+                      <p:childTnLst>
+                        <p:par>
+                          <p:cTn id="68" fill="hold">
+                            <p:stCondLst>
+                              <p:cond delay="0"/>
+                            </p:stCondLst>
+                            <p:childTnLst>
+                              <p:par>
+                                <p:cTn id="69" presetID="1" presetClass="entr" presetSubtype="0" fill="hold" grpId="0" nodeType="clickEffect">
+                                  <p:stCondLst>
+                                    <p:cond delay="0"/>
+                                  </p:stCondLst>
+                                  <p:childTnLst>
+                                    <p:set>
+                                      <p:cBhvr>
+                                        <p:cTn id="70" dur="1" fill="hold">
+                                          <p:stCondLst>
+                                            <p:cond delay="0"/>
+                                          </p:stCondLst>
+                                        </p:cTn>
+                                        <p:tgtEl>
+                                          <p:spTgt spid="15"/>
+                                        </p:tgtEl>
+                                        <p:attrNameLst>
+                                          <p:attrName>style.visibility</p:attrName>
+                                        </p:attrNameLst>
+                                      </p:cBhvr>
+                                      <p:to>
+                                        <p:strVal val="visible"/>
+                                      </p:to>
+                                    </p:set>
+                                  </p:childTnLst>
+                                </p:cTn>
+                              </p:par>
+                            </p:childTnLst>
+                          </p:cTn>
+                        </p:par>
+                      </p:childTnLst>
+                    </p:cTn>
+                  </p:par>
+                  <p:par>
+                    <p:cTn id="71" fill="hold">
+                      <p:stCondLst>
+                        <p:cond delay="indefinite"/>
+                      </p:stCondLst>
+                      <p:childTnLst>
+                        <p:par>
+                          <p:cTn id="72" fill="hold">
+                            <p:stCondLst>
+                              <p:cond delay="0"/>
+                            </p:stCondLst>
+                            <p:childTnLst>
+                              <p:par>
+                                <p:cTn id="73" presetID="1" presetClass="entr" presetSubtype="0" fill="hold" grpId="0" nodeType="clickEffect">
+                                  <p:stCondLst>
+                                    <p:cond delay="0"/>
+                                  </p:stCondLst>
+                                  <p:childTnLst>
+                                    <p:set>
+                                      <p:cBhvr>
+                                        <p:cTn id="74" dur="1" fill="hold">
+                                          <p:stCondLst>
+                                            <p:cond delay="0"/>
+                                          </p:stCondLst>
+                                        </p:cTn>
+                                        <p:tgtEl>
+                                          <p:spTgt spid="25"/>
+                                        </p:tgtEl>
+                                        <p:attrNameLst>
+                                          <p:attrName>style.visibility</p:attrName>
+                                        </p:attrNameLst>
+                                      </p:cBhvr>
+                                      <p:to>
+                                        <p:strVal val="visible"/>
+                                      </p:to>
+                                    </p:set>
+                                  </p:childTnLst>
+                                </p:cTn>
+                              </p:par>
+                            </p:childTnLst>
+                          </p:cTn>
+                        </p:par>
+                      </p:childTnLst>
+                    </p:cTn>
+                  </p:par>
+                </p:childTnLst>
+              </p:cTn>
+              <p:prevCondLst>
+                <p:cond evt="onPrev" delay="0">
+                  <p:tgtEl>
+                    <p:sldTgt/>
+                  </p:tgtEl>
+                </p:cond>
+              </p:prevCondLst>
+              <p:nextCondLst>
+                <p:cond evt="onNext" delay="0">
+                  <p:tgtEl>
+                    <p:sldTgt/>
+                  </p:tgtEl>
+                </p:cond>
+              </p:nextCondLst>
+            </p:seq>
+          </p:childTnLst>
+        </p:cTn>
       </p:par>
     </p:tnLst>
+    <p:bldLst>
+      <p:bldP spid="27" grpId="0" animBg="1"/>
+      <p:bldP spid="28" grpId="0" animBg="1"/>
+      <p:bldP spid="29" grpId="0" animBg="1"/>
+      <p:bldP spid="30" grpId="0" animBg="1"/>
+      <p:bldP spid="31" grpId="0" animBg="1"/>
+      <p:bldP spid="32" grpId="0" animBg="1"/>
+      <p:bldP spid="33" grpId="0" animBg="1"/>
+      <p:bldP spid="13" grpId="0" animBg="1"/>
+      <p:bldP spid="14" grpId="0" animBg="1"/>
+      <p:bldP spid="15" grpId="0" animBg="1"/>
+      <p:bldP spid="16" grpId="0" animBg="1"/>
+      <p:bldP spid="17" grpId="0" animBg="1"/>
+      <p:bldP spid="20" grpId="0" animBg="1"/>
+      <p:bldP spid="21" grpId="0" animBg="1"/>
+      <p:bldP spid="25" grpId="0" animBg="1"/>
+    </p:bldLst>
   </p:timing>
 </p:sld>
 </file>
@@ -11022,6 +14424,88 @@
           </a:p>
         </p:txBody>
       </p:sp>
+      <p:sp>
+        <p:nvSpPr>
+          <p:cNvPr id="23" name="모서리가 둥근 사각형 설명선 22"/>
+          <p:cNvSpPr/>
+          <p:nvPr/>
+        </p:nvSpPr>
+        <p:spPr>
+          <a:xfrm>
+            <a:off x="1891801" y="1229008"/>
+            <a:ext cx="1354738" cy="506200"/>
+          </a:xfrm>
+          <a:prstGeom prst="wedgeRoundRectCallout">
+            <a:avLst>
+              <a:gd name="adj1" fmla="val -62652"/>
+              <a:gd name="adj2" fmla="val 17515"/>
+              <a:gd name="adj3" fmla="val 16667"/>
+            </a:avLst>
+          </a:prstGeom>
+          <a:ln>
+            <a:solidFill>
+              <a:schemeClr val="dk1"/>
+            </a:solidFill>
+          </a:ln>
+        </p:spPr>
+        <p:style>
+          <a:lnRef idx="2">
+            <a:schemeClr val="dk1"/>
+          </a:lnRef>
+          <a:fillRef idx="1">
+            <a:schemeClr val="lt1"/>
+          </a:fillRef>
+          <a:effectRef idx="0">
+            <a:schemeClr val="dk1"/>
+          </a:effectRef>
+          <a:fontRef idx="minor">
+            <a:schemeClr val="dk1"/>
+          </a:fontRef>
+        </p:style>
+        <p:txBody>
+          <a:bodyPr rtlCol="0" anchor="ctr"/>
+          <a:lstStyle/>
+          <a:p>
+            <a:r>
+              <a:rPr lang="ko-KR" altLang="en-US" sz="1000" dirty="0" err="1">
+                <a:solidFill>
+                  <a:schemeClr val="tx1"/>
+                </a:solidFill>
+              </a:rPr>
+              <a:t>라인수</a:t>
+            </a:r>
+            <a:r>
+              <a:rPr lang="ko-KR" altLang="en-US" sz="1000" dirty="0">
+                <a:solidFill>
+                  <a:schemeClr val="tx1"/>
+                </a:solidFill>
+              </a:rPr>
+              <a:t> </a:t>
+            </a:r>
+            <a:r>
+              <a:rPr lang="ko-KR" altLang="en-US" sz="1000" dirty="0" smtClean="0">
+                <a:solidFill>
+                  <a:schemeClr val="tx1"/>
+                </a:solidFill>
+              </a:rPr>
+              <a:t>별 </a:t>
+            </a:r>
+            <a:r>
+              <a:rPr lang="ko-KR" altLang="en-US" sz="1000" dirty="0">
+                <a:solidFill>
+                  <a:schemeClr val="tx1"/>
+                </a:solidFill>
+              </a:rPr>
+              <a:t>처리시간 막대 그래프</a:t>
+            </a:r>
+            <a:endParaRPr lang="en-US" altLang="ko-KR" sz="1000" dirty="0" smtClean="0">
+              <a:solidFill>
+                <a:schemeClr val="tx1"/>
+              </a:solidFill>
+            </a:endParaRPr>
+          </a:p>
+        </p:txBody>
+      </p:sp>
     </p:spTree>
     <p:extLst>
       <p:ext uri="{BB962C8B-B14F-4D97-AF65-F5344CB8AC3E}">
@@ -11035,9 +14519,723 @@
   <p:timing>
     <p:tnLst>
       <p:par>
-        <p:cTn id="1" dur="indefinite" restart="never" nodeType="tmRoot"/>
+        <p:cTn id="1" dur="indefinite" restart="never" nodeType="tmRoot">
+          <p:childTnLst>
+            <p:seq concurrent="1" nextAc="seek">
+              <p:cTn id="2" dur="indefinite" nodeType="mainSeq">
+                <p:childTnLst>
+                  <p:par>
+                    <p:cTn id="3" fill="hold">
+                      <p:stCondLst>
+                        <p:cond delay="indefinite"/>
+                      </p:stCondLst>
+                      <p:childTnLst>
+                        <p:par>
+                          <p:cTn id="4" fill="hold">
+                            <p:stCondLst>
+                              <p:cond delay="0"/>
+                            </p:stCondLst>
+                            <p:childTnLst>
+                              <p:par>
+                                <p:cTn id="5" presetID="1" presetClass="entr" presetSubtype="0" fill="hold" grpId="0" nodeType="clickEffect">
+                                  <p:stCondLst>
+                                    <p:cond delay="0"/>
+                                  </p:stCondLst>
+                                  <p:childTnLst>
+                                    <p:set>
+                                      <p:cBhvr>
+                                        <p:cTn id="6" dur="1" fill="hold">
+                                          <p:stCondLst>
+                                            <p:cond delay="0"/>
+                                          </p:stCondLst>
+                                        </p:cTn>
+                                        <p:tgtEl>
+                                          <p:spTgt spid="11"/>
+                                        </p:tgtEl>
+                                        <p:attrNameLst>
+                                          <p:attrName>style.visibility</p:attrName>
+                                        </p:attrNameLst>
+                                      </p:cBhvr>
+                                      <p:to>
+                                        <p:strVal val="visible"/>
+                                      </p:to>
+                                    </p:set>
+                                  </p:childTnLst>
+                                </p:cTn>
+                              </p:par>
+                            </p:childTnLst>
+                          </p:cTn>
+                        </p:par>
+                      </p:childTnLst>
+                    </p:cTn>
+                  </p:par>
+                  <p:par>
+                    <p:cTn id="7" fill="hold">
+                      <p:stCondLst>
+                        <p:cond delay="indefinite"/>
+                      </p:stCondLst>
+                      <p:childTnLst>
+                        <p:par>
+                          <p:cTn id="8" fill="hold">
+                            <p:stCondLst>
+                              <p:cond delay="0"/>
+                            </p:stCondLst>
+                            <p:childTnLst>
+                              <p:par>
+                                <p:cTn id="9" presetID="1" presetClass="entr" presetSubtype="0" fill="hold" grpId="0" nodeType="clickEffect">
+                                  <p:stCondLst>
+                                    <p:cond delay="0"/>
+                                  </p:stCondLst>
+                                  <p:childTnLst>
+                                    <p:set>
+                                      <p:cBhvr>
+                                        <p:cTn id="10" dur="1" fill="hold">
+                                          <p:stCondLst>
+                                            <p:cond delay="0"/>
+                                          </p:stCondLst>
+                                        </p:cTn>
+                                        <p:tgtEl>
+                                          <p:spTgt spid="23"/>
+                                        </p:tgtEl>
+                                        <p:attrNameLst>
+                                          <p:attrName>style.visibility</p:attrName>
+                                        </p:attrNameLst>
+                                      </p:cBhvr>
+                                      <p:to>
+                                        <p:strVal val="visible"/>
+                                      </p:to>
+                                    </p:set>
+                                  </p:childTnLst>
+                                </p:cTn>
+                              </p:par>
+                            </p:childTnLst>
+                          </p:cTn>
+                        </p:par>
+                      </p:childTnLst>
+                    </p:cTn>
+                  </p:par>
+                  <p:par>
+                    <p:cTn id="11" fill="hold">
+                      <p:stCondLst>
+                        <p:cond delay="indefinite"/>
+                      </p:stCondLst>
+                      <p:childTnLst>
+                        <p:par>
+                          <p:cTn id="12" fill="hold">
+                            <p:stCondLst>
+                              <p:cond delay="0"/>
+                            </p:stCondLst>
+                            <p:childTnLst>
+                              <p:par>
+                                <p:cTn id="13" presetID="1" presetClass="entr" presetSubtype="0" fill="hold" grpId="0" nodeType="clickEffect">
+                                  <p:stCondLst>
+                                    <p:cond delay="0"/>
+                                  </p:stCondLst>
+                                  <p:childTnLst>
+                                    <p:set>
+                                      <p:cBhvr>
+                                        <p:cTn id="14" dur="1" fill="hold">
+                                          <p:stCondLst>
+                                            <p:cond delay="0"/>
+                                          </p:stCondLst>
+                                        </p:cTn>
+                                        <p:tgtEl>
+                                          <p:spTgt spid="12"/>
+                                        </p:tgtEl>
+                                        <p:attrNameLst>
+                                          <p:attrName>style.visibility</p:attrName>
+                                        </p:attrNameLst>
+                                      </p:cBhvr>
+                                      <p:to>
+                                        <p:strVal val="visible"/>
+                                      </p:to>
+                                    </p:set>
+                                  </p:childTnLst>
+                                </p:cTn>
+                              </p:par>
+                            </p:childTnLst>
+                          </p:cTn>
+                        </p:par>
+                      </p:childTnLst>
+                    </p:cTn>
+                  </p:par>
+                  <p:par>
+                    <p:cTn id="15" fill="hold">
+                      <p:stCondLst>
+                        <p:cond delay="indefinite"/>
+                      </p:stCondLst>
+                      <p:childTnLst>
+                        <p:par>
+                          <p:cTn id="16" fill="hold">
+                            <p:stCondLst>
+                              <p:cond delay="0"/>
+                            </p:stCondLst>
+                            <p:childTnLst>
+                              <p:par>
+                                <p:cTn id="17" presetID="1" presetClass="entr" presetSubtype="0" fill="hold" grpId="0" nodeType="clickEffect">
+                                  <p:stCondLst>
+                                    <p:cond delay="0"/>
+                                  </p:stCondLst>
+                                  <p:childTnLst>
+                                    <p:set>
+                                      <p:cBhvr>
+                                        <p:cTn id="18" dur="1" fill="hold">
+                                          <p:stCondLst>
+                                            <p:cond delay="0"/>
+                                          </p:stCondLst>
+                                        </p:cTn>
+                                        <p:tgtEl>
+                                          <p:spTgt spid="19"/>
+                                        </p:tgtEl>
+                                        <p:attrNameLst>
+                                          <p:attrName>style.visibility</p:attrName>
+                                        </p:attrNameLst>
+                                      </p:cBhvr>
+                                      <p:to>
+                                        <p:strVal val="visible"/>
+                                      </p:to>
+                                    </p:set>
+                                  </p:childTnLst>
+                                </p:cTn>
+                              </p:par>
+                            </p:childTnLst>
+                          </p:cTn>
+                        </p:par>
+                      </p:childTnLst>
+                    </p:cTn>
+                  </p:par>
+                  <p:par>
+                    <p:cTn id="19" fill="hold">
+                      <p:stCondLst>
+                        <p:cond delay="indefinite"/>
+                      </p:stCondLst>
+                      <p:childTnLst>
+                        <p:par>
+                          <p:cTn id="20" fill="hold">
+                            <p:stCondLst>
+                              <p:cond delay="0"/>
+                            </p:stCondLst>
+                            <p:childTnLst>
+                              <p:par>
+                                <p:cTn id="21" presetID="1" presetClass="entr" presetSubtype="0" fill="hold" grpId="0" nodeType="clickEffect">
+                                  <p:stCondLst>
+                                    <p:cond delay="0"/>
+                                  </p:stCondLst>
+                                  <p:childTnLst>
+                                    <p:set>
+                                      <p:cBhvr>
+                                        <p:cTn id="22" dur="1" fill="hold">
+                                          <p:stCondLst>
+                                            <p:cond delay="0"/>
+                                          </p:stCondLst>
+                                        </p:cTn>
+                                        <p:tgtEl>
+                                          <p:spTgt spid="10"/>
+                                        </p:tgtEl>
+                                        <p:attrNameLst>
+                                          <p:attrName>style.visibility</p:attrName>
+                                        </p:attrNameLst>
+                                      </p:cBhvr>
+                                      <p:to>
+                                        <p:strVal val="visible"/>
+                                      </p:to>
+                                    </p:set>
+                                  </p:childTnLst>
+                                </p:cTn>
+                              </p:par>
+                            </p:childTnLst>
+                          </p:cTn>
+                        </p:par>
+                      </p:childTnLst>
+                    </p:cTn>
+                  </p:par>
+                  <p:par>
+                    <p:cTn id="23" fill="hold">
+                      <p:stCondLst>
+                        <p:cond delay="indefinite"/>
+                      </p:stCondLst>
+                      <p:childTnLst>
+                        <p:par>
+                          <p:cTn id="24" fill="hold">
+                            <p:stCondLst>
+                              <p:cond delay="0"/>
+                            </p:stCondLst>
+                            <p:childTnLst>
+                              <p:par>
+                                <p:cTn id="25" presetID="1" presetClass="entr" presetSubtype="0" fill="hold" grpId="0" nodeType="clickEffect">
+                                  <p:stCondLst>
+                                    <p:cond delay="0"/>
+                                  </p:stCondLst>
+                                  <p:childTnLst>
+                                    <p:set>
+                                      <p:cBhvr>
+                                        <p:cTn id="26" dur="1" fill="hold">
+                                          <p:stCondLst>
+                                            <p:cond delay="0"/>
+                                          </p:stCondLst>
+                                        </p:cTn>
+                                        <p:tgtEl>
+                                          <p:spTgt spid="18"/>
+                                        </p:tgtEl>
+                                        <p:attrNameLst>
+                                          <p:attrName>style.visibility</p:attrName>
+                                        </p:attrNameLst>
+                                      </p:cBhvr>
+                                      <p:to>
+                                        <p:strVal val="visible"/>
+                                      </p:to>
+                                    </p:set>
+                                  </p:childTnLst>
+                                </p:cTn>
+                              </p:par>
+                            </p:childTnLst>
+                          </p:cTn>
+                        </p:par>
+                      </p:childTnLst>
+                    </p:cTn>
+                  </p:par>
+                  <p:par>
+                    <p:cTn id="27" fill="hold">
+                      <p:stCondLst>
+                        <p:cond delay="indefinite"/>
+                      </p:stCondLst>
+                      <p:childTnLst>
+                        <p:par>
+                          <p:cTn id="28" fill="hold">
+                            <p:stCondLst>
+                              <p:cond delay="0"/>
+                            </p:stCondLst>
+                            <p:childTnLst>
+                              <p:par>
+                                <p:cTn id="29" presetID="1" presetClass="entr" presetSubtype="0" fill="hold" grpId="0" nodeType="clickEffect">
+                                  <p:stCondLst>
+                                    <p:cond delay="0"/>
+                                  </p:stCondLst>
+                                  <p:childTnLst>
+                                    <p:set>
+                                      <p:cBhvr>
+                                        <p:cTn id="30" dur="1" fill="hold">
+                                          <p:stCondLst>
+                                            <p:cond delay="0"/>
+                                          </p:stCondLst>
+                                        </p:cTn>
+                                        <p:tgtEl>
+                                          <p:spTgt spid="20"/>
+                                        </p:tgtEl>
+                                        <p:attrNameLst>
+                                          <p:attrName>style.visibility</p:attrName>
+                                        </p:attrNameLst>
+                                      </p:cBhvr>
+                                      <p:to>
+                                        <p:strVal val="visible"/>
+                                      </p:to>
+                                    </p:set>
+                                  </p:childTnLst>
+                                </p:cTn>
+                              </p:par>
+                            </p:childTnLst>
+                          </p:cTn>
+                        </p:par>
+                      </p:childTnLst>
+                    </p:cTn>
+                  </p:par>
+                  <p:par>
+                    <p:cTn id="31" fill="hold">
+                      <p:stCondLst>
+                        <p:cond delay="indefinite"/>
+                      </p:stCondLst>
+                      <p:childTnLst>
+                        <p:par>
+                          <p:cTn id="32" fill="hold">
+                            <p:stCondLst>
+                              <p:cond delay="0"/>
+                            </p:stCondLst>
+                            <p:childTnLst>
+                              <p:par>
+                                <p:cTn id="33" presetID="1" presetClass="entr" presetSubtype="0" fill="hold" grpId="0" nodeType="clickEffect">
+                                  <p:stCondLst>
+                                    <p:cond delay="0"/>
+                                  </p:stCondLst>
+                                  <p:childTnLst>
+                                    <p:set>
+                                      <p:cBhvr>
+                                        <p:cTn id="34" dur="1" fill="hold">
+                                          <p:stCondLst>
+                                            <p:cond delay="0"/>
+                                          </p:stCondLst>
+                                        </p:cTn>
+                                        <p:tgtEl>
+                                          <p:spTgt spid="25"/>
+                                        </p:tgtEl>
+                                        <p:attrNameLst>
+                                          <p:attrName>style.visibility</p:attrName>
+                                        </p:attrNameLst>
+                                      </p:cBhvr>
+                                      <p:to>
+                                        <p:strVal val="visible"/>
+                                      </p:to>
+                                    </p:set>
+                                  </p:childTnLst>
+                                </p:cTn>
+                              </p:par>
+                            </p:childTnLst>
+                          </p:cTn>
+                        </p:par>
+                      </p:childTnLst>
+                    </p:cTn>
+                  </p:par>
+                  <p:par>
+                    <p:cTn id="35" fill="hold">
+                      <p:stCondLst>
+                        <p:cond delay="indefinite"/>
+                      </p:stCondLst>
+                      <p:childTnLst>
+                        <p:par>
+                          <p:cTn id="36" fill="hold">
+                            <p:stCondLst>
+                              <p:cond delay="0"/>
+                            </p:stCondLst>
+                            <p:childTnLst>
+                              <p:par>
+                                <p:cTn id="37" presetID="1" presetClass="entr" presetSubtype="0" fill="hold" grpId="0" nodeType="clickEffect">
+                                  <p:stCondLst>
+                                    <p:cond delay="0"/>
+                                  </p:stCondLst>
+                                  <p:childTnLst>
+                                    <p:set>
+                                      <p:cBhvr>
+                                        <p:cTn id="38" dur="1" fill="hold">
+                                          <p:stCondLst>
+                                            <p:cond delay="0"/>
+                                          </p:stCondLst>
+                                        </p:cTn>
+                                        <p:tgtEl>
+                                          <p:spTgt spid="13"/>
+                                        </p:tgtEl>
+                                        <p:attrNameLst>
+                                          <p:attrName>style.visibility</p:attrName>
+                                        </p:attrNameLst>
+                                      </p:cBhvr>
+                                      <p:to>
+                                        <p:strVal val="visible"/>
+                                      </p:to>
+                                    </p:set>
+                                  </p:childTnLst>
+                                </p:cTn>
+                              </p:par>
+                            </p:childTnLst>
+                          </p:cTn>
+                        </p:par>
+                      </p:childTnLst>
+                    </p:cTn>
+                  </p:par>
+                  <p:par>
+                    <p:cTn id="39" fill="hold">
+                      <p:stCondLst>
+                        <p:cond delay="indefinite"/>
+                      </p:stCondLst>
+                      <p:childTnLst>
+                        <p:par>
+                          <p:cTn id="40" fill="hold">
+                            <p:stCondLst>
+                              <p:cond delay="0"/>
+                            </p:stCondLst>
+                            <p:childTnLst>
+                              <p:par>
+                                <p:cTn id="41" presetID="1" presetClass="entr" presetSubtype="0" fill="hold" grpId="0" nodeType="clickEffect">
+                                  <p:stCondLst>
+                                    <p:cond delay="0"/>
+                                  </p:stCondLst>
+                                  <p:childTnLst>
+                                    <p:set>
+                                      <p:cBhvr>
+                                        <p:cTn id="42" dur="1" fill="hold">
+                                          <p:stCondLst>
+                                            <p:cond delay="0"/>
+                                          </p:stCondLst>
+                                        </p:cTn>
+                                        <p:tgtEl>
+                                          <p:spTgt spid="15"/>
+                                        </p:tgtEl>
+                                        <p:attrNameLst>
+                                          <p:attrName>style.visibility</p:attrName>
+                                        </p:attrNameLst>
+                                      </p:cBhvr>
+                                      <p:to>
+                                        <p:strVal val="visible"/>
+                                      </p:to>
+                                    </p:set>
+                                  </p:childTnLst>
+                                </p:cTn>
+                              </p:par>
+                            </p:childTnLst>
+                          </p:cTn>
+                        </p:par>
+                      </p:childTnLst>
+                    </p:cTn>
+                  </p:par>
+                  <p:par>
+                    <p:cTn id="43" fill="hold">
+                      <p:stCondLst>
+                        <p:cond delay="indefinite"/>
+                      </p:stCondLst>
+                      <p:childTnLst>
+                        <p:par>
+                          <p:cTn id="44" fill="hold">
+                            <p:stCondLst>
+                              <p:cond delay="0"/>
+                            </p:stCondLst>
+                            <p:childTnLst>
+                              <p:par>
+                                <p:cTn id="45" presetID="1" presetClass="entr" presetSubtype="0" fill="hold" grpId="0" nodeType="clickEffect">
+                                  <p:stCondLst>
+                                    <p:cond delay="0"/>
+                                  </p:stCondLst>
+                                  <p:childTnLst>
+                                    <p:set>
+                                      <p:cBhvr>
+                                        <p:cTn id="46" dur="1" fill="hold">
+                                          <p:stCondLst>
+                                            <p:cond delay="0"/>
+                                          </p:stCondLst>
+                                        </p:cTn>
+                                        <p:tgtEl>
+                                          <p:spTgt spid="21"/>
+                                        </p:tgtEl>
+                                        <p:attrNameLst>
+                                          <p:attrName>style.visibility</p:attrName>
+                                        </p:attrNameLst>
+                                      </p:cBhvr>
+                                      <p:to>
+                                        <p:strVal val="visible"/>
+                                      </p:to>
+                                    </p:set>
+                                  </p:childTnLst>
+                                </p:cTn>
+                              </p:par>
+                            </p:childTnLst>
+                          </p:cTn>
+                        </p:par>
+                      </p:childTnLst>
+                    </p:cTn>
+                  </p:par>
+                  <p:par>
+                    <p:cTn id="47" fill="hold">
+                      <p:stCondLst>
+                        <p:cond delay="indefinite"/>
+                      </p:stCondLst>
+                      <p:childTnLst>
+                        <p:par>
+                          <p:cTn id="48" fill="hold">
+                            <p:stCondLst>
+                              <p:cond delay="0"/>
+                            </p:stCondLst>
+                            <p:childTnLst>
+                              <p:par>
+                                <p:cTn id="49" presetID="1" presetClass="entr" presetSubtype="0" fill="hold" grpId="0" nodeType="clickEffect">
+                                  <p:stCondLst>
+                                    <p:cond delay="0"/>
+                                  </p:stCondLst>
+                                  <p:childTnLst>
+                                    <p:set>
+                                      <p:cBhvr>
+                                        <p:cTn id="50" dur="1" fill="hold">
+                                          <p:stCondLst>
+                                            <p:cond delay="0"/>
+                                          </p:stCondLst>
+                                        </p:cTn>
+                                        <p:tgtEl>
+                                          <p:spTgt spid="26"/>
+                                        </p:tgtEl>
+                                        <p:attrNameLst>
+                                          <p:attrName>style.visibility</p:attrName>
+                                        </p:attrNameLst>
+                                      </p:cBhvr>
+                                      <p:to>
+                                        <p:strVal val="visible"/>
+                                      </p:to>
+                                    </p:set>
+                                  </p:childTnLst>
+                                </p:cTn>
+                              </p:par>
+                            </p:childTnLst>
+                          </p:cTn>
+                        </p:par>
+                      </p:childTnLst>
+                    </p:cTn>
+                  </p:par>
+                  <p:par>
+                    <p:cTn id="51" fill="hold">
+                      <p:stCondLst>
+                        <p:cond delay="indefinite"/>
+                      </p:stCondLst>
+                      <p:childTnLst>
+                        <p:par>
+                          <p:cTn id="52" fill="hold">
+                            <p:stCondLst>
+                              <p:cond delay="0"/>
+                            </p:stCondLst>
+                            <p:childTnLst>
+                              <p:par>
+                                <p:cTn id="53" presetID="1" presetClass="entr" presetSubtype="0" fill="hold" nodeType="clickEffect">
+                                  <p:stCondLst>
+                                    <p:cond delay="0"/>
+                                  </p:stCondLst>
+                                  <p:childTnLst>
+                                    <p:set>
+                                      <p:cBhvr>
+                                        <p:cTn id="54" dur="1" fill="hold">
+                                          <p:stCondLst>
+                                            <p:cond delay="0"/>
+                                          </p:stCondLst>
+                                        </p:cTn>
+                                        <p:tgtEl>
+                                          <p:spTgt spid="2"/>
+                                        </p:tgtEl>
+                                        <p:attrNameLst>
+                                          <p:attrName>style.visibility</p:attrName>
+                                        </p:attrNameLst>
+                                      </p:cBhvr>
+                                      <p:to>
+                                        <p:strVal val="visible"/>
+                                      </p:to>
+                                    </p:set>
+                                  </p:childTnLst>
+                                </p:cTn>
+                              </p:par>
+                            </p:childTnLst>
+                          </p:cTn>
+                        </p:par>
+                      </p:childTnLst>
+                    </p:cTn>
+                  </p:par>
+                  <p:par>
+                    <p:cTn id="55" fill="hold">
+                      <p:stCondLst>
+                        <p:cond delay="indefinite"/>
+                      </p:stCondLst>
+                      <p:childTnLst>
+                        <p:par>
+                          <p:cTn id="56" fill="hold">
+                            <p:stCondLst>
+                              <p:cond delay="0"/>
+                            </p:stCondLst>
+                            <p:childTnLst>
+                              <p:par>
+                                <p:cTn id="57" presetID="1" presetClass="entr" presetSubtype="0" fill="hold" grpId="0" nodeType="clickEffect">
+                                  <p:stCondLst>
+                                    <p:cond delay="0"/>
+                                  </p:stCondLst>
+                                  <p:childTnLst>
+                                    <p:set>
+                                      <p:cBhvr>
+                                        <p:cTn id="58" dur="1" fill="hold">
+                                          <p:stCondLst>
+                                            <p:cond delay="0"/>
+                                          </p:stCondLst>
+                                        </p:cTn>
+                                        <p:tgtEl>
+                                          <p:spTgt spid="22"/>
+                                        </p:tgtEl>
+                                        <p:attrNameLst>
+                                          <p:attrName>style.visibility</p:attrName>
+                                        </p:attrNameLst>
+                                      </p:cBhvr>
+                                      <p:to>
+                                        <p:strVal val="visible"/>
+                                      </p:to>
+                                    </p:set>
+                                  </p:childTnLst>
+                                </p:cTn>
+                              </p:par>
+                            </p:childTnLst>
+                          </p:cTn>
+                        </p:par>
+                      </p:childTnLst>
+                    </p:cTn>
+                  </p:par>
+                  <p:par>
+                    <p:cTn id="59" fill="hold">
+                      <p:stCondLst>
+                        <p:cond delay="indefinite"/>
+                      </p:stCondLst>
+                      <p:childTnLst>
+                        <p:par>
+                          <p:cTn id="60" fill="hold">
+                            <p:stCondLst>
+                              <p:cond delay="0"/>
+                            </p:stCondLst>
+                            <p:childTnLst>
+                              <p:par>
+                                <p:cTn id="61" presetID="1" presetClass="entr" presetSubtype="0" fill="hold" grpId="0" nodeType="clickEffect">
+                                  <p:stCondLst>
+                                    <p:cond delay="0"/>
+                                  </p:stCondLst>
+                                  <p:childTnLst>
+                                    <p:set>
+                                      <p:cBhvr>
+                                        <p:cTn id="62" dur="1" fill="hold">
+                                          <p:stCondLst>
+                                            <p:cond delay="0"/>
+                                          </p:stCondLst>
+                                        </p:cTn>
+                                        <p:tgtEl>
+                                          <p:spTgt spid="27"/>
+                                        </p:tgtEl>
+                                        <p:attrNameLst>
+                                          <p:attrName>style.visibility</p:attrName>
+                                        </p:attrNameLst>
+                                      </p:cBhvr>
+                                      <p:to>
+                                        <p:strVal val="visible"/>
+                                      </p:to>
+                                    </p:set>
+                                  </p:childTnLst>
+                                </p:cTn>
+                              </p:par>
+                            </p:childTnLst>
+                          </p:cTn>
+                        </p:par>
+                      </p:childTnLst>
+                    </p:cTn>
+                  </p:par>
+                </p:childTnLst>
+              </p:cTn>
+              <p:prevCondLst>
+                <p:cond evt="onPrev" delay="0">
+                  <p:tgtEl>
+                    <p:sldTgt/>
+                  </p:tgtEl>
+                </p:cond>
+              </p:prevCondLst>
+              <p:nextCondLst>
+                <p:cond evt="onNext" delay="0">
+                  <p:tgtEl>
+                    <p:sldTgt/>
+                  </p:tgtEl>
+                </p:cond>
+              </p:nextCondLst>
+            </p:seq>
+          </p:childTnLst>
+        </p:cTn>
       </p:par>
     </p:tnLst>
+    <p:bldLst>
+      <p:bldP spid="10" grpId="0" animBg="1"/>
+      <p:bldP spid="11" grpId="0" animBg="1"/>
+      <p:bldP spid="12" grpId="0" animBg="1"/>
+      <p:bldP spid="13" grpId="0" animBg="1"/>
+      <p:bldP spid="15" grpId="0" animBg="1"/>
+      <p:bldP spid="18" grpId="0" animBg="1"/>
+      <p:bldP spid="19" grpId="0" animBg="1"/>
+      <p:bldP spid="20" grpId="0" animBg="1"/>
+      <p:bldP spid="21" grpId="0" animBg="1"/>
+      <p:bldP spid="22" grpId="0" animBg="1"/>
+      <p:bldP spid="25" grpId="0" animBg="1"/>
+      <p:bldP spid="26" grpId="0" animBg="1"/>
+      <p:bldP spid="27" grpId="0" animBg="1"/>
+      <p:bldP spid="23" grpId="0" animBg="1"/>
+    </p:bldLst>
   </p:timing>
 </p:sld>
 </file>
@@ -11475,7 +15673,20 @@
                 <a:latin typeface="Inter" panose="02000503000000020004" pitchFamily="2" charset="0"/>
                 <a:ea typeface="Inter" panose="02000503000000020004" pitchFamily="2" charset="0"/>
               </a:rPr>
-              <a:t>: RE2 vs PCRE2 </a:t>
+              <a:t>: </a:t>
+            </a:r>
+            <a:r>
+              <a:rPr lang="en-US" altLang="ko-KR" sz="1300" b="1" dirty="0" smtClean="0">
+                <a:solidFill>
+                  <a:schemeClr val="tx1">
+                    <a:lumMod val="85000"/>
+                    <a:lumOff val="15000"/>
+                  </a:schemeClr>
+                </a:solidFill>
+                <a:latin typeface="Inter" panose="02000503000000020004" pitchFamily="2" charset="0"/>
+                <a:ea typeface="Inter" panose="02000503000000020004" pitchFamily="2" charset="0"/>
+              </a:rPr>
+              <a:t>RE2  PCRE2 </a:t>
             </a:r>
             <a:r>
               <a:rPr lang="ko-KR" altLang="en-US" sz="1300" b="1" dirty="0">
@@ -12409,12 +16620,6 @@
               </a:rPr>
               <a:t>정규 표현식 패턴</a:t>
             </a:r>
-            <a:endParaRPr lang="ko-KR" altLang="en-US" b="1" dirty="0">
-              <a:solidFill>
-                <a:srgbClr val="C3AFDB"/>
-              </a:solidFill>
-              <a:latin typeface="Inter" panose="02000503000000020004" pitchFamily="2" charset="0"/>
-            </a:endParaRPr>
           </a:p>
         </p:txBody>
       </p:sp>
@@ -12731,7 +16936,7 @@
       </p:pic>
       <p:pic>
         <p:nvPicPr>
-          <p:cNvPr id="14" name="그림 13"/>
+          <p:cNvPr id="15" name="그림 14"/>
           <p:cNvPicPr>
             <a:picLocks noChangeAspect="1"/>
           </p:cNvPicPr>
@@ -12739,30 +16944,6 @@
         </p:nvPicPr>
         <p:blipFill>
           <a:blip r:embed="rId5"/>
-          <a:stretch>
-            <a:fillRect/>
-          </a:stretch>
-        </p:blipFill>
-        <p:spPr>
-          <a:xfrm>
-            <a:off x="2617643" y="2823139"/>
-            <a:ext cx="3120618" cy="486484"/>
-          </a:xfrm>
-          <a:prstGeom prst="rect">
-            <a:avLst/>
-          </a:prstGeom>
-        </p:spPr>
-      </p:pic>
-      <p:pic>
-        <p:nvPicPr>
-          <p:cNvPr id="15" name="그림 14"/>
-          <p:cNvPicPr>
-            <a:picLocks noChangeAspect="1"/>
-          </p:cNvPicPr>
-          <p:nvPr/>
-        </p:nvPicPr>
-        <p:blipFill>
-          <a:blip r:embed="rId6"/>
           <a:stretch>
             <a:fillRect/>
           </a:stretch>
@@ -12786,7 +16967,7 @@
           <p:nvPr/>
         </p:nvPicPr>
         <p:blipFill>
-          <a:blip r:embed="rId7"/>
+          <a:blip r:embed="rId6"/>
           <a:stretch>
             <a:fillRect/>
           </a:stretch>
@@ -12795,6 +16976,30 @@
           <a:xfrm>
             <a:off x="3397541" y="0"/>
             <a:ext cx="2403124" cy="732381"/>
+          </a:xfrm>
+          <a:prstGeom prst="rect">
+            <a:avLst/>
+          </a:prstGeom>
+        </p:spPr>
+      </p:pic>
+      <p:pic>
+        <p:nvPicPr>
+          <p:cNvPr id="2" name="그림 1"/>
+          <p:cNvPicPr>
+            <a:picLocks noChangeAspect="1"/>
+          </p:cNvPicPr>
+          <p:nvPr/>
+        </p:nvPicPr>
+        <p:blipFill>
+          <a:blip r:embed="rId7"/>
+          <a:stretch>
+            <a:fillRect/>
+          </a:stretch>
+        </p:blipFill>
+        <p:spPr>
+          <a:xfrm>
+            <a:off x="2247078" y="2717954"/>
+            <a:ext cx="3420346" cy="583162"/>
           </a:xfrm>
           <a:prstGeom prst="rect">
             <a:avLst/>
@@ -12814,7 +17019,300 @@
   <p:timing>
     <p:tnLst>
       <p:par>
-        <p:cTn id="1" dur="indefinite" restart="never" nodeType="tmRoot"/>
+        <p:cTn id="1" dur="indefinite" restart="never" nodeType="tmRoot">
+          <p:childTnLst>
+            <p:seq concurrent="1" nextAc="seek">
+              <p:cTn id="2" dur="indefinite" nodeType="mainSeq">
+                <p:childTnLst>
+                  <p:par>
+                    <p:cTn id="3" fill="hold">
+                      <p:stCondLst>
+                        <p:cond delay="indefinite"/>
+                      </p:stCondLst>
+                      <p:childTnLst>
+                        <p:par>
+                          <p:cTn id="4" fill="hold">
+                            <p:stCondLst>
+                              <p:cond delay="0"/>
+                            </p:stCondLst>
+                            <p:childTnLst>
+                              <p:par>
+                                <p:cTn id="5" presetID="1" presetClass="entr" presetSubtype="0" fill="hold" nodeType="clickEffect">
+                                  <p:stCondLst>
+                                    <p:cond delay="0"/>
+                                  </p:stCondLst>
+                                  <p:childTnLst>
+                                    <p:set>
+                                      <p:cBhvr>
+                                        <p:cTn id="6" dur="1" fill="hold">
+                                          <p:stCondLst>
+                                            <p:cond delay="0"/>
+                                          </p:stCondLst>
+                                        </p:cTn>
+                                        <p:tgtEl>
+                                          <p:spTgt spid="15"/>
+                                        </p:tgtEl>
+                                        <p:attrNameLst>
+                                          <p:attrName>style.visibility</p:attrName>
+                                        </p:attrNameLst>
+                                      </p:cBhvr>
+                                      <p:to>
+                                        <p:strVal val="visible"/>
+                                      </p:to>
+                                    </p:set>
+                                  </p:childTnLst>
+                                </p:cTn>
+                              </p:par>
+                            </p:childTnLst>
+                          </p:cTn>
+                        </p:par>
+                      </p:childTnLst>
+                    </p:cTn>
+                  </p:par>
+                  <p:par>
+                    <p:cTn id="7" fill="hold">
+                      <p:stCondLst>
+                        <p:cond delay="indefinite"/>
+                      </p:stCondLst>
+                      <p:childTnLst>
+                        <p:par>
+                          <p:cTn id="8" fill="hold">
+                            <p:stCondLst>
+                              <p:cond delay="0"/>
+                            </p:stCondLst>
+                            <p:childTnLst>
+                              <p:par>
+                                <p:cTn id="9" presetID="1" presetClass="entr" presetSubtype="0" fill="hold" nodeType="clickEffect">
+                                  <p:stCondLst>
+                                    <p:cond delay="0"/>
+                                  </p:stCondLst>
+                                  <p:childTnLst>
+                                    <p:set>
+                                      <p:cBhvr>
+                                        <p:cTn id="10" dur="1" fill="hold">
+                                          <p:stCondLst>
+                                            <p:cond delay="0"/>
+                                          </p:stCondLst>
+                                        </p:cTn>
+                                        <p:tgtEl>
+                                          <p:spTgt spid="16"/>
+                                        </p:tgtEl>
+                                        <p:attrNameLst>
+                                          <p:attrName>style.visibility</p:attrName>
+                                        </p:attrNameLst>
+                                      </p:cBhvr>
+                                      <p:to>
+                                        <p:strVal val="visible"/>
+                                      </p:to>
+                                    </p:set>
+                                  </p:childTnLst>
+                                </p:cTn>
+                              </p:par>
+                            </p:childTnLst>
+                          </p:cTn>
+                        </p:par>
+                      </p:childTnLst>
+                    </p:cTn>
+                  </p:par>
+                  <p:par>
+                    <p:cTn id="11" fill="hold">
+                      <p:stCondLst>
+                        <p:cond delay="indefinite"/>
+                      </p:stCondLst>
+                      <p:childTnLst>
+                        <p:par>
+                          <p:cTn id="12" fill="hold">
+                            <p:stCondLst>
+                              <p:cond delay="0"/>
+                            </p:stCondLst>
+                            <p:childTnLst>
+                              <p:par>
+                                <p:cTn id="13" presetID="1" presetClass="entr" presetSubtype="0" fill="hold" nodeType="clickEffect">
+                                  <p:stCondLst>
+                                    <p:cond delay="0"/>
+                                  </p:stCondLst>
+                                  <p:childTnLst>
+                                    <p:set>
+                                      <p:cBhvr>
+                                        <p:cTn id="14" dur="1" fill="hold">
+                                          <p:stCondLst>
+                                            <p:cond delay="0"/>
+                                          </p:stCondLst>
+                                        </p:cTn>
+                                        <p:tgtEl>
+                                          <p:spTgt spid="3"/>
+                                        </p:tgtEl>
+                                        <p:attrNameLst>
+                                          <p:attrName>style.visibility</p:attrName>
+                                        </p:attrNameLst>
+                                      </p:cBhvr>
+                                      <p:to>
+                                        <p:strVal val="visible"/>
+                                      </p:to>
+                                    </p:set>
+                                  </p:childTnLst>
+                                </p:cTn>
+                              </p:par>
+                            </p:childTnLst>
+                          </p:cTn>
+                        </p:par>
+                      </p:childTnLst>
+                    </p:cTn>
+                  </p:par>
+                  <p:par>
+                    <p:cTn id="15" fill="hold">
+                      <p:stCondLst>
+                        <p:cond delay="indefinite"/>
+                      </p:stCondLst>
+                      <p:childTnLst>
+                        <p:par>
+                          <p:cTn id="16" fill="hold">
+                            <p:stCondLst>
+                              <p:cond delay="0"/>
+                            </p:stCondLst>
+                            <p:childTnLst>
+                              <p:par>
+                                <p:cTn id="17" presetID="1" presetClass="entr" presetSubtype="0" fill="hold" nodeType="clickEffect">
+                                  <p:stCondLst>
+                                    <p:cond delay="0"/>
+                                  </p:stCondLst>
+                                  <p:childTnLst>
+                                    <p:set>
+                                      <p:cBhvr>
+                                        <p:cTn id="18" dur="1" fill="hold">
+                                          <p:stCondLst>
+                                            <p:cond delay="0"/>
+                                          </p:stCondLst>
+                                        </p:cTn>
+                                        <p:tgtEl>
+                                          <p:spTgt spid="12"/>
+                                        </p:tgtEl>
+                                        <p:attrNameLst>
+                                          <p:attrName>style.visibility</p:attrName>
+                                        </p:attrNameLst>
+                                      </p:cBhvr>
+                                      <p:to>
+                                        <p:strVal val="visible"/>
+                                      </p:to>
+                                    </p:set>
+                                  </p:childTnLst>
+                                </p:cTn>
+                              </p:par>
+                            </p:childTnLst>
+                          </p:cTn>
+                        </p:par>
+                      </p:childTnLst>
+                    </p:cTn>
+                  </p:par>
+                  <p:par>
+                    <p:cTn id="19" fill="hold">
+                      <p:stCondLst>
+                        <p:cond delay="indefinite"/>
+                      </p:stCondLst>
+                      <p:childTnLst>
+                        <p:par>
+                          <p:cTn id="20" fill="hold">
+                            <p:stCondLst>
+                              <p:cond delay="0"/>
+                            </p:stCondLst>
+                            <p:childTnLst>
+                              <p:par>
+                                <p:cTn id="21" presetID="1" presetClass="entr" presetSubtype="0" fill="hold" nodeType="clickEffect">
+                                  <p:stCondLst>
+                                    <p:cond delay="0"/>
+                                  </p:stCondLst>
+                                  <p:childTnLst>
+                                    <p:set>
+                                      <p:cBhvr>
+                                        <p:cTn id="22" dur="1" fill="hold">
+                                          <p:stCondLst>
+                                            <p:cond delay="0"/>
+                                          </p:stCondLst>
+                                        </p:cTn>
+                                        <p:tgtEl>
+                                          <p:spTgt spid="13"/>
+                                        </p:tgtEl>
+                                        <p:attrNameLst>
+                                          <p:attrName>style.visibility</p:attrName>
+                                        </p:attrNameLst>
+                                      </p:cBhvr>
+                                      <p:to>
+                                        <p:strVal val="visible"/>
+                                      </p:to>
+                                    </p:set>
+                                  </p:childTnLst>
+                                </p:cTn>
+                              </p:par>
+                            </p:childTnLst>
+                          </p:cTn>
+                        </p:par>
+                      </p:childTnLst>
+                    </p:cTn>
+                  </p:par>
+                  <p:par>
+                    <p:cTn id="23" fill="hold">
+                      <p:stCondLst>
+                        <p:cond delay="indefinite"/>
+                      </p:stCondLst>
+                      <p:childTnLst>
+                        <p:par>
+                          <p:cTn id="24" fill="hold">
+                            <p:stCondLst>
+                              <p:cond delay="0"/>
+                            </p:stCondLst>
+                            <p:childTnLst>
+                              <p:par>
+                                <p:cTn id="25" presetID="1" presetClass="entr" presetSubtype="0" fill="hold" nodeType="clickEffect">
+                                  <p:stCondLst>
+                                    <p:cond delay="0"/>
+                                  </p:stCondLst>
+                                  <p:childTnLst>
+                                    <p:set>
+                                      <p:cBhvr>
+                                        <p:cTn id="26" dur="1" fill="hold">
+                                          <p:stCondLst>
+                                            <p:cond delay="0"/>
+                                          </p:stCondLst>
+                                        </p:cTn>
+                                        <p:tgtEl>
+                                          <p:spTgt spid="2"/>
+                                        </p:tgtEl>
+                                        <p:attrNameLst>
+                                          <p:attrName>style.visibility</p:attrName>
+                                        </p:attrNameLst>
+                                      </p:cBhvr>
+                                      <p:to>
+                                        <p:strVal val="visible"/>
+                                      </p:to>
+                                    </p:set>
+                                  </p:childTnLst>
+                                </p:cTn>
+                              </p:par>
+                            </p:childTnLst>
+                          </p:cTn>
+                        </p:par>
+                      </p:childTnLst>
+                    </p:cTn>
+                  </p:par>
+                </p:childTnLst>
+              </p:cTn>
+              <p:prevCondLst>
+                <p:cond evt="onPrev" delay="0">
+                  <p:tgtEl>
+                    <p:sldTgt/>
+                  </p:tgtEl>
+                </p:cond>
+              </p:prevCondLst>
+              <p:nextCondLst>
+                <p:cond evt="onNext" delay="0">
+                  <p:tgtEl>
+                    <p:sldTgt/>
+                  </p:tgtEl>
+                </p:cond>
+              </p:nextCondLst>
+            </p:seq>
+          </p:childTnLst>
+        </p:cTn>
       </p:par>
     </p:tnLst>
   </p:timing>
@@ -12986,12 +17484,6 @@
               </a:rPr>
               <a:t>정규 표현식 패턴</a:t>
             </a:r>
-            <a:endParaRPr lang="ko-KR" altLang="en-US" b="1" dirty="0">
-              <a:solidFill>
-                <a:srgbClr val="C3AFDB"/>
-              </a:solidFill>
-              <a:latin typeface="Inter" panose="02000503000000020004" pitchFamily="2" charset="0"/>
-            </a:endParaRPr>
           </a:p>
         </p:txBody>
       </p:sp>
@@ -15396,8 +19888,8 @@
         </p:blipFill>
         <p:spPr>
           <a:xfrm>
-            <a:off x="443064" y="682827"/>
-            <a:ext cx="3047524" cy="2797820"/>
+            <a:off x="435128" y="663691"/>
+            <a:ext cx="3894330" cy="3575242"/>
           </a:xfrm>
           <a:prstGeom prst="rect">
             <a:avLst/>
@@ -15420,7 +19912,7 @@
         </p:blipFill>
         <p:spPr>
           <a:xfrm>
-            <a:off x="3918398" y="682827"/>
+            <a:off x="4329458" y="663691"/>
             <a:ext cx="7311261" cy="3941826"/>
           </a:xfrm>
           <a:prstGeom prst="rect">
@@ -15444,8 +19936,8 @@
         </p:blipFill>
         <p:spPr>
           <a:xfrm>
-            <a:off x="443064" y="3850441"/>
-            <a:ext cx="2330835" cy="2749190"/>
+            <a:off x="435128" y="1681263"/>
+            <a:ext cx="3894330" cy="4593313"/>
           </a:xfrm>
           <a:prstGeom prst="rect">
             <a:avLst/>
@@ -15460,7 +19952,7 @@
         </p:nvSpPr>
         <p:spPr>
           <a:xfrm>
-            <a:off x="8438835" y="4238933"/>
+            <a:off x="8820150" y="4238933"/>
             <a:ext cx="2324100" cy="335280"/>
           </a:xfrm>
           <a:prstGeom prst="ellipse">
@@ -15663,13 +20155,6 @@
               </a:rPr>
               <a:t>4</a:t>
             </a:r>
-            <a:endParaRPr lang="en-US" sz="1400" b="1" dirty="0">
-              <a:solidFill>
-                <a:schemeClr val="bg1"/>
-              </a:solidFill>
-              <a:latin typeface="+mj-ea"/>
-              <a:ea typeface="+mj-ea"/>
-            </a:endParaRPr>
           </a:p>
         </p:txBody>
       </p:sp>
@@ -16172,8 +20657,8 @@
         </p:nvSpPr>
         <p:spPr bwMode="auto">
           <a:xfrm>
-            <a:off x="1895282" y="1407266"/>
-            <a:ext cx="9482083" cy="4739759"/>
+            <a:off x="1895282" y="1266593"/>
+            <a:ext cx="9204764" cy="4739759"/>
           </a:xfrm>
           <a:prstGeom prst="rect">
             <a:avLst/>
@@ -16318,6 +20803,104 @@
             <a:endParaRPr lang="en-US" altLang="ko-KR" sz="1600" dirty="0" smtClean="0"/>
           </a:p>
           <a:p>
+            <a:pPr lvl="1" eaLnBrk="0" fontAlgn="base" latinLnBrk="0" hangingPunct="0">
+              <a:spcBef>
+                <a:spcPts val="600"/>
+              </a:spcBef>
+              <a:spcAft>
+                <a:spcPct val="0"/>
+              </a:spcAft>
+            </a:pPr>
+            <a:r>
+              <a:rPr lang="ko-KR" altLang="ko-KR" sz="1600" dirty="0" smtClean="0"/>
+              <a:t>RE2</a:t>
+            </a:r>
+            <a:r>
+              <a:rPr lang="ko-KR" altLang="ko-KR" sz="1600" dirty="0" smtClean="0"/>
+              <a:t>: 높은 최적화 수준 덕분에 PCRE2보다 우수한 처리 속도를 보임.</a:t>
+            </a:r>
+            <a:endParaRPr lang="en-US" altLang="ko-KR" sz="1600" dirty="0" smtClean="0"/>
+          </a:p>
+          <a:p>
+            <a:pPr lvl="1" eaLnBrk="0" fontAlgn="base" latinLnBrk="0" hangingPunct="0">
+              <a:spcBef>
+                <a:spcPts val="600"/>
+              </a:spcBef>
+              <a:spcAft>
+                <a:spcPct val="0"/>
+              </a:spcAft>
+            </a:pPr>
+            <a:r>
+              <a:rPr lang="ko-KR" altLang="ko-KR" sz="1600" dirty="0" smtClean="0"/>
+              <a:t>PCRE2</a:t>
+            </a:r>
+            <a:r>
+              <a:rPr lang="ko-KR" altLang="ko-KR" sz="1600" dirty="0" smtClean="0"/>
+              <a:t>: </a:t>
+            </a:r>
+            <a:r>
+              <a:rPr lang="ko-KR" altLang="en-US" sz="1600" dirty="0" smtClean="0"/>
+              <a:t>패턴에 따라 다르지만 </a:t>
+            </a:r>
+            <a:r>
+              <a:rPr lang="ko-KR" altLang="ko-KR" sz="1600" dirty="0" smtClean="0"/>
+              <a:t>RE2에 비해 약간 느림</a:t>
+            </a:r>
+            <a:r>
+              <a:rPr lang="en-US" altLang="ko-KR" sz="1600" dirty="0" smtClean="0"/>
+              <a:t>, </a:t>
+            </a:r>
+            <a:r>
+              <a:rPr lang="ko-KR" altLang="en-US" sz="1600" dirty="0" smtClean="0"/>
+              <a:t>백트래킹 위험 있음</a:t>
+            </a:r>
+            <a:r>
+              <a:rPr lang="en-US" altLang="ko-KR" sz="1600" dirty="0" smtClean="0"/>
+              <a:t>.</a:t>
+            </a:r>
+          </a:p>
+          <a:p>
+            <a:pPr marL="914400" marR="0" lvl="2" indent="0" algn="l" defTabSz="914400" rtl="0" eaLnBrk="0" fontAlgn="base" latinLnBrk="0" hangingPunct="0">
+              <a:lnSpc>
+                <a:spcPct val="100000"/>
+              </a:lnSpc>
+              <a:spcBef>
+                <a:spcPts val="600"/>
+              </a:spcBef>
+              <a:spcAft>
+                <a:spcPct val="0"/>
+              </a:spcAft>
+              <a:buClrTx/>
+              <a:buSzTx/>
+              <a:tabLst/>
+            </a:pPr>
+            <a:endParaRPr lang="ko-KR" altLang="ko-KR" sz="1600" dirty="0" smtClean="0"/>
+          </a:p>
+          <a:p>
+            <a:pPr marL="0" marR="0" lvl="0" indent="0" algn="l" defTabSz="914400" rtl="0" eaLnBrk="0" fontAlgn="base" latinLnBrk="0" hangingPunct="0">
+              <a:lnSpc>
+                <a:spcPct val="100000"/>
+              </a:lnSpc>
+              <a:spcBef>
+                <a:spcPts val="600"/>
+              </a:spcBef>
+              <a:spcAft>
+                <a:spcPct val="0"/>
+              </a:spcAft>
+              <a:buClrTx/>
+              <a:buSzTx/>
+              <a:tabLst/>
+            </a:pPr>
+            <a:r>
+              <a:rPr lang="ko-KR" altLang="ko-KR" sz="1600" b="1" dirty="0" smtClean="0"/>
+              <a:t>패턴 </a:t>
+            </a:r>
+            <a:r>
+              <a:rPr lang="ko-KR" altLang="ko-KR" sz="1600" b="1" dirty="0"/>
+              <a:t>및 데이터 형식의 영향</a:t>
+            </a:r>
+          </a:p>
+          <a:p>
             <a:pPr marL="457200" marR="0" lvl="1" indent="0" algn="l" defTabSz="914400" rtl="0" eaLnBrk="0" fontAlgn="base" latinLnBrk="0" hangingPunct="0">
               <a:lnSpc>
                 <a:spcPct val="100000"/>
@@ -16333,112 +20916,6 @@
               <a:tabLst/>
             </a:pPr>
             <a:r>
-              <a:rPr lang="en-US" altLang="ko-KR" sz="1400" dirty="0" smtClean="0"/>
-              <a:t>	</a:t>
-            </a:r>
-            <a:r>
-              <a:rPr lang="ko-KR" altLang="ko-KR" sz="1400" dirty="0" smtClean="0"/>
-              <a:t>RE2: 높은 최적화 수준 덕분에 PCRE2보다 우수한 처리 속도를 보임.</a:t>
-            </a:r>
-            <a:endParaRPr lang="en-US" altLang="ko-KR" sz="1400" dirty="0" smtClean="0"/>
-          </a:p>
-          <a:p>
-            <a:pPr marL="457200" marR="0" lvl="1" indent="0" algn="l" defTabSz="914400" rtl="0" eaLnBrk="0" fontAlgn="base" latinLnBrk="0" hangingPunct="0">
-              <a:lnSpc>
-                <a:spcPct val="100000"/>
-              </a:lnSpc>
-              <a:spcBef>
-                <a:spcPts val="600"/>
-              </a:spcBef>
-              <a:spcAft>
-                <a:spcPct val="0"/>
-              </a:spcAft>
-              <a:buClrTx/>
-              <a:buSzTx/>
-              <a:tabLst/>
-            </a:pPr>
-            <a:r>
-              <a:rPr lang="en-US" altLang="ko-KR" sz="1400" dirty="0" smtClean="0"/>
-              <a:t>	</a:t>
-            </a:r>
-            <a:r>
-              <a:rPr lang="ko-KR" altLang="ko-KR" sz="1400" dirty="0" smtClean="0"/>
-              <a:t>PCRE2: </a:t>
-            </a:r>
-            <a:r>
-              <a:rPr lang="ko-KR" altLang="en-US" sz="1400" dirty="0" smtClean="0"/>
-              <a:t>패턴에 따라 다르지만 </a:t>
-            </a:r>
-            <a:r>
-              <a:rPr lang="ko-KR" altLang="ko-KR" sz="1400" dirty="0" smtClean="0"/>
-              <a:t>RE2에 비해 약간 느림</a:t>
-            </a:r>
-            <a:r>
-              <a:rPr lang="en-US" altLang="ko-KR" sz="1400" dirty="0" smtClean="0"/>
-              <a:t>, </a:t>
-            </a:r>
-            <a:r>
-              <a:rPr lang="ko-KR" altLang="en-US" sz="1400" dirty="0" smtClean="0"/>
-              <a:t>백트래킹 위험 있음</a:t>
-            </a:r>
-            <a:r>
-              <a:rPr lang="en-US" altLang="ko-KR" sz="1400" dirty="0" smtClean="0"/>
-              <a:t>.</a:t>
-            </a:r>
-          </a:p>
-          <a:p>
-            <a:pPr marL="914400" marR="0" lvl="2" indent="0" algn="l" defTabSz="914400" rtl="0" eaLnBrk="0" fontAlgn="base" latinLnBrk="0" hangingPunct="0">
-              <a:lnSpc>
-                <a:spcPct val="100000"/>
-              </a:lnSpc>
-              <a:spcBef>
-                <a:spcPts val="600"/>
-              </a:spcBef>
-              <a:spcAft>
-                <a:spcPct val="0"/>
-              </a:spcAft>
-              <a:buClrTx/>
-              <a:buSzTx/>
-              <a:tabLst/>
-            </a:pPr>
-            <a:endParaRPr lang="ko-KR" altLang="ko-KR" sz="1600" dirty="0"/>
-          </a:p>
-          <a:p>
-            <a:pPr marL="0" marR="0" lvl="0" indent="0" algn="l" defTabSz="914400" rtl="0" eaLnBrk="0" fontAlgn="base" latinLnBrk="0" hangingPunct="0">
-              <a:lnSpc>
-                <a:spcPct val="100000"/>
-              </a:lnSpc>
-              <a:spcBef>
-                <a:spcPts val="600"/>
-              </a:spcBef>
-              <a:spcAft>
-                <a:spcPct val="0"/>
-              </a:spcAft>
-              <a:buClrTx/>
-              <a:buSzTx/>
-              <a:tabLst/>
-            </a:pPr>
-            <a:r>
-              <a:rPr lang="ko-KR" altLang="ko-KR" sz="1600" b="1" dirty="0"/>
-              <a:t>패턴 및 데이터 형식의 영향</a:t>
-            </a:r>
-          </a:p>
-          <a:p>
-            <a:pPr marL="457200" marR="0" lvl="1" indent="0" algn="l" defTabSz="914400" rtl="0" eaLnBrk="0" fontAlgn="base" latinLnBrk="0" hangingPunct="0">
-              <a:lnSpc>
-                <a:spcPct val="100000"/>
-              </a:lnSpc>
-              <a:spcBef>
-                <a:spcPts val="600"/>
-              </a:spcBef>
-              <a:spcAft>
-                <a:spcPct val="0"/>
-              </a:spcAft>
-              <a:buClrTx/>
-              <a:buSzTx/>
-              <a:tabLst/>
-            </a:pPr>
-            <a:r>
               <a:rPr lang="ko-KR" altLang="ko-KR" sz="1600" dirty="0"/>
               <a:t>사용된 정규 표현식 패턴(^</a:t>
             </a:r>
@@ -16447,21 +20924,34 @@
               <a:t>a</a:t>
             </a:r>
             <a:r>
+              <a:rPr lang="ko-KR" altLang="ko-KR" sz="1600" dirty="0" smtClean="0"/>
+              <a:t>+$)</a:t>
+            </a:r>
+            <a:r>
+              <a:rPr lang="en-US" altLang="ko-KR" sz="1600" dirty="0" smtClean="0"/>
+              <a:t>,</a:t>
+            </a:r>
+            <a:r>
+              <a:rPr lang="ko-KR" altLang="ko-KR" sz="1600" dirty="0" smtClean="0"/>
+              <a:t> 단순한 </a:t>
+            </a:r>
+            <a:r>
               <a:rPr lang="ko-KR" altLang="ko-KR" sz="1600" dirty="0"/>
-              <a:t>+$)과 </a:t>
+              <a:t>데이터 형식에서는 PCRE2가 우수한 성능을 </a:t>
+            </a:r>
+            <a:r>
+              <a:rPr lang="ko-KR" altLang="ko-KR" sz="1600" dirty="0" smtClean="0"/>
+              <a:t>발휘</a:t>
             </a:r>
             <a:r>
               <a:rPr lang="ko-KR" altLang="en-US" sz="1600" dirty="0" smtClean="0"/>
-              <a:t>같은 </a:t>
-            </a:r>
-            <a:r>
-              <a:rPr lang="ko-KR" altLang="ko-KR" sz="1600" dirty="0" smtClean="0"/>
-              <a:t>단순한 </a:t>
-            </a:r>
-            <a:r>
-              <a:rPr lang="ko-KR" altLang="ko-KR" sz="1600" dirty="0"/>
-              <a:t>데이터 형식에서는 PCRE2가 우수한 성능을 발휘.</a:t>
-            </a:r>
+              <a:t>하나</a:t>
+            </a:r>
+            <a:r>
+              <a:rPr lang="en-US" altLang="ko-KR" sz="1600" dirty="0" smtClean="0"/>
+              <a:t>,</a:t>
+            </a:r>
+            <a:endParaRPr lang="ko-KR" altLang="ko-KR" sz="1600" dirty="0"/>
           </a:p>
           <a:p>
             <a:pPr marL="457200" marR="0" lvl="1" indent="0" algn="l" defTabSz="914400" rtl="0" eaLnBrk="0" fontAlgn="base" latinLnBrk="0" hangingPunct="0">
@@ -16514,96 +21004,136 @@
             <a:endParaRPr lang="en-US" altLang="ko-KR" sz="1600" dirty="0"/>
           </a:p>
           <a:p>
-            <a:pPr eaLnBrk="0" fontAlgn="base" latinLnBrk="0" hangingPunct="0">
-              <a:spcBef>
-                <a:spcPts val="600"/>
-              </a:spcBef>
-              <a:spcAft>
-                <a:spcPct val="0"/>
-              </a:spcAft>
-            </a:pPr>
-            <a:r>
-              <a:rPr lang="ko-KR" altLang="ko-KR" sz="1600" b="1" dirty="0"/>
-              <a:t>일반적인 결론 도출의 어려움</a:t>
-            </a:r>
-          </a:p>
-          <a:p>
-            <a:pPr marL="457200" marR="0" lvl="1" indent="0" algn="l" defTabSz="914400" rtl="0" eaLnBrk="0" fontAlgn="base" latinLnBrk="0" hangingPunct="0">
-              <a:lnSpc>
-                <a:spcPct val="100000"/>
-              </a:lnSpc>
-              <a:spcBef>
-                <a:spcPts val="600"/>
-              </a:spcBef>
-              <a:spcAft>
-                <a:spcPct val="0"/>
-              </a:spcAft>
-              <a:buClrTx/>
-              <a:buSzTx/>
-              <a:tabLst/>
-            </a:pPr>
-            <a:r>
-              <a:rPr lang="ko-KR" altLang="ko-KR" sz="1600" dirty="0"/>
-              <a:t>현재 테스트는 제한된 패턴과 데이터 형식에 국한되어 있어, 모든 상황에서 어떤 라이브러리가 </a:t>
+            <a:r>
+              <a:rPr lang="ko-KR" altLang="en-US" sz="1600" b="1" dirty="0"/>
+              <a:t>결론</a:t>
+            </a:r>
+          </a:p>
+          <a:p>
+            <a:pPr lvl="1"/>
+            <a:r>
+              <a:rPr lang="ko-KR" altLang="en-US" sz="1600" b="1" dirty="0"/>
+              <a:t>일반적인 환경에서 </a:t>
+            </a:r>
+            <a:r>
+              <a:rPr lang="en-US" altLang="ko-KR" sz="1600" b="1" dirty="0"/>
+              <a:t>RE2</a:t>
+            </a:r>
+            <a:r>
+              <a:rPr lang="ko-KR" altLang="en-US" sz="1600" b="1" dirty="0"/>
+              <a:t>가 </a:t>
+            </a:r>
+            <a:r>
+              <a:rPr lang="en-US" altLang="ko-KR" sz="1600" b="1" dirty="0"/>
+              <a:t>PCRE2</a:t>
+            </a:r>
+            <a:r>
+              <a:rPr lang="ko-KR" altLang="en-US" sz="1600" b="1" dirty="0"/>
+              <a:t>보다 전반적으로 더 우수한 </a:t>
+            </a:r>
+            <a:r>
+              <a:rPr lang="ko-KR" altLang="en-US" sz="1600" b="1" dirty="0" smtClean="0"/>
+              <a:t>선택이며</a:t>
+            </a:r>
+            <a:r>
+              <a:rPr lang="en-US" altLang="ko-KR" sz="1600" b="1" dirty="0" smtClean="0"/>
+              <a:t>,</a:t>
+            </a:r>
+            <a:r>
+              <a:rPr lang="en-US" altLang="ko-KR" sz="1600" dirty="0"/>
+              <a:t/>
+            </a:r>
+            <a:br>
+              <a:rPr lang="en-US" altLang="ko-KR" sz="1600" dirty="0"/>
+            </a:br>
+            <a:r>
+              <a:rPr lang="ko-KR" altLang="en-US" sz="1600" dirty="0" smtClean="0"/>
+              <a:t>특히 </a:t>
+            </a:r>
+            <a:r>
+              <a:rPr lang="ko-KR" altLang="en-US" sz="1600" dirty="0"/>
+              <a:t>복잡한 패턴 </a:t>
+            </a:r>
+            <a:r>
+              <a:rPr lang="ko-KR" altLang="en-US" sz="1600" dirty="0" err="1"/>
+              <a:t>매칭을</a:t>
+            </a:r>
+            <a:r>
+              <a:rPr lang="ko-KR" altLang="en-US" sz="1600" dirty="0"/>
+              <a:t> 포함한 실무 환경에서는 </a:t>
+            </a:r>
+            <a:r>
+              <a:rPr lang="en-US" altLang="ko-KR" sz="1600" dirty="0"/>
+              <a:t>RE2</a:t>
+            </a:r>
+            <a:r>
+              <a:rPr lang="ko-KR" altLang="en-US" sz="1600" dirty="0"/>
+              <a:t>가 더 일관된 성능을 </a:t>
+            </a:r>
+            <a:r>
+              <a:rPr lang="ko-KR" altLang="en-US" sz="1600" dirty="0" smtClean="0"/>
+              <a:t>발휘합니다</a:t>
+            </a:r>
+            <a:r>
+              <a:rPr lang="en-US" altLang="ko-KR" sz="1600" dirty="0" smtClean="0"/>
+              <a:t>.</a:t>
             </a:r>
             <a:endParaRPr lang="en-US" altLang="ko-KR" sz="1600" dirty="0"/>
           </a:p>
           <a:p>
-            <a:pPr marL="457200" marR="0" lvl="1" indent="0" algn="l" defTabSz="914400" rtl="0" eaLnBrk="0" fontAlgn="base" latinLnBrk="0" hangingPunct="0">
-              <a:lnSpc>
-                <a:spcPct val="100000"/>
-              </a:lnSpc>
-              <a:spcBef>
-                <a:spcPts val="600"/>
-              </a:spcBef>
-              <a:spcAft>
-                <a:spcPct val="0"/>
-              </a:spcAft>
-              <a:buClrTx/>
-              <a:buSzTx/>
-              <a:tabLst/>
-            </a:pPr>
+            <a:pPr lvl="1"/>
+            <a:r>
+              <a:rPr lang="ko-KR" altLang="en-US" sz="1600" dirty="0"/>
+              <a:t>다만</a:t>
+            </a:r>
             <a:r>
               <a:rPr lang="en-US" altLang="ko-KR" sz="1600" dirty="0"/>
-              <a:t> </a:t>
-            </a:r>
-            <a:r>
-              <a:rPr lang="ko-KR" altLang="ko-KR" sz="1600" dirty="0"/>
-              <a:t>더 </a:t>
-            </a:r>
-            <a:r>
-              <a:rPr lang="ko-KR" altLang="ko-KR" sz="1600" dirty="0"/>
-              <a:t>우수한지 일반화하기 </a:t>
-            </a:r>
-            <a:r>
-              <a:rPr lang="ko-KR" altLang="ko-KR" sz="1600" dirty="0"/>
-              <a:t>어려움</a:t>
+              <a:t>, </a:t>
+            </a:r>
+            <a:r>
+              <a:rPr lang="ko-KR" altLang="en-US" sz="1600" dirty="0"/>
+              <a:t>특정 상황에서 </a:t>
             </a:r>
             <a:r>
               <a:rPr lang="en-US" altLang="ko-KR" sz="1600" dirty="0"/>
+              <a:t>PCRE2</a:t>
+            </a:r>
+            <a:r>
+              <a:rPr lang="ko-KR" altLang="en-US" sz="1600" dirty="0"/>
+              <a:t>가 더 나은 성능을 보일 수 있으므로</a:t>
+            </a:r>
+            <a:r>
+              <a:rPr lang="en-US" altLang="ko-KR" sz="1600" dirty="0"/>
+              <a:t>, </a:t>
+            </a:r>
+            <a:r>
+              <a:rPr lang="en-US" altLang="ko-KR" sz="1600" dirty="0" smtClean="0"/>
+              <a:t/>
+            </a:r>
+            <a:br>
+              <a:rPr lang="en-US" altLang="ko-KR" sz="1600" dirty="0" smtClean="0"/>
+            </a:br>
+            <a:r>
+              <a:rPr lang="ko-KR" altLang="en-US" sz="1600" b="1" dirty="0" smtClean="0"/>
+              <a:t>패턴의 </a:t>
+            </a:r>
+            <a:r>
+              <a:rPr lang="ko-KR" altLang="en-US" sz="1600" b="1" dirty="0"/>
+              <a:t>특성에 따라 라이브러리를 선택</a:t>
+            </a:r>
+            <a:r>
+              <a:rPr lang="ko-KR" altLang="en-US" sz="1600" dirty="0"/>
+              <a:t>하는 </a:t>
+            </a:r>
+            <a:r>
+              <a:rPr lang="ko-KR" altLang="en-US" sz="1600" dirty="0" smtClean="0"/>
+              <a:t>것도 유효한 전략입니다</a:t>
+            </a:r>
+            <a:r>
+              <a:rPr lang="en-US" altLang="ko-KR" sz="1600" dirty="0" smtClean="0"/>
               <a:t>.</a:t>
             </a:r>
-            <a:endParaRPr lang="ko-KR" altLang="ko-KR" sz="1600" dirty="0"/>
-          </a:p>
-          <a:p>
-            <a:pPr marL="457200" marR="0" lvl="1" indent="0" algn="l" defTabSz="914400" rtl="0" eaLnBrk="0" fontAlgn="base" latinLnBrk="0" hangingPunct="0">
-              <a:lnSpc>
-                <a:spcPct val="100000"/>
-              </a:lnSpc>
-              <a:spcBef>
-                <a:spcPts val="600"/>
-              </a:spcBef>
-              <a:spcAft>
-                <a:spcPct val="0"/>
-              </a:spcAft>
-              <a:buClrTx/>
-              <a:buSzTx/>
-              <a:tabLst/>
-            </a:pPr>
-            <a:r>
-              <a:rPr lang="ko-KR" altLang="ko-KR" sz="1600" dirty="0"/>
-              <a:t>다양한 실제 환경과 패턴, 데이터 형식을 고려하지 않으면 정확한 성능 평가가 불가능함.</a:t>
-            </a:r>
+            <a:endParaRPr lang="en-US" altLang="ko-KR" sz="1600" dirty="0"/>
           </a:p>
           <a:p>
             <a:pPr marL="0" marR="0" lvl="0" indent="0" algn="l" defTabSz="914400" rtl="0" eaLnBrk="0" fontAlgn="base" latinLnBrk="0" hangingPunct="0">
@@ -17052,8 +21582,12 @@
               </a:spcBef>
             </a:pPr>
             <a:r>
+              <a:rPr lang="ko-KR" altLang="en-US" sz="1600" dirty="0" smtClean="0"/>
+              <a:t>다양한 데이터 </a:t>
+            </a:r>
+            <a:r>
               <a:rPr lang="ko-KR" altLang="en-US" sz="1600" dirty="0"/>
-              <a:t>복잡한 데이터 형식과 대용량 데이터 파일을 사용한 성능 비교를 실시</a:t>
+              <a:t>형식과 대용량 데이터 파일을 사용한 성능 비교를 실시</a:t>
             </a:r>
             <a:r>
               <a:rPr lang="en-US" altLang="ko-KR" sz="1600" dirty="0" smtClean="0"/>
@@ -17267,7 +21801,7 @@
         </p:blipFill>
         <p:spPr bwMode="auto">
           <a:xfrm>
-            <a:off x="1047899" y="874271"/>
+            <a:off x="1047899" y="832326"/>
             <a:ext cx="829794" cy="829795"/>
           </a:xfrm>
           <a:prstGeom prst="rect">
@@ -17881,7 +22415,7 @@
         </p:blipFill>
         <p:spPr>
           <a:xfrm>
-            <a:off x="8511216" y="170550"/>
+            <a:off x="8805364" y="237498"/>
             <a:ext cx="1866659" cy="1892826"/>
           </a:xfrm>
           <a:prstGeom prst="rect">
@@ -17964,10 +22498,6 @@
               </a:rPr>
               <a:t>PCRE2</a:t>
             </a:r>
-            <a:endParaRPr lang="en-US" altLang="ko-KR" sz="3200" b="1" dirty="0">
-              <a:latin typeface="Inter" panose="02000503000000020004" pitchFamily="2" charset="0"/>
-              <a:ea typeface="Inter" panose="02000503000000020004" pitchFamily="2" charset="0"/>
-            </a:endParaRPr>
           </a:p>
         </p:txBody>
       </p:sp>
@@ -18091,9 +22621,236 @@
   <p:timing>
     <p:tnLst>
       <p:par>
-        <p:cTn id="1" dur="indefinite" restart="never" nodeType="tmRoot"/>
+        <p:cTn id="1" dur="indefinite" restart="never" nodeType="tmRoot">
+          <p:childTnLst>
+            <p:seq concurrent="1" nextAc="seek">
+              <p:cTn id="2" dur="indefinite" nodeType="mainSeq">
+                <p:childTnLst>
+                  <p:par>
+                    <p:cTn id="3" fill="hold">
+                      <p:stCondLst>
+                        <p:cond delay="indefinite"/>
+                      </p:stCondLst>
+                      <p:childTnLst>
+                        <p:par>
+                          <p:cTn id="4" fill="hold">
+                            <p:stCondLst>
+                              <p:cond delay="0"/>
+                            </p:stCondLst>
+                            <p:childTnLst>
+                              <p:par>
+                                <p:cTn id="5" presetID="1" presetClass="entr" presetSubtype="0" fill="hold" nodeType="clickEffect">
+                                  <p:stCondLst>
+                                    <p:cond delay="0"/>
+                                  </p:stCondLst>
+                                  <p:childTnLst>
+                                    <p:set>
+                                      <p:cBhvr>
+                                        <p:cTn id="6" dur="1" fill="hold">
+                                          <p:stCondLst>
+                                            <p:cond delay="0"/>
+                                          </p:stCondLst>
+                                        </p:cTn>
+                                        <p:tgtEl>
+                                          <p:spTgt spid="8"/>
+                                        </p:tgtEl>
+                                        <p:attrNameLst>
+                                          <p:attrName>style.visibility</p:attrName>
+                                        </p:attrNameLst>
+                                      </p:cBhvr>
+                                      <p:to>
+                                        <p:strVal val="visible"/>
+                                      </p:to>
+                                    </p:set>
+                                  </p:childTnLst>
+                                </p:cTn>
+                              </p:par>
+                              <p:par>
+                                <p:cTn id="7" presetID="1" presetClass="entr" presetSubtype="0" fill="hold" grpId="0" nodeType="withEffect">
+                                  <p:stCondLst>
+                                    <p:cond delay="0"/>
+                                  </p:stCondLst>
+                                  <p:childTnLst>
+                                    <p:set>
+                                      <p:cBhvr>
+                                        <p:cTn id="8" dur="1" fill="hold">
+                                          <p:stCondLst>
+                                            <p:cond delay="0"/>
+                                          </p:stCondLst>
+                                        </p:cTn>
+                                        <p:tgtEl>
+                                          <p:spTgt spid="2"/>
+                                        </p:tgtEl>
+                                        <p:attrNameLst>
+                                          <p:attrName>style.visibility</p:attrName>
+                                        </p:attrNameLst>
+                                      </p:cBhvr>
+                                      <p:to>
+                                        <p:strVal val="visible"/>
+                                      </p:to>
+                                    </p:set>
+                                  </p:childTnLst>
+                                </p:cTn>
+                              </p:par>
+                              <p:par>
+                                <p:cTn id="9" presetID="1" presetClass="entr" presetSubtype="0" fill="hold" grpId="0" nodeType="withEffect">
+                                  <p:stCondLst>
+                                    <p:cond delay="0"/>
+                                  </p:stCondLst>
+                                  <p:childTnLst>
+                                    <p:set>
+                                      <p:cBhvr>
+                                        <p:cTn id="10" dur="1" fill="hold">
+                                          <p:stCondLst>
+                                            <p:cond delay="0"/>
+                                          </p:stCondLst>
+                                        </p:cTn>
+                                        <p:tgtEl>
+                                          <p:spTgt spid="5"/>
+                                        </p:tgtEl>
+                                        <p:attrNameLst>
+                                          <p:attrName>style.visibility</p:attrName>
+                                        </p:attrNameLst>
+                                      </p:cBhvr>
+                                      <p:to>
+                                        <p:strVal val="visible"/>
+                                      </p:to>
+                                    </p:set>
+                                  </p:childTnLst>
+                                </p:cTn>
+                              </p:par>
+                            </p:childTnLst>
+                          </p:cTn>
+                        </p:par>
+                      </p:childTnLst>
+                    </p:cTn>
+                  </p:par>
+                  <p:par>
+                    <p:cTn id="11" fill="hold">
+                      <p:stCondLst>
+                        <p:cond delay="indefinite"/>
+                      </p:stCondLst>
+                      <p:childTnLst>
+                        <p:par>
+                          <p:cTn id="12" fill="hold">
+                            <p:stCondLst>
+                              <p:cond delay="0"/>
+                            </p:stCondLst>
+                            <p:childTnLst>
+                              <p:par>
+                                <p:cTn id="13" presetID="1" presetClass="entr" presetSubtype="0" fill="hold" nodeType="clickEffect">
+                                  <p:stCondLst>
+                                    <p:cond delay="0"/>
+                                  </p:stCondLst>
+                                  <p:childTnLst>
+                                    <p:set>
+                                      <p:cBhvr>
+                                        <p:cTn id="14" dur="1" fill="hold">
+                                          <p:stCondLst>
+                                            <p:cond delay="0"/>
+                                          </p:stCondLst>
+                                        </p:cTn>
+                                        <p:tgtEl>
+                                          <p:spTgt spid="9"/>
+                                        </p:tgtEl>
+                                        <p:attrNameLst>
+                                          <p:attrName>style.visibility</p:attrName>
+                                        </p:attrNameLst>
+                                      </p:cBhvr>
+                                      <p:to>
+                                        <p:strVal val="visible"/>
+                                      </p:to>
+                                    </p:set>
+                                  </p:childTnLst>
+                                </p:cTn>
+                              </p:par>
+                              <p:par>
+                                <p:cTn id="15" presetID="1" presetClass="entr" presetSubtype="0" fill="hold" grpId="0" nodeType="withEffect">
+                                  <p:stCondLst>
+                                    <p:cond delay="0"/>
+                                  </p:stCondLst>
+                                  <p:childTnLst>
+                                    <p:set>
+                                      <p:cBhvr>
+                                        <p:cTn id="16" dur="1" fill="hold">
+                                          <p:stCondLst>
+                                            <p:cond delay="0"/>
+                                          </p:stCondLst>
+                                        </p:cTn>
+                                        <p:tgtEl>
+                                          <p:spTgt spid="3"/>
+                                        </p:tgtEl>
+                                        <p:attrNameLst>
+                                          <p:attrName>style.visibility</p:attrName>
+                                        </p:attrNameLst>
+                                      </p:cBhvr>
+                                      <p:to>
+                                        <p:strVal val="visible"/>
+                                      </p:to>
+                                    </p:set>
+                                  </p:childTnLst>
+                                </p:cTn>
+                              </p:par>
+                              <p:par>
+                                <p:cTn id="17" presetID="1" presetClass="entr" presetSubtype="0" fill="hold" grpId="0" nodeType="withEffect">
+                                  <p:stCondLst>
+                                    <p:cond delay="0"/>
+                                  </p:stCondLst>
+                                  <p:childTnLst>
+                                    <p:set>
+                                      <p:cBhvr>
+                                        <p:cTn id="18" dur="1" fill="hold">
+                                          <p:stCondLst>
+                                            <p:cond delay="0"/>
+                                          </p:stCondLst>
+                                        </p:cTn>
+                                        <p:tgtEl>
+                                          <p:spTgt spid="10"/>
+                                        </p:tgtEl>
+                                        <p:attrNameLst>
+                                          <p:attrName>style.visibility</p:attrName>
+                                        </p:attrNameLst>
+                                      </p:cBhvr>
+                                      <p:to>
+                                        <p:strVal val="visible"/>
+                                      </p:to>
+                                    </p:set>
+                                  </p:childTnLst>
+                                </p:cTn>
+                              </p:par>
+                            </p:childTnLst>
+                          </p:cTn>
+                        </p:par>
+                      </p:childTnLst>
+                    </p:cTn>
+                  </p:par>
+                </p:childTnLst>
+              </p:cTn>
+              <p:prevCondLst>
+                <p:cond evt="onPrev" delay="0">
+                  <p:tgtEl>
+                    <p:sldTgt/>
+                  </p:tgtEl>
+                </p:cond>
+              </p:prevCondLst>
+              <p:nextCondLst>
+                <p:cond evt="onNext" delay="0">
+                  <p:tgtEl>
+                    <p:sldTgt/>
+                  </p:tgtEl>
+                </p:cond>
+              </p:nextCondLst>
+            </p:seq>
+          </p:childTnLst>
+        </p:cTn>
       </p:par>
     </p:tnLst>
+    <p:bldLst>
+      <p:bldP spid="2" grpId="0"/>
+      <p:bldP spid="3" grpId="0"/>
+      <p:bldP spid="5" grpId="0"/>
+      <p:bldP spid="10" grpId="0"/>
+    </p:bldLst>
   </p:timing>
 </p:sld>
 </file>
@@ -18687,26 +23444,13 @@
               </a:spcBef>
             </a:pPr>
             <a:r>
-              <a:rPr lang="en-US" altLang="ko-KR" sz="3600" dirty="0" smtClean="0">
-                <a:latin typeface="Inter" panose="02000503000000020004" pitchFamily="2" charset="0"/>
-                <a:ea typeface="Inter" panose="02000503000000020004" pitchFamily="2" charset="0"/>
-                <a:cs typeface="Courier New" panose="02070309020205020404" pitchFamily="49" charset="0"/>
-              </a:rPr>
-              <a:t>google</a:t>
-            </a:r>
-            <a:r>
               <a:rPr lang="en-US" altLang="ko-KR" sz="3600" b="1" dirty="0" smtClean="0">
                 <a:latin typeface="Inter" panose="02000503000000020004" pitchFamily="2" charset="0"/>
                 <a:ea typeface="Inter" panose="02000503000000020004" pitchFamily="2" charset="0"/>
                 <a:cs typeface="Courier New" panose="02070309020205020404" pitchFamily="49" charset="0"/>
               </a:rPr>
-              <a:t>/re2</a:t>
-            </a:r>
-            <a:endParaRPr lang="en-US" altLang="ko-KR" sz="3600" b="1" dirty="0" smtClean="0">
-              <a:latin typeface="Inter" panose="02000503000000020004" pitchFamily="2" charset="0"/>
-              <a:ea typeface="Inter" panose="02000503000000020004" pitchFamily="2" charset="0"/>
-              <a:cs typeface="Courier New" panose="02070309020205020404" pitchFamily="49" charset="0"/>
-            </a:endParaRPr>
+              <a:t>RE2</a:t>
+            </a:r>
           </a:p>
           <a:p>
             <a:pPr>
@@ -19273,8 +24017,8 @@
         </p:nvSpPr>
         <p:spPr>
           <a:xfrm>
-            <a:off x="1090714" y="2808107"/>
-            <a:ext cx="646331" cy="369332"/>
+            <a:off x="643687" y="2724217"/>
+            <a:ext cx="800219" cy="461665"/>
           </a:xfrm>
           <a:prstGeom prst="rect">
             <a:avLst/>
@@ -19292,7 +24036,7 @@
               </a:spcBef>
             </a:pPr>
             <a:r>
-              <a:rPr lang="ko-KR" altLang="en-US" b="1" dirty="0">
+              <a:rPr lang="ko-KR" altLang="en-US" sz="2400" b="1" dirty="0">
                 <a:solidFill>
                   <a:schemeClr val="bg1">
                     <a:lumMod val="50000"/>
@@ -19313,8 +24057,8 @@
         </p:nvSpPr>
         <p:spPr>
           <a:xfrm>
-            <a:off x="1090714" y="4480872"/>
-            <a:ext cx="646331" cy="369332"/>
+            <a:off x="643687" y="4388593"/>
+            <a:ext cx="800219" cy="461665"/>
           </a:xfrm>
           <a:prstGeom prst="rect">
             <a:avLst/>
@@ -19332,7 +24076,7 @@
               </a:spcBef>
             </a:pPr>
             <a:r>
-              <a:rPr lang="ko-KR" altLang="en-US" b="1" dirty="0" smtClean="0">
+              <a:rPr lang="ko-KR" altLang="en-US" sz="2400" b="1" dirty="0" smtClean="0">
                 <a:solidFill>
                   <a:schemeClr val="bg1">
                     <a:lumMod val="50000"/>
@@ -20995,7 +25739,7 @@
         <p:spPr>
           <a:xfrm>
             <a:off x="7424257" y="2324036"/>
-            <a:ext cx="3979178" cy="2062103"/>
+            <a:ext cx="3979178" cy="1815882"/>
           </a:xfrm>
           <a:prstGeom prst="rect">
             <a:avLst/>
@@ -21104,14 +25848,13 @@
               <a:rPr lang="ko-KR" altLang="en-US" sz="1600" dirty="0">
                 <a:latin typeface="Inter" panose="02000503000000020004" pitchFamily="2" charset="0"/>
               </a:rPr>
-              <a:t>을 요구하는 애플리케이션에 유리합니다</a:t>
-            </a:r>
-            <a:r>
-              <a:rPr lang="en-US" altLang="ko-KR" sz="1600" dirty="0">
+              <a:t>을 요구하는 애플리케이션에 </a:t>
+            </a:r>
+            <a:r>
+              <a:rPr lang="ko-KR" altLang="en-US" sz="1600" dirty="0" smtClean="0">
                 <a:latin typeface="Inter" panose="02000503000000020004" pitchFamily="2" charset="0"/>
-                <a:ea typeface="Inter" panose="02000503000000020004" pitchFamily="2" charset="0"/>
-              </a:rPr>
-              <a:t>. </a:t>
+              </a:rPr>
+              <a:t>유리</a:t>
             </a:r>
             <a:endParaRPr lang="en-US" altLang="ko-KR" sz="1600" dirty="0" smtClean="0">
               <a:latin typeface="Inter" panose="02000503000000020004" pitchFamily="2" charset="0"/>
@@ -21173,15 +25916,18 @@
               <a:rPr lang="ko-KR" altLang="en-US" sz="1600" dirty="0">
                 <a:latin typeface="Inter" panose="02000503000000020004" pitchFamily="2" charset="0"/>
               </a:rPr>
-              <a:t> 측면에서 주의가 필요할 수 있습니다</a:t>
-            </a:r>
-            <a:r>
-              <a:rPr lang="en-US" altLang="ko-KR" sz="1600" dirty="0">
+              <a:t> 측면에서 주의가 </a:t>
+            </a:r>
+            <a:r>
+              <a:rPr lang="ko-KR" altLang="en-US" sz="1600" dirty="0" smtClean="0">
                 <a:latin typeface="Inter" panose="02000503000000020004" pitchFamily="2" charset="0"/>
-                <a:ea typeface="Inter" panose="02000503000000020004" pitchFamily="2" charset="0"/>
-              </a:rPr>
-              <a:t>.</a:t>
-            </a:r>
+              </a:rPr>
+              <a:t>필요</a:t>
+            </a:r>
+            <a:endParaRPr lang="en-US" altLang="ko-KR" sz="1600" dirty="0">
+              <a:latin typeface="Inter" panose="02000503000000020004" pitchFamily="2" charset="0"/>
+              <a:ea typeface="Inter" panose="02000503000000020004" pitchFamily="2" charset="0"/>
+            </a:endParaRPr>
           </a:p>
         </p:txBody>
       </p:sp>
@@ -21194,7 +25940,7 @@
         <p:spPr>
           <a:xfrm>
             <a:off x="643687" y="2324036"/>
-            <a:ext cx="3908540" cy="2308324"/>
+            <a:ext cx="3908540" cy="2062103"/>
           </a:xfrm>
           <a:prstGeom prst="rect">
             <a:avLst/>
@@ -21285,15 +26031,18 @@
               <a:rPr lang="ko-KR" altLang="en-US" sz="1600" dirty="0">
                 <a:latin typeface="Inter" panose="02000503000000020004" pitchFamily="2" charset="0"/>
               </a:rPr>
-              <a:t>이 중요한 애플리케이션에 유리합니다</a:t>
-            </a:r>
-            <a:r>
-              <a:rPr lang="en-US" altLang="ko-KR" sz="1600" dirty="0" smtClean="0">
+              <a:t>이 중요한 애플리케이션에 </a:t>
+            </a:r>
+            <a:r>
+              <a:rPr lang="ko-KR" altLang="en-US" sz="1600" dirty="0" smtClean="0">
                 <a:latin typeface="Inter" panose="02000503000000020004" pitchFamily="2" charset="0"/>
-                <a:ea typeface="Inter" panose="02000503000000020004" pitchFamily="2" charset="0"/>
-              </a:rPr>
-              <a:t>.</a:t>
-            </a:r>
+              </a:rPr>
+              <a:t>유리</a:t>
+            </a:r>
+            <a:endParaRPr lang="en-US" altLang="ko-KR" sz="1600" dirty="0" smtClean="0">
+              <a:latin typeface="Inter" panose="02000503000000020004" pitchFamily="2" charset="0"/>
+              <a:ea typeface="Inter" panose="02000503000000020004" pitchFamily="2" charset="0"/>
+            </a:endParaRPr>
           </a:p>
           <a:p>
             <a:r>
@@ -21325,15 +26074,18 @@
               <a:rPr lang="ko-KR" altLang="en-US" sz="1600" dirty="0">
                 <a:latin typeface="Inter" panose="02000503000000020004" pitchFamily="2" charset="0"/>
               </a:rPr>
-              <a:t>적이어서 복잡한 패턴 매칭에는 적합하지 않을 수 있습니다</a:t>
-            </a:r>
-            <a:r>
-              <a:rPr lang="en-US" altLang="ko-KR" sz="1600" dirty="0">
+              <a:t>적이어서 복잡한 패턴 매칭에는 적합하지 </a:t>
+            </a:r>
+            <a:r>
+              <a:rPr lang="ko-KR" altLang="en-US" sz="1600" dirty="0" smtClean="0">
                 <a:latin typeface="Inter" panose="02000503000000020004" pitchFamily="2" charset="0"/>
-                <a:ea typeface="Inter" panose="02000503000000020004" pitchFamily="2" charset="0"/>
-              </a:rPr>
-              <a:t>.</a:t>
-            </a:r>
+              </a:rPr>
+              <a:t>않음</a:t>
+            </a:r>
+            <a:endParaRPr lang="en-US" altLang="ko-KR" sz="1600" dirty="0">
+              <a:latin typeface="Inter" panose="02000503000000020004" pitchFamily="2" charset="0"/>
+              <a:ea typeface="Inter" panose="02000503000000020004" pitchFamily="2" charset="0"/>
+            </a:endParaRPr>
           </a:p>
         </p:txBody>
       </p:sp>
@@ -22472,9 +27224,402 @@
   <p:timing>
     <p:tnLst>
       <p:par>
-        <p:cTn id="1" dur="indefinite" restart="never" nodeType="tmRoot"/>
+        <p:cTn id="1" dur="indefinite" restart="never" nodeType="tmRoot">
+          <p:childTnLst>
+            <p:seq concurrent="1" nextAc="seek">
+              <p:cTn id="2" dur="indefinite" nodeType="mainSeq">
+                <p:childTnLst>
+                  <p:par>
+                    <p:cTn id="3" fill="hold">
+                      <p:stCondLst>
+                        <p:cond delay="indefinite"/>
+                      </p:stCondLst>
+                      <p:childTnLst>
+                        <p:par>
+                          <p:cTn id="4" fill="hold">
+                            <p:stCondLst>
+                              <p:cond delay="0"/>
+                            </p:stCondLst>
+                            <p:childTnLst>
+                              <p:par>
+                                <p:cTn id="5" presetID="1" presetClass="entr" presetSubtype="0" fill="hold" grpId="0" nodeType="clickEffect">
+                                  <p:stCondLst>
+                                    <p:cond delay="0"/>
+                                  </p:stCondLst>
+                                  <p:childTnLst>
+                                    <p:set>
+                                      <p:cBhvr>
+                                        <p:cTn id="6" dur="1" fill="hold">
+                                          <p:stCondLst>
+                                            <p:cond delay="0"/>
+                                          </p:stCondLst>
+                                        </p:cTn>
+                                        <p:tgtEl>
+                                          <p:spTgt spid="10"/>
+                                        </p:tgtEl>
+                                        <p:attrNameLst>
+                                          <p:attrName>style.visibility</p:attrName>
+                                        </p:attrNameLst>
+                                      </p:cBhvr>
+                                      <p:to>
+                                        <p:strVal val="visible"/>
+                                      </p:to>
+                                    </p:set>
+                                  </p:childTnLst>
+                                </p:cTn>
+                              </p:par>
+                            </p:childTnLst>
+                          </p:cTn>
+                        </p:par>
+                      </p:childTnLst>
+                    </p:cTn>
+                  </p:par>
+                  <p:par>
+                    <p:cTn id="7" fill="hold">
+                      <p:stCondLst>
+                        <p:cond delay="indefinite"/>
+                      </p:stCondLst>
+                      <p:childTnLst>
+                        <p:par>
+                          <p:cTn id="8" fill="hold">
+                            <p:stCondLst>
+                              <p:cond delay="0"/>
+                            </p:stCondLst>
+                            <p:childTnLst>
+                              <p:par>
+                                <p:cTn id="9" presetID="1" presetClass="entr" presetSubtype="0" fill="hold" grpId="0" nodeType="clickEffect">
+                                  <p:stCondLst>
+                                    <p:cond delay="0"/>
+                                  </p:stCondLst>
+                                  <p:childTnLst>
+                                    <p:set>
+                                      <p:cBhvr>
+                                        <p:cTn id="10" dur="1" fill="hold">
+                                          <p:stCondLst>
+                                            <p:cond delay="0"/>
+                                          </p:stCondLst>
+                                        </p:cTn>
+                                        <p:tgtEl>
+                                          <p:spTgt spid="12"/>
+                                        </p:tgtEl>
+                                        <p:attrNameLst>
+                                          <p:attrName>style.visibility</p:attrName>
+                                        </p:attrNameLst>
+                                      </p:cBhvr>
+                                      <p:to>
+                                        <p:strVal val="visible"/>
+                                      </p:to>
+                                    </p:set>
+                                  </p:childTnLst>
+                                </p:cTn>
+                              </p:par>
+                            </p:childTnLst>
+                          </p:cTn>
+                        </p:par>
+                      </p:childTnLst>
+                    </p:cTn>
+                  </p:par>
+                  <p:par>
+                    <p:cTn id="11" fill="hold">
+                      <p:stCondLst>
+                        <p:cond delay="indefinite"/>
+                      </p:stCondLst>
+                      <p:childTnLst>
+                        <p:par>
+                          <p:cTn id="12" fill="hold">
+                            <p:stCondLst>
+                              <p:cond delay="0"/>
+                            </p:stCondLst>
+                            <p:childTnLst>
+                              <p:par>
+                                <p:cTn id="13" presetID="1" presetClass="entr" presetSubtype="0" fill="hold" grpId="0" nodeType="clickEffect">
+                                  <p:stCondLst>
+                                    <p:cond delay="0"/>
+                                  </p:stCondLst>
+                                  <p:childTnLst>
+                                    <p:set>
+                                      <p:cBhvr>
+                                        <p:cTn id="14" dur="1" fill="hold">
+                                          <p:stCondLst>
+                                            <p:cond delay="0"/>
+                                          </p:stCondLst>
+                                        </p:cTn>
+                                        <p:tgtEl>
+                                          <p:spTgt spid="11"/>
+                                        </p:tgtEl>
+                                        <p:attrNameLst>
+                                          <p:attrName>style.visibility</p:attrName>
+                                        </p:attrNameLst>
+                                      </p:cBhvr>
+                                      <p:to>
+                                        <p:strVal val="visible"/>
+                                      </p:to>
+                                    </p:set>
+                                  </p:childTnLst>
+                                </p:cTn>
+                              </p:par>
+                            </p:childTnLst>
+                          </p:cTn>
+                        </p:par>
+                      </p:childTnLst>
+                    </p:cTn>
+                  </p:par>
+                  <p:par>
+                    <p:cTn id="15" fill="hold">
+                      <p:stCondLst>
+                        <p:cond delay="indefinite"/>
+                      </p:stCondLst>
+                      <p:childTnLst>
+                        <p:par>
+                          <p:cTn id="16" fill="hold">
+                            <p:stCondLst>
+                              <p:cond delay="0"/>
+                            </p:stCondLst>
+                            <p:childTnLst>
+                              <p:par>
+                                <p:cTn id="17" presetID="1" presetClass="entr" presetSubtype="0" fill="hold" grpId="0" nodeType="clickEffect">
+                                  <p:stCondLst>
+                                    <p:cond delay="0"/>
+                                  </p:stCondLst>
+                                  <p:childTnLst>
+                                    <p:set>
+                                      <p:cBhvr>
+                                        <p:cTn id="18" dur="1" fill="hold">
+                                          <p:stCondLst>
+                                            <p:cond delay="0"/>
+                                          </p:stCondLst>
+                                        </p:cTn>
+                                        <p:tgtEl>
+                                          <p:spTgt spid="15"/>
+                                        </p:tgtEl>
+                                        <p:attrNameLst>
+                                          <p:attrName>style.visibility</p:attrName>
+                                        </p:attrNameLst>
+                                      </p:cBhvr>
+                                      <p:to>
+                                        <p:strVal val="visible"/>
+                                      </p:to>
+                                    </p:set>
+                                  </p:childTnLst>
+                                </p:cTn>
+                              </p:par>
+                            </p:childTnLst>
+                          </p:cTn>
+                        </p:par>
+                      </p:childTnLst>
+                    </p:cTn>
+                  </p:par>
+                  <p:par>
+                    <p:cTn id="19" fill="hold">
+                      <p:stCondLst>
+                        <p:cond delay="indefinite"/>
+                      </p:stCondLst>
+                      <p:childTnLst>
+                        <p:par>
+                          <p:cTn id="20" fill="hold">
+                            <p:stCondLst>
+                              <p:cond delay="0"/>
+                            </p:stCondLst>
+                            <p:childTnLst>
+                              <p:par>
+                                <p:cTn id="21" presetID="1" presetClass="entr" presetSubtype="0" fill="hold" grpId="0" nodeType="clickEffect">
+                                  <p:stCondLst>
+                                    <p:cond delay="0"/>
+                                  </p:stCondLst>
+                                  <p:childTnLst>
+                                    <p:set>
+                                      <p:cBhvr>
+                                        <p:cTn id="22" dur="1" fill="hold">
+                                          <p:stCondLst>
+                                            <p:cond delay="0"/>
+                                          </p:stCondLst>
+                                        </p:cTn>
+                                        <p:tgtEl>
+                                          <p:spTgt spid="13"/>
+                                        </p:tgtEl>
+                                        <p:attrNameLst>
+                                          <p:attrName>style.visibility</p:attrName>
+                                        </p:attrNameLst>
+                                      </p:cBhvr>
+                                      <p:to>
+                                        <p:strVal val="visible"/>
+                                      </p:to>
+                                    </p:set>
+                                  </p:childTnLst>
+                                </p:cTn>
+                              </p:par>
+                            </p:childTnLst>
+                          </p:cTn>
+                        </p:par>
+                      </p:childTnLst>
+                    </p:cTn>
+                  </p:par>
+                  <p:par>
+                    <p:cTn id="23" fill="hold">
+                      <p:stCondLst>
+                        <p:cond delay="indefinite"/>
+                      </p:stCondLst>
+                      <p:childTnLst>
+                        <p:par>
+                          <p:cTn id="24" fill="hold">
+                            <p:stCondLst>
+                              <p:cond delay="0"/>
+                            </p:stCondLst>
+                            <p:childTnLst>
+                              <p:par>
+                                <p:cTn id="25" presetID="1" presetClass="entr" presetSubtype="0" fill="hold" grpId="0" nodeType="clickEffect">
+                                  <p:stCondLst>
+                                    <p:cond delay="0"/>
+                                  </p:stCondLst>
+                                  <p:childTnLst>
+                                    <p:set>
+                                      <p:cBhvr>
+                                        <p:cTn id="26" dur="1" fill="hold">
+                                          <p:stCondLst>
+                                            <p:cond delay="0"/>
+                                          </p:stCondLst>
+                                        </p:cTn>
+                                        <p:tgtEl>
+                                          <p:spTgt spid="16"/>
+                                        </p:tgtEl>
+                                        <p:attrNameLst>
+                                          <p:attrName>style.visibility</p:attrName>
+                                        </p:attrNameLst>
+                                      </p:cBhvr>
+                                      <p:to>
+                                        <p:strVal val="visible"/>
+                                      </p:to>
+                                    </p:set>
+                                  </p:childTnLst>
+                                </p:cTn>
+                              </p:par>
+                            </p:childTnLst>
+                          </p:cTn>
+                        </p:par>
+                      </p:childTnLst>
+                    </p:cTn>
+                  </p:par>
+                  <p:par>
+                    <p:cTn id="27" fill="hold">
+                      <p:stCondLst>
+                        <p:cond delay="indefinite"/>
+                      </p:stCondLst>
+                      <p:childTnLst>
+                        <p:par>
+                          <p:cTn id="28" fill="hold">
+                            <p:stCondLst>
+                              <p:cond delay="0"/>
+                            </p:stCondLst>
+                            <p:childTnLst>
+                              <p:par>
+                                <p:cTn id="29" presetID="1" presetClass="entr" presetSubtype="0" fill="hold" grpId="0" nodeType="clickEffect">
+                                  <p:stCondLst>
+                                    <p:cond delay="0"/>
+                                  </p:stCondLst>
+                                  <p:childTnLst>
+                                    <p:set>
+                                      <p:cBhvr>
+                                        <p:cTn id="30" dur="1" fill="hold">
+                                          <p:stCondLst>
+                                            <p:cond delay="0"/>
+                                          </p:stCondLst>
+                                        </p:cTn>
+                                        <p:tgtEl>
+                                          <p:spTgt spid="14"/>
+                                        </p:tgtEl>
+                                        <p:attrNameLst>
+                                          <p:attrName>style.visibility</p:attrName>
+                                        </p:attrNameLst>
+                                      </p:cBhvr>
+                                      <p:to>
+                                        <p:strVal val="visible"/>
+                                      </p:to>
+                                    </p:set>
+                                  </p:childTnLst>
+                                </p:cTn>
+                              </p:par>
+                            </p:childTnLst>
+                          </p:cTn>
+                        </p:par>
+                      </p:childTnLst>
+                    </p:cTn>
+                  </p:par>
+                  <p:par>
+                    <p:cTn id="31" fill="hold">
+                      <p:stCondLst>
+                        <p:cond delay="indefinite"/>
+                      </p:stCondLst>
+                      <p:childTnLst>
+                        <p:par>
+                          <p:cTn id="32" fill="hold">
+                            <p:stCondLst>
+                              <p:cond delay="0"/>
+                            </p:stCondLst>
+                            <p:childTnLst>
+                              <p:par>
+                                <p:cTn id="33" presetID="1" presetClass="entr" presetSubtype="0" fill="hold" grpId="0" nodeType="clickEffect">
+                                  <p:stCondLst>
+                                    <p:cond delay="0"/>
+                                  </p:stCondLst>
+                                  <p:childTnLst>
+                                    <p:set>
+                                      <p:cBhvr>
+                                        <p:cTn id="34" dur="1" fill="hold">
+                                          <p:stCondLst>
+                                            <p:cond delay="0"/>
+                                          </p:stCondLst>
+                                        </p:cTn>
+                                        <p:tgtEl>
+                                          <p:spTgt spid="17"/>
+                                        </p:tgtEl>
+                                        <p:attrNameLst>
+                                          <p:attrName>style.visibility</p:attrName>
+                                        </p:attrNameLst>
+                                      </p:cBhvr>
+                                      <p:to>
+                                        <p:strVal val="visible"/>
+                                      </p:to>
+                                    </p:set>
+                                  </p:childTnLst>
+                                </p:cTn>
+                              </p:par>
+                            </p:childTnLst>
+                          </p:cTn>
+                        </p:par>
+                      </p:childTnLst>
+                    </p:cTn>
+                  </p:par>
+                </p:childTnLst>
+              </p:cTn>
+              <p:prevCondLst>
+                <p:cond evt="onPrev" delay="0">
+                  <p:tgtEl>
+                    <p:sldTgt/>
+                  </p:tgtEl>
+                </p:cond>
+              </p:prevCondLst>
+              <p:nextCondLst>
+                <p:cond evt="onNext" delay="0">
+                  <p:tgtEl>
+                    <p:sldTgt/>
+                  </p:tgtEl>
+                </p:cond>
+              </p:nextCondLst>
+            </p:seq>
+          </p:childTnLst>
+        </p:cTn>
       </p:par>
     </p:tnLst>
+    <p:bldLst>
+      <p:bldP spid="10" grpId="0" animBg="1"/>
+      <p:bldP spid="11" grpId="0" animBg="1"/>
+      <p:bldP spid="12" grpId="0" animBg="1"/>
+      <p:bldP spid="13" grpId="0" animBg="1"/>
+      <p:bldP spid="14" grpId="0" animBg="1"/>
+      <p:bldP spid="15" grpId="0" animBg="1"/>
+      <p:bldP spid="16" grpId="0" animBg="1"/>
+      <p:bldP spid="17" grpId="0" animBg="1"/>
+    </p:bldLst>
   </p:timing>
 </p:sld>
 </file>

--- a/정규표현식 라이브러리 성능 비교 (RegexBench) 프로그램 매뉴얼.pptx
+++ b/정규표현식 라이브러리 성능 비교 (RegexBench) 프로그램 매뉴얼.pptx
@@ -234,7 +234,7 @@
           <a:p>
             <a:fld id="{B331C4D5-3D81-41EE-9BAC-F7524609EB27}" type="datetimeFigureOut">
               <a:rPr lang="ko-KR" altLang="en-US" smtClean="0"/>
-              <a:t>2024-11-11</a:t>
+              <a:t>2024-11-12</a:t>
             </a:fld>
             <a:endParaRPr lang="ko-KR" altLang="en-US"/>
           </a:p>
@@ -400,7 +400,7 @@
           <a:p>
             <a:fld id="{F9DBF2FE-6022-4292-9ED6-05790478348A}" type="datetimeFigureOut">
               <a:rPr lang="ko-KR" altLang="en-US" smtClean="0"/>
-              <a:t>2024-11-11</a:t>
+              <a:t>2024-11-12</a:t>
             </a:fld>
             <a:endParaRPr lang="ko-KR" altLang="en-US"/>
           </a:p>
@@ -800,7 +800,7 @@
           <a:p>
             <a:fld id="{E2F4245B-6130-479B-BF11-1BF81AB662C1}" type="datetime1">
               <a:rPr lang="ko-KR" altLang="en-US" smtClean="0"/>
-              <a:t>2024-11-11</a:t>
+              <a:t>2024-11-12</a:t>
             </a:fld>
             <a:endParaRPr lang="ko-KR" altLang="en-US"/>
           </a:p>
@@ -970,7 +970,7 @@
           <a:p>
             <a:fld id="{F23BD81F-FA9A-410E-B18B-5AF11393B9D5}" type="datetime1">
               <a:rPr lang="ko-KR" altLang="en-US" smtClean="0"/>
-              <a:t>2024-11-11</a:t>
+              <a:t>2024-11-12</a:t>
             </a:fld>
             <a:endParaRPr lang="ko-KR" altLang="en-US"/>
           </a:p>
@@ -1150,7 +1150,7 @@
           <a:p>
             <a:fld id="{E2D384C7-8747-43EE-9193-FB743566546F}" type="datetime1">
               <a:rPr lang="ko-KR" altLang="en-US" smtClean="0"/>
-              <a:t>2024-11-11</a:t>
+              <a:t>2024-11-12</a:t>
             </a:fld>
             <a:endParaRPr lang="ko-KR" altLang="en-US"/>
           </a:p>
@@ -1320,7 +1320,7 @@
           <a:p>
             <a:fld id="{D4E2B750-EDFC-492E-A6B1-524190BEAF7B}" type="datetime1">
               <a:rPr lang="ko-KR" altLang="en-US" smtClean="0"/>
-              <a:t>2024-11-11</a:t>
+              <a:t>2024-11-12</a:t>
             </a:fld>
             <a:endParaRPr lang="ko-KR" altLang="en-US"/>
           </a:p>
@@ -1566,7 +1566,7 @@
           <a:p>
             <a:fld id="{0EA0F96F-1396-4C18-8B3A-169BA4F74943}" type="datetime1">
               <a:rPr lang="ko-KR" altLang="en-US" smtClean="0"/>
-              <a:t>2024-11-11</a:t>
+              <a:t>2024-11-12</a:t>
             </a:fld>
             <a:endParaRPr lang="ko-KR" altLang="en-US"/>
           </a:p>
@@ -1798,7 +1798,7 @@
           <a:p>
             <a:fld id="{F11A2406-0834-46B6-AFE3-B79D20103DED}" type="datetime1">
               <a:rPr lang="ko-KR" altLang="en-US" smtClean="0"/>
-              <a:t>2024-11-11</a:t>
+              <a:t>2024-11-12</a:t>
             </a:fld>
             <a:endParaRPr lang="ko-KR" altLang="en-US"/>
           </a:p>
@@ -2165,7 +2165,7 @@
           <a:p>
             <a:fld id="{65D46FB6-F89B-4FA3-B197-2C95C5BBD063}" type="datetime1">
               <a:rPr lang="ko-KR" altLang="en-US" smtClean="0"/>
-              <a:t>2024-11-11</a:t>
+              <a:t>2024-11-12</a:t>
             </a:fld>
             <a:endParaRPr lang="ko-KR" altLang="en-US"/>
           </a:p>
@@ -2283,7 +2283,7 @@
           <a:p>
             <a:fld id="{6126A960-EBB2-4C44-B410-BDBB92F7ACF0}" type="datetime1">
               <a:rPr lang="ko-KR" altLang="en-US" smtClean="0"/>
-              <a:t>2024-11-11</a:t>
+              <a:t>2024-11-12</a:t>
             </a:fld>
             <a:endParaRPr lang="ko-KR" altLang="en-US"/>
           </a:p>
@@ -2378,7 +2378,7 @@
           <a:p>
             <a:fld id="{4455C1EB-D68E-4BF9-8FF8-9818981A286C}" type="datetime1">
               <a:rPr lang="ko-KR" altLang="en-US" smtClean="0"/>
-              <a:t>2024-11-11</a:t>
+              <a:t>2024-11-12</a:t>
             </a:fld>
             <a:endParaRPr lang="ko-KR" altLang="en-US"/>
           </a:p>
@@ -2655,7 +2655,7 @@
           <a:p>
             <a:fld id="{28AC0ECD-6DB1-4A74-9695-7F3B7CB6C247}" type="datetime1">
               <a:rPr lang="ko-KR" altLang="en-US" smtClean="0"/>
-              <a:t>2024-11-11</a:t>
+              <a:t>2024-11-12</a:t>
             </a:fld>
             <a:endParaRPr lang="ko-KR" altLang="en-US"/>
           </a:p>
@@ -2908,7 +2908,7 @@
           <a:p>
             <a:fld id="{FD2DBFA0-DC75-4397-955F-E40BB171373F}" type="datetime1">
               <a:rPr lang="ko-KR" altLang="en-US" smtClean="0"/>
-              <a:t>2024-11-11</a:t>
+              <a:t>2024-11-12</a:t>
             </a:fld>
             <a:endParaRPr lang="ko-KR" altLang="en-US"/>
           </a:p>
@@ -3121,7 +3121,7 @@
           <a:p>
             <a:fld id="{985EB184-00DB-4F61-B11B-2DAEC5466DC0}" type="datetime1">
               <a:rPr lang="ko-KR" altLang="en-US" smtClean="0"/>
-              <a:t>2024-11-11</a:t>
+              <a:t>2024-11-12</a:t>
             </a:fld>
             <a:endParaRPr lang="ko-KR" altLang="en-US"/>
           </a:p>
@@ -3605,26 +3605,10 @@
                 <a:ea typeface="함초롬돋움" panose="020B0604000101010101" pitchFamily="50" charset="-127"/>
                 <a:cs typeface="함초롬돋움" panose="020B0604000101010101" pitchFamily="50" charset="-127"/>
               </a:rPr>
-              <a:t> 라이브러리 </a:t>
-            </a:r>
-            <a:r>
-              <a:rPr lang="ko-KR" altLang="en-US" sz="3600" b="1" smtClean="0">
-                <a:latin typeface="+mj-lt"/>
-                <a:ea typeface="함초롬돋움" panose="020B0604000101010101" pitchFamily="50" charset="-127"/>
-                <a:cs typeface="함초롬돋움" panose="020B0604000101010101" pitchFamily="50" charset="-127"/>
-              </a:rPr>
-              <a:t>성능 </a:t>
-            </a:r>
-            <a:r>
-              <a:rPr lang="ko-KR" altLang="en-US" sz="3600" b="1" smtClean="0">
-                <a:latin typeface="+mj-lt"/>
-                <a:ea typeface="함초롬돋움" panose="020B0604000101010101" pitchFamily="50" charset="-127"/>
-                <a:cs typeface="함초롬돋움" panose="020B0604000101010101" pitchFamily="50" charset="-127"/>
-              </a:rPr>
-              <a:t>비교　</a:t>
-            </a:r>
-            <a:r>
-              <a:rPr lang="ko-KR" altLang="en-US" sz="3600" b="1" smtClean="0">
+              <a:t> 라이브러리 성능 비교　</a:t>
+            </a:r>
+            <a:r>
+              <a:rPr lang="ko-KR" altLang="en-US" sz="3600" b="1" dirty="0" smtClean="0">
                 <a:ea typeface="함초롬돋움" panose="020B0604000101010101" pitchFamily="50" charset="-127"/>
                 <a:cs typeface="함초롬돋움" panose="020B0604000101010101" pitchFamily="50" charset="-127"/>
               </a:rPr>
@@ -4732,19 +4716,6 @@
               </a:rPr>
               <a:t>８</a:t>
             </a:r>
-            <a:endParaRPr lang="ko-KR" altLang="en-US" sz="1050" b="1" dirty="0">
-              <a:ln w="0"/>
-              <a:solidFill>
-                <a:schemeClr val="bg1"/>
-              </a:solidFill>
-              <a:effectLst>
-                <a:outerShdw blurRad="38100" dist="19050" dir="2700000" algn="tl" rotWithShape="0">
-                  <a:schemeClr val="dk1">
-                    <a:alpha val="40000"/>
-                  </a:schemeClr>
-                </a:outerShdw>
-              </a:effectLst>
-            </a:endParaRPr>
           </a:p>
         </p:txBody>
       </p:sp>
@@ -4808,19 +4779,6 @@
               </a:rPr>
               <a:t>９</a:t>
             </a:r>
-            <a:endParaRPr lang="ko-KR" altLang="en-US" sz="1050" b="1" dirty="0">
-              <a:ln w="0"/>
-              <a:solidFill>
-                <a:schemeClr val="bg1"/>
-              </a:solidFill>
-              <a:effectLst>
-                <a:outerShdw blurRad="38100" dist="19050" dir="2700000" algn="tl" rotWithShape="0">
-                  <a:schemeClr val="dk1">
-                    <a:alpha val="40000"/>
-                  </a:schemeClr>
-                </a:outerShdw>
-              </a:effectLst>
-            </a:endParaRPr>
           </a:p>
         </p:txBody>
       </p:sp>
@@ -18039,7 +17997,381 @@
   <p:timing>
     <p:tnLst>
       <p:par>
-        <p:cTn id="1" dur="indefinite" restart="never" nodeType="tmRoot"/>
+        <p:cTn id="1" dur="indefinite" restart="never" nodeType="tmRoot">
+          <p:childTnLst>
+            <p:seq concurrent="1" nextAc="seek">
+              <p:cTn id="2" dur="indefinite" nodeType="mainSeq">
+                <p:childTnLst>
+                  <p:par>
+                    <p:cTn id="3" fill="hold">
+                      <p:stCondLst>
+                        <p:cond delay="indefinite"/>
+                      </p:stCondLst>
+                      <p:childTnLst>
+                        <p:par>
+                          <p:cTn id="4" fill="hold">
+                            <p:stCondLst>
+                              <p:cond delay="0"/>
+                            </p:stCondLst>
+                            <p:childTnLst>
+                              <p:par>
+                                <p:cTn id="5" presetID="1" presetClass="entr" presetSubtype="0" fill="hold" nodeType="clickEffect">
+                                  <p:stCondLst>
+                                    <p:cond delay="0"/>
+                                  </p:stCondLst>
+                                  <p:childTnLst>
+                                    <p:set>
+                                      <p:cBhvr>
+                                        <p:cTn id="6" dur="1" fill="hold">
+                                          <p:stCondLst>
+                                            <p:cond delay="0"/>
+                                          </p:stCondLst>
+                                        </p:cTn>
+                                        <p:tgtEl>
+                                          <p:spTgt spid="10"/>
+                                        </p:tgtEl>
+                                        <p:attrNameLst>
+                                          <p:attrName>style.visibility</p:attrName>
+                                        </p:attrNameLst>
+                                      </p:cBhvr>
+                                      <p:to>
+                                        <p:strVal val="visible"/>
+                                      </p:to>
+                                    </p:set>
+                                  </p:childTnLst>
+                                </p:cTn>
+                              </p:par>
+                            </p:childTnLst>
+                          </p:cTn>
+                        </p:par>
+                      </p:childTnLst>
+                    </p:cTn>
+                  </p:par>
+                  <p:par>
+                    <p:cTn id="7" fill="hold">
+                      <p:stCondLst>
+                        <p:cond delay="indefinite"/>
+                      </p:stCondLst>
+                      <p:childTnLst>
+                        <p:par>
+                          <p:cTn id="8" fill="hold">
+                            <p:stCondLst>
+                              <p:cond delay="0"/>
+                            </p:stCondLst>
+                            <p:childTnLst>
+                              <p:par>
+                                <p:cTn id="9" presetID="1" presetClass="entr" presetSubtype="0" fill="hold" nodeType="clickEffect">
+                                  <p:stCondLst>
+                                    <p:cond delay="0"/>
+                                  </p:stCondLst>
+                                  <p:childTnLst>
+                                    <p:set>
+                                      <p:cBhvr>
+                                        <p:cTn id="10" dur="1" fill="hold">
+                                          <p:stCondLst>
+                                            <p:cond delay="0"/>
+                                          </p:stCondLst>
+                                        </p:cTn>
+                                        <p:tgtEl>
+                                          <p:spTgt spid="11"/>
+                                        </p:tgtEl>
+                                        <p:attrNameLst>
+                                          <p:attrName>style.visibility</p:attrName>
+                                        </p:attrNameLst>
+                                      </p:cBhvr>
+                                      <p:to>
+                                        <p:strVal val="visible"/>
+                                      </p:to>
+                                    </p:set>
+                                  </p:childTnLst>
+                                </p:cTn>
+                              </p:par>
+                              <p:par>
+                                <p:cTn id="11" presetID="1" presetClass="entr" presetSubtype="0" fill="hold" nodeType="withEffect">
+                                  <p:stCondLst>
+                                    <p:cond delay="0"/>
+                                  </p:stCondLst>
+                                  <p:childTnLst>
+                                    <p:set>
+                                      <p:cBhvr>
+                                        <p:cTn id="12" dur="1" fill="hold">
+                                          <p:stCondLst>
+                                            <p:cond delay="0"/>
+                                          </p:stCondLst>
+                                        </p:cTn>
+                                        <p:tgtEl>
+                                          <p:spTgt spid="23"/>
+                                        </p:tgtEl>
+                                        <p:attrNameLst>
+                                          <p:attrName>style.visibility</p:attrName>
+                                        </p:attrNameLst>
+                                      </p:cBhvr>
+                                      <p:to>
+                                        <p:strVal val="visible"/>
+                                      </p:to>
+                                    </p:set>
+                                  </p:childTnLst>
+                                </p:cTn>
+                              </p:par>
+                            </p:childTnLst>
+                          </p:cTn>
+                        </p:par>
+                      </p:childTnLst>
+                    </p:cTn>
+                  </p:par>
+                  <p:par>
+                    <p:cTn id="13" fill="hold">
+                      <p:stCondLst>
+                        <p:cond delay="indefinite"/>
+                      </p:stCondLst>
+                      <p:childTnLst>
+                        <p:par>
+                          <p:cTn id="14" fill="hold">
+                            <p:stCondLst>
+                              <p:cond delay="0"/>
+                            </p:stCondLst>
+                            <p:childTnLst>
+                              <p:par>
+                                <p:cTn id="15" presetID="1" presetClass="entr" presetSubtype="0" fill="hold" nodeType="clickEffect">
+                                  <p:stCondLst>
+                                    <p:cond delay="0"/>
+                                  </p:stCondLst>
+                                  <p:childTnLst>
+                                    <p:set>
+                                      <p:cBhvr>
+                                        <p:cTn id="16" dur="1" fill="hold">
+                                          <p:stCondLst>
+                                            <p:cond delay="0"/>
+                                          </p:stCondLst>
+                                        </p:cTn>
+                                        <p:tgtEl>
+                                          <p:spTgt spid="8"/>
+                                        </p:tgtEl>
+                                        <p:attrNameLst>
+                                          <p:attrName>style.visibility</p:attrName>
+                                        </p:attrNameLst>
+                                      </p:cBhvr>
+                                      <p:to>
+                                        <p:strVal val="visible"/>
+                                      </p:to>
+                                    </p:set>
+                                  </p:childTnLst>
+                                </p:cTn>
+                              </p:par>
+                            </p:childTnLst>
+                          </p:cTn>
+                        </p:par>
+                      </p:childTnLst>
+                    </p:cTn>
+                  </p:par>
+                  <p:par>
+                    <p:cTn id="17" fill="hold">
+                      <p:stCondLst>
+                        <p:cond delay="indefinite"/>
+                      </p:stCondLst>
+                      <p:childTnLst>
+                        <p:par>
+                          <p:cTn id="18" fill="hold">
+                            <p:stCondLst>
+                              <p:cond delay="0"/>
+                            </p:stCondLst>
+                            <p:childTnLst>
+                              <p:par>
+                                <p:cTn id="19" presetID="1" presetClass="entr" presetSubtype="0" fill="hold" nodeType="clickEffect">
+                                  <p:stCondLst>
+                                    <p:cond delay="0"/>
+                                  </p:stCondLst>
+                                  <p:childTnLst>
+                                    <p:set>
+                                      <p:cBhvr>
+                                        <p:cTn id="20" dur="1" fill="hold">
+                                          <p:stCondLst>
+                                            <p:cond delay="0"/>
+                                          </p:stCondLst>
+                                        </p:cTn>
+                                        <p:tgtEl>
+                                          <p:spTgt spid="18"/>
+                                        </p:tgtEl>
+                                        <p:attrNameLst>
+                                          <p:attrName>style.visibility</p:attrName>
+                                        </p:attrNameLst>
+                                      </p:cBhvr>
+                                      <p:to>
+                                        <p:strVal val="visible"/>
+                                      </p:to>
+                                    </p:set>
+                                  </p:childTnLst>
+                                </p:cTn>
+                              </p:par>
+                              <p:par>
+                                <p:cTn id="21" presetID="1" presetClass="entr" presetSubtype="0" fill="hold" nodeType="withEffect">
+                                  <p:stCondLst>
+                                    <p:cond delay="0"/>
+                                  </p:stCondLst>
+                                  <p:childTnLst>
+                                    <p:set>
+                                      <p:cBhvr>
+                                        <p:cTn id="22" dur="1" fill="hold">
+                                          <p:stCondLst>
+                                            <p:cond delay="0"/>
+                                          </p:stCondLst>
+                                        </p:cTn>
+                                        <p:tgtEl>
+                                          <p:spTgt spid="21"/>
+                                        </p:tgtEl>
+                                        <p:attrNameLst>
+                                          <p:attrName>style.visibility</p:attrName>
+                                        </p:attrNameLst>
+                                      </p:cBhvr>
+                                      <p:to>
+                                        <p:strVal val="visible"/>
+                                      </p:to>
+                                    </p:set>
+                                  </p:childTnLst>
+                                </p:cTn>
+                              </p:par>
+                            </p:childTnLst>
+                          </p:cTn>
+                        </p:par>
+                      </p:childTnLst>
+                    </p:cTn>
+                  </p:par>
+                  <p:par>
+                    <p:cTn id="23" fill="hold">
+                      <p:stCondLst>
+                        <p:cond delay="indefinite"/>
+                      </p:stCondLst>
+                      <p:childTnLst>
+                        <p:par>
+                          <p:cTn id="24" fill="hold">
+                            <p:stCondLst>
+                              <p:cond delay="0"/>
+                            </p:stCondLst>
+                            <p:childTnLst>
+                              <p:par>
+                                <p:cTn id="25" presetID="1" presetClass="entr" presetSubtype="0" fill="hold" nodeType="clickEffect">
+                                  <p:stCondLst>
+                                    <p:cond delay="0"/>
+                                  </p:stCondLst>
+                                  <p:childTnLst>
+                                    <p:set>
+                                      <p:cBhvr>
+                                        <p:cTn id="26" dur="1" fill="hold">
+                                          <p:stCondLst>
+                                            <p:cond delay="0"/>
+                                          </p:stCondLst>
+                                        </p:cTn>
+                                        <p:tgtEl>
+                                          <p:spTgt spid="4"/>
+                                        </p:tgtEl>
+                                        <p:attrNameLst>
+                                          <p:attrName>style.visibility</p:attrName>
+                                        </p:attrNameLst>
+                                      </p:cBhvr>
+                                      <p:to>
+                                        <p:strVal val="visible"/>
+                                      </p:to>
+                                    </p:set>
+                                  </p:childTnLst>
+                                </p:cTn>
+                              </p:par>
+                            </p:childTnLst>
+                          </p:cTn>
+                        </p:par>
+                      </p:childTnLst>
+                    </p:cTn>
+                  </p:par>
+                  <p:par>
+                    <p:cTn id="27" fill="hold">
+                      <p:stCondLst>
+                        <p:cond delay="indefinite"/>
+                      </p:stCondLst>
+                      <p:childTnLst>
+                        <p:par>
+                          <p:cTn id="28" fill="hold">
+                            <p:stCondLst>
+                              <p:cond delay="0"/>
+                            </p:stCondLst>
+                            <p:childTnLst>
+                              <p:par>
+                                <p:cTn id="29" presetID="1" presetClass="entr" presetSubtype="0" fill="hold" nodeType="clickEffect">
+                                  <p:stCondLst>
+                                    <p:cond delay="0"/>
+                                  </p:stCondLst>
+                                  <p:childTnLst>
+                                    <p:set>
+                                      <p:cBhvr>
+                                        <p:cTn id="30" dur="1" fill="hold">
+                                          <p:stCondLst>
+                                            <p:cond delay="0"/>
+                                          </p:stCondLst>
+                                        </p:cTn>
+                                        <p:tgtEl>
+                                          <p:spTgt spid="19"/>
+                                        </p:tgtEl>
+                                        <p:attrNameLst>
+                                          <p:attrName>style.visibility</p:attrName>
+                                        </p:attrNameLst>
+                                      </p:cBhvr>
+                                      <p:to>
+                                        <p:strVal val="visible"/>
+                                      </p:to>
+                                    </p:set>
+                                  </p:childTnLst>
+                                </p:cTn>
+                              </p:par>
+                              <p:par>
+                                <p:cTn id="31" presetID="1" presetClass="entr" presetSubtype="0" fill="hold" nodeType="withEffect">
+                                  <p:stCondLst>
+                                    <p:cond delay="0"/>
+                                  </p:stCondLst>
+                                  <p:childTnLst>
+                                    <p:set>
+                                      <p:cBhvr>
+                                        <p:cTn id="32" dur="1" fill="hold">
+                                          <p:stCondLst>
+                                            <p:cond delay="0"/>
+                                          </p:stCondLst>
+                                        </p:cTn>
+                                        <p:tgtEl>
+                                          <p:spTgt spid="25"/>
+                                        </p:tgtEl>
+                                        <p:attrNameLst>
+                                          <p:attrName>style.visibility</p:attrName>
+                                        </p:attrNameLst>
+                                      </p:cBhvr>
+                                      <p:to>
+                                        <p:strVal val="visible"/>
+                                      </p:to>
+                                    </p:set>
+                                  </p:childTnLst>
+                                </p:cTn>
+                              </p:par>
+                            </p:childTnLst>
+                          </p:cTn>
+                        </p:par>
+                      </p:childTnLst>
+                    </p:cTn>
+                  </p:par>
+                </p:childTnLst>
+              </p:cTn>
+              <p:prevCondLst>
+                <p:cond evt="onPrev" delay="0">
+                  <p:tgtEl>
+                    <p:sldTgt/>
+                  </p:tgtEl>
+                </p:cond>
+              </p:prevCondLst>
+              <p:nextCondLst>
+                <p:cond evt="onNext" delay="0">
+                  <p:tgtEl>
+                    <p:sldTgt/>
+                  </p:tgtEl>
+                </p:cond>
+              </p:nextCondLst>
+            </p:seq>
+          </p:childTnLst>
+        </p:cTn>
       </p:par>
     </p:tnLst>
   </p:timing>
@@ -20813,11 +21145,7 @@
             </a:pPr>
             <a:r>
               <a:rPr lang="ko-KR" altLang="ko-KR" sz="1600" dirty="0" smtClean="0"/>
-              <a:t>RE2</a:t>
-            </a:r>
-            <a:r>
-              <a:rPr lang="ko-KR" altLang="ko-KR" sz="1600" dirty="0" smtClean="0"/>
-              <a:t>: 높은 최적화 수준 덕분에 PCRE2보다 우수한 처리 속도를 보임.</a:t>
+              <a:t>RE2: 높은 최적화 수준 덕분에 PCRE2보다 우수한 처리 속도를 보임.</a:t>
             </a:r>
             <a:endParaRPr lang="en-US" altLang="ko-KR" sz="1600" dirty="0" smtClean="0"/>
           </a:p>
@@ -20832,11 +21160,7 @@
             </a:pPr>
             <a:r>
               <a:rPr lang="ko-KR" altLang="ko-KR" sz="1600" dirty="0" smtClean="0"/>
-              <a:t>PCRE2</a:t>
-            </a:r>
-            <a:r>
-              <a:rPr lang="ko-KR" altLang="ko-KR" sz="1600" dirty="0" smtClean="0"/>
-              <a:t>: </a:t>
+              <a:t>PCRE2: </a:t>
             </a:r>
             <a:r>
               <a:rPr lang="ko-KR" altLang="en-US" sz="1600" dirty="0" smtClean="0"/>
@@ -20917,10 +21241,14 @@
             </a:pPr>
             <a:r>
               <a:rPr lang="ko-KR" altLang="ko-KR" sz="1600" dirty="0"/>
-              <a:t>사용된 정규 표현식 패턴(^</a:t>
-            </a:r>
-            <a:r>
-              <a:rPr lang="ko-KR" altLang="ko-KR" sz="1600" dirty="0" err="1"/>
+              <a:t>사용된 정규 표현식 </a:t>
+            </a:r>
+            <a:r>
+              <a:rPr lang="ko-KR" altLang="ko-KR" sz="1600" dirty="0" smtClean="0"/>
+              <a:t>패턴(^</a:t>
+            </a:r>
+            <a:r>
+              <a:rPr lang="ko-KR" altLang="ko-KR" sz="1600" dirty="0" err="1" smtClean="0"/>
               <a:t>a</a:t>
             </a:r>
             <a:r>
@@ -20933,7 +21261,11 @@
             </a:r>
             <a:r>
               <a:rPr lang="ko-KR" altLang="ko-KR" sz="1600" dirty="0" smtClean="0"/>
-              <a:t> 단순한 </a:t>
+              <a:t> </a:t>
+            </a:r>
+            <a:r>
+              <a:rPr lang="ko-KR" altLang="ko-KR" sz="1600" dirty="0" smtClean="0"/>
+              <a:t>단순한 </a:t>
             </a:r>
             <a:r>
               <a:rPr lang="ko-KR" altLang="ko-KR" sz="1600" dirty="0"/>
